--- a/doc/Travelplaner.pptx
+++ b/doc/Travelplaner.pptx
@@ -1,6 +1,6 @@
 
 <file path=ppt/presentation.xml><?xml version="1.0" encoding="utf-8"?>
-<p:presentation xmlns:a="http://schemas.openxmlformats.org/drawingml/2006/main" xmlns:r="http://schemas.openxmlformats.org/officeDocument/2006/relationships" xmlns:p="http://schemas.openxmlformats.org/presentationml/2006/main" saveSubsetFonts="1">
+<p:presentation xmlns:a="http://schemas.openxmlformats.org/drawingml/2006/main" xmlns:r="http://schemas.openxmlformats.org/officeDocument/2006/relationships" xmlns:p="http://schemas.openxmlformats.org/presentationml/2006/main" serverZoom="35231" saveSubsetFonts="1">
   <p:sldMasterIdLst>
     <p:sldMasterId id="2147483648" r:id="rId1"/>
   </p:sldMasterIdLst>
@@ -296,6 +296,7 @@
           <a:p>
             <a:fld id="{3C443DA0-1E00-47BC-B1FF-D9B0CE983651}" type="datetimeFigureOut">
               <a:rPr lang="de-CH" smtClean="0"/>
+              <a:pPr/>
               <a:t>15.01.2014</a:t>
             </a:fld>
             <a:endParaRPr lang="de-CH"/>
@@ -338,6 +339,7 @@
           <a:p>
             <a:fld id="{7F7D67D1-6196-4FC6-8A25-B3D96AB50BA9}" type="slidenum">
               <a:rPr lang="de-CH" smtClean="0"/>
+              <a:pPr/>
               <a:t>‹Nr.›</a:t>
             </a:fld>
             <a:endParaRPr lang="de-CH"/>
@@ -461,6 +463,7 @@
           <a:p>
             <a:fld id="{3C443DA0-1E00-47BC-B1FF-D9B0CE983651}" type="datetimeFigureOut">
               <a:rPr lang="de-CH" smtClean="0"/>
+              <a:pPr/>
               <a:t>15.01.2014</a:t>
             </a:fld>
             <a:endParaRPr lang="de-CH"/>
@@ -503,6 +506,7 @@
           <a:p>
             <a:fld id="{7F7D67D1-6196-4FC6-8A25-B3D96AB50BA9}" type="slidenum">
               <a:rPr lang="de-CH" smtClean="0"/>
+              <a:pPr/>
               <a:t>‹Nr.›</a:t>
             </a:fld>
             <a:endParaRPr lang="de-CH"/>
@@ -636,6 +640,7 @@
           <a:p>
             <a:fld id="{3C443DA0-1E00-47BC-B1FF-D9B0CE983651}" type="datetimeFigureOut">
               <a:rPr lang="de-CH" smtClean="0"/>
+              <a:pPr/>
               <a:t>15.01.2014</a:t>
             </a:fld>
             <a:endParaRPr lang="de-CH"/>
@@ -678,6 +683,7 @@
           <a:p>
             <a:fld id="{7F7D67D1-6196-4FC6-8A25-B3D96AB50BA9}" type="slidenum">
               <a:rPr lang="de-CH" smtClean="0"/>
+              <a:pPr/>
               <a:t>‹Nr.›</a:t>
             </a:fld>
             <a:endParaRPr lang="de-CH"/>
@@ -801,6 +807,7 @@
           <a:p>
             <a:fld id="{3C443DA0-1E00-47BC-B1FF-D9B0CE983651}" type="datetimeFigureOut">
               <a:rPr lang="de-CH" smtClean="0"/>
+              <a:pPr/>
               <a:t>15.01.2014</a:t>
             </a:fld>
             <a:endParaRPr lang="de-CH"/>
@@ -843,6 +850,7 @@
           <a:p>
             <a:fld id="{7F7D67D1-6196-4FC6-8A25-B3D96AB50BA9}" type="slidenum">
               <a:rPr lang="de-CH" smtClean="0"/>
+              <a:pPr/>
               <a:t>‹Nr.›</a:t>
             </a:fld>
             <a:endParaRPr lang="de-CH"/>
@@ -1042,6 +1050,7 @@
           <a:p>
             <a:fld id="{3C443DA0-1E00-47BC-B1FF-D9B0CE983651}" type="datetimeFigureOut">
               <a:rPr lang="de-CH" smtClean="0"/>
+              <a:pPr/>
               <a:t>15.01.2014</a:t>
             </a:fld>
             <a:endParaRPr lang="de-CH"/>
@@ -1084,6 +1093,7 @@
           <a:p>
             <a:fld id="{7F7D67D1-6196-4FC6-8A25-B3D96AB50BA9}" type="slidenum">
               <a:rPr lang="de-CH" smtClean="0"/>
+              <a:pPr/>
               <a:t>‹Nr.›</a:t>
             </a:fld>
             <a:endParaRPr lang="de-CH"/>
@@ -1325,6 +1335,7 @@
           <a:p>
             <a:fld id="{3C443DA0-1E00-47BC-B1FF-D9B0CE983651}" type="datetimeFigureOut">
               <a:rPr lang="de-CH" smtClean="0"/>
+              <a:pPr/>
               <a:t>15.01.2014</a:t>
             </a:fld>
             <a:endParaRPr lang="de-CH"/>
@@ -1367,6 +1378,7 @@
           <a:p>
             <a:fld id="{7F7D67D1-6196-4FC6-8A25-B3D96AB50BA9}" type="slidenum">
               <a:rPr lang="de-CH" smtClean="0"/>
+              <a:pPr/>
               <a:t>‹Nr.›</a:t>
             </a:fld>
             <a:endParaRPr lang="de-CH"/>
@@ -1742,6 +1754,7 @@
           <a:p>
             <a:fld id="{3C443DA0-1E00-47BC-B1FF-D9B0CE983651}" type="datetimeFigureOut">
               <a:rPr lang="de-CH" smtClean="0"/>
+              <a:pPr/>
               <a:t>15.01.2014</a:t>
             </a:fld>
             <a:endParaRPr lang="de-CH"/>
@@ -1784,6 +1797,7 @@
           <a:p>
             <a:fld id="{7F7D67D1-6196-4FC6-8A25-B3D96AB50BA9}" type="slidenum">
               <a:rPr lang="de-CH" smtClean="0"/>
+              <a:pPr/>
               <a:t>‹Nr.›</a:t>
             </a:fld>
             <a:endParaRPr lang="de-CH"/>
@@ -1855,6 +1869,7 @@
           <a:p>
             <a:fld id="{3C443DA0-1E00-47BC-B1FF-D9B0CE983651}" type="datetimeFigureOut">
               <a:rPr lang="de-CH" smtClean="0"/>
+              <a:pPr/>
               <a:t>15.01.2014</a:t>
             </a:fld>
             <a:endParaRPr lang="de-CH"/>
@@ -1897,6 +1912,7 @@
           <a:p>
             <a:fld id="{7F7D67D1-6196-4FC6-8A25-B3D96AB50BA9}" type="slidenum">
               <a:rPr lang="de-CH" smtClean="0"/>
+              <a:pPr/>
               <a:t>‹Nr.›</a:t>
             </a:fld>
             <a:endParaRPr lang="de-CH"/>
@@ -1945,6 +1961,7 @@
           <a:p>
             <a:fld id="{3C443DA0-1E00-47BC-B1FF-D9B0CE983651}" type="datetimeFigureOut">
               <a:rPr lang="de-CH" smtClean="0"/>
+              <a:pPr/>
               <a:t>15.01.2014</a:t>
             </a:fld>
             <a:endParaRPr lang="de-CH"/>
@@ -1987,6 +2004,7 @@
           <a:p>
             <a:fld id="{7F7D67D1-6196-4FC6-8A25-B3D96AB50BA9}" type="slidenum">
               <a:rPr lang="de-CH" smtClean="0"/>
+              <a:pPr/>
               <a:t>‹Nr.›</a:t>
             </a:fld>
             <a:endParaRPr lang="de-CH"/>
@@ -2217,6 +2235,7 @@
           <a:p>
             <a:fld id="{3C443DA0-1E00-47BC-B1FF-D9B0CE983651}" type="datetimeFigureOut">
               <a:rPr lang="de-CH" smtClean="0"/>
+              <a:pPr/>
               <a:t>15.01.2014</a:t>
             </a:fld>
             <a:endParaRPr lang="de-CH"/>
@@ -2259,6 +2278,7 @@
           <a:p>
             <a:fld id="{7F7D67D1-6196-4FC6-8A25-B3D96AB50BA9}" type="slidenum">
               <a:rPr lang="de-CH" smtClean="0"/>
+              <a:pPr/>
               <a:t>‹Nr.›</a:t>
             </a:fld>
             <a:endParaRPr lang="de-CH"/>
@@ -2465,6 +2485,7 @@
           <a:p>
             <a:fld id="{3C443DA0-1E00-47BC-B1FF-D9B0CE983651}" type="datetimeFigureOut">
               <a:rPr lang="de-CH" smtClean="0"/>
+              <a:pPr/>
               <a:t>15.01.2014</a:t>
             </a:fld>
             <a:endParaRPr lang="de-CH"/>
@@ -2507,6 +2528,7 @@
           <a:p>
             <a:fld id="{7F7D67D1-6196-4FC6-8A25-B3D96AB50BA9}" type="slidenum">
               <a:rPr lang="de-CH" smtClean="0"/>
+              <a:pPr/>
               <a:t>‹Nr.›</a:t>
             </a:fld>
             <a:endParaRPr lang="de-CH"/>
@@ -2673,6 +2695,7 @@
           <a:p>
             <a:fld id="{3C443DA0-1E00-47BC-B1FF-D9B0CE983651}" type="datetimeFigureOut">
               <a:rPr lang="de-CH" smtClean="0"/>
+              <a:pPr/>
               <a:t>15.01.2014</a:t>
             </a:fld>
             <a:endParaRPr lang="de-CH"/>
@@ -2751,6 +2774,7 @@
           <a:p>
             <a:fld id="{7F7D67D1-6196-4FC6-8A25-B3D96AB50BA9}" type="slidenum">
               <a:rPr lang="de-CH" smtClean="0"/>
+              <a:pPr/>
               <a:t>‹Nr.›</a:t>
             </a:fld>
             <a:endParaRPr lang="de-CH"/>
@@ -3164,11 +3188,7 @@
             </a:r>
             <a:r>
               <a:rPr lang="de-CH" dirty="0" smtClean="0"/>
-              <a:t>.</a:t>
-            </a:r>
-            <a:r>
-              <a:rPr lang="de-CH" dirty="0" smtClean="0"/>
-              <a:t>)</a:t>
+              <a:t>.)</a:t>
             </a:r>
           </a:p>
           <a:p>
@@ -3252,8 +3272,20 @@
         </p:nvSpPr>
         <p:spPr/>
         <p:txBody>
-          <a:bodyPr/>
-          <a:lstStyle/>
+          <a:bodyPr>
+            <a:normAutofit lnSpcReduction="10000"/>
+          </a:bodyPr>
+          <a:lstStyle/>
+          <a:p>
+            <a:r>
+              <a:rPr lang="en-US" smtClean="0"/>
+              <a:t>A road net consists in road stretches with various speed limitations, slopes, impediments, gas stations, etc… A vehicle is likewise characterized by its consumption under variable conditions, tank capacity, speed limit, etc… The characterizations of both roads and cars are part of the project.</a:t>
+            </a:r>
+            <a:endParaRPr lang="de-CH" dirty="0" smtClean="0"/>
+          </a:p>
+          <a:p>
+            <a:endParaRPr lang="de-CH" dirty="0" smtClean="0"/>
+          </a:p>
           <a:p>
             <a:r>
               <a:rPr lang="de-CH" dirty="0" smtClean="0"/>

--- a/doc/Travelplaner.pptx
+++ b/doc/Travelplaner.pptx
@@ -2,18 +2,22 @@
 <file path=ppt/presentation.xml><?xml version="1.0" encoding="utf-8"?>
 <p:presentation xmlns:a="http://schemas.openxmlformats.org/drawingml/2006/main" xmlns:r="http://schemas.openxmlformats.org/officeDocument/2006/relationships" xmlns:p="http://schemas.openxmlformats.org/presentationml/2006/main" serverZoom="35231" saveSubsetFonts="1">
   <p:sldMasterIdLst>
-    <p:sldMasterId id="2147483648" r:id="rId1"/>
+    <p:sldMasterId id="2147483684" r:id="rId1"/>
   </p:sldMasterIdLst>
+  <p:notesMasterIdLst>
+    <p:notesMasterId r:id="rId12"/>
+  </p:notesMasterIdLst>
   <p:sldIdLst>
     <p:sldId id="256" r:id="rId2"/>
     <p:sldId id="257" r:id="rId3"/>
-    <p:sldId id="258" r:id="rId4"/>
-    <p:sldId id="259" r:id="rId5"/>
-    <p:sldId id="264" r:id="rId6"/>
-    <p:sldId id="260" r:id="rId7"/>
-    <p:sldId id="262" r:id="rId8"/>
-    <p:sldId id="263" r:id="rId9"/>
-    <p:sldId id="261" r:id="rId10"/>
+    <p:sldId id="265" r:id="rId4"/>
+    <p:sldId id="258" r:id="rId5"/>
+    <p:sldId id="259" r:id="rId6"/>
+    <p:sldId id="264" r:id="rId7"/>
+    <p:sldId id="260" r:id="rId8"/>
+    <p:sldId id="262" r:id="rId9"/>
+    <p:sldId id="263" r:id="rId10"/>
+    <p:sldId id="261" r:id="rId11"/>
   </p:sldIdLst>
   <p:sldSz cx="9144000" cy="6858000" type="screen4x3"/>
   <p:notesSz cx="6858000" cy="9144000"/>
@@ -115,8 +119,855 @@
 </p:presentation>
 </file>
 
+<file path=ppt/notesMasters/notesMaster1.xml><?xml version="1.0" encoding="utf-8"?>
+<p:notesMaster xmlns:a="http://schemas.openxmlformats.org/drawingml/2006/main" xmlns:r="http://schemas.openxmlformats.org/officeDocument/2006/relationships" xmlns:p="http://schemas.openxmlformats.org/presentationml/2006/main">
+  <p:cSld>
+    <p:bg>
+      <p:bgRef idx="1001">
+        <a:schemeClr val="bg1"/>
+      </p:bgRef>
+    </p:bg>
+    <p:spTree>
+      <p:nvGrpSpPr>
+        <p:cNvPr id="1" name=""/>
+        <p:cNvGrpSpPr/>
+        <p:nvPr/>
+      </p:nvGrpSpPr>
+      <p:grpSpPr>
+        <a:xfrm>
+          <a:off x="0" y="0"/>
+          <a:ext cx="0" cy="0"/>
+          <a:chOff x="0" y="0"/>
+          <a:chExt cx="0" cy="0"/>
+        </a:xfrm>
+      </p:grpSpPr>
+      <p:sp>
+        <p:nvSpPr>
+          <p:cNvPr id="2" name="Kopfzeilenplatzhalter 1"/>
+          <p:cNvSpPr>
+            <a:spLocks noGrp="1"/>
+          </p:cNvSpPr>
+          <p:nvPr>
+            <p:ph type="hdr" sz="quarter"/>
+          </p:nvPr>
+        </p:nvSpPr>
+        <p:spPr>
+          <a:xfrm>
+            <a:off x="0" y="0"/>
+            <a:ext cx="2971800" cy="457200"/>
+          </a:xfrm>
+          <a:prstGeom prst="rect">
+            <a:avLst/>
+          </a:prstGeom>
+        </p:spPr>
+        <p:txBody>
+          <a:bodyPr vert="horz" lIns="91440" tIns="45720" rIns="91440" bIns="45720" rtlCol="0"/>
+          <a:lstStyle>
+            <a:lvl1pPr algn="l">
+              <a:defRPr sz="1200"/>
+            </a:lvl1pPr>
+          </a:lstStyle>
+          <a:p>
+            <a:endParaRPr lang="de-CH"/>
+          </a:p>
+        </p:txBody>
+      </p:sp>
+      <p:sp>
+        <p:nvSpPr>
+          <p:cNvPr id="3" name="Datumsplatzhalter 2"/>
+          <p:cNvSpPr>
+            <a:spLocks noGrp="1"/>
+          </p:cNvSpPr>
+          <p:nvPr>
+            <p:ph type="dt" idx="1"/>
+          </p:nvPr>
+        </p:nvSpPr>
+        <p:spPr>
+          <a:xfrm>
+            <a:off x="3884613" y="0"/>
+            <a:ext cx="2971800" cy="457200"/>
+          </a:xfrm>
+          <a:prstGeom prst="rect">
+            <a:avLst/>
+          </a:prstGeom>
+        </p:spPr>
+        <p:txBody>
+          <a:bodyPr vert="horz" lIns="91440" tIns="45720" rIns="91440" bIns="45720" rtlCol="0"/>
+          <a:lstStyle>
+            <a:lvl1pPr algn="r">
+              <a:defRPr sz="1200"/>
+            </a:lvl1pPr>
+          </a:lstStyle>
+          <a:p>
+            <a:fld id="{20A8E737-BDE3-4182-9248-90E76ACCF5B8}" type="datetimeFigureOut">
+              <a:rPr lang="de-CH" smtClean="0"/>
+              <a:pPr/>
+              <a:t>16.01.2014</a:t>
+            </a:fld>
+            <a:endParaRPr lang="de-CH"/>
+          </a:p>
+        </p:txBody>
+      </p:sp>
+      <p:sp>
+        <p:nvSpPr>
+          <p:cNvPr id="4" name="Folienbildplatzhalter 3"/>
+          <p:cNvSpPr>
+            <a:spLocks noGrp="1" noRot="1" noChangeAspect="1"/>
+          </p:cNvSpPr>
+          <p:nvPr>
+            <p:ph type="sldImg" idx="2"/>
+          </p:nvPr>
+        </p:nvSpPr>
+        <p:spPr>
+          <a:xfrm>
+            <a:off x="1143000" y="685800"/>
+            <a:ext cx="4572000" cy="3429000"/>
+          </a:xfrm>
+          <a:prstGeom prst="rect">
+            <a:avLst/>
+          </a:prstGeom>
+          <a:noFill/>
+          <a:ln w="12700">
+            <a:solidFill>
+              <a:prstClr val="black"/>
+            </a:solidFill>
+          </a:ln>
+        </p:spPr>
+        <p:txBody>
+          <a:bodyPr vert="horz" lIns="91440" tIns="45720" rIns="91440" bIns="45720" rtlCol="0" anchor="ctr"/>
+          <a:lstStyle/>
+          <a:p>
+            <a:endParaRPr lang="de-CH"/>
+          </a:p>
+        </p:txBody>
+      </p:sp>
+      <p:sp>
+        <p:nvSpPr>
+          <p:cNvPr id="5" name="Notizenplatzhalter 4"/>
+          <p:cNvSpPr>
+            <a:spLocks noGrp="1"/>
+          </p:cNvSpPr>
+          <p:nvPr>
+            <p:ph type="body" sz="quarter" idx="3"/>
+          </p:nvPr>
+        </p:nvSpPr>
+        <p:spPr>
+          <a:xfrm>
+            <a:off x="685800" y="4343400"/>
+            <a:ext cx="5486400" cy="4114800"/>
+          </a:xfrm>
+          <a:prstGeom prst="rect">
+            <a:avLst/>
+          </a:prstGeom>
+        </p:spPr>
+        <p:txBody>
+          <a:bodyPr vert="horz" lIns="91440" tIns="45720" rIns="91440" bIns="45720" rtlCol="0">
+            <a:normAutofit/>
+          </a:bodyPr>
+          <a:lstStyle/>
+          <a:p>
+            <a:pPr lvl="0"/>
+            <a:r>
+              <a:rPr lang="de-DE" smtClean="0"/>
+              <a:t>Textmasterformate durch Klicken bearbeiten</a:t>
+            </a:r>
+          </a:p>
+          <a:p>
+            <a:pPr lvl="1"/>
+            <a:r>
+              <a:rPr lang="de-DE" smtClean="0"/>
+              <a:t>Zweite Ebene</a:t>
+            </a:r>
+          </a:p>
+          <a:p>
+            <a:pPr lvl="2"/>
+            <a:r>
+              <a:rPr lang="de-DE" smtClean="0"/>
+              <a:t>Dritte Ebene</a:t>
+            </a:r>
+          </a:p>
+          <a:p>
+            <a:pPr lvl="3"/>
+            <a:r>
+              <a:rPr lang="de-DE" smtClean="0"/>
+              <a:t>Vierte Ebene</a:t>
+            </a:r>
+          </a:p>
+          <a:p>
+            <a:pPr lvl="4"/>
+            <a:r>
+              <a:rPr lang="de-DE" smtClean="0"/>
+              <a:t>Fünfte Ebene</a:t>
+            </a:r>
+            <a:endParaRPr lang="de-CH"/>
+          </a:p>
+        </p:txBody>
+      </p:sp>
+      <p:sp>
+        <p:nvSpPr>
+          <p:cNvPr id="6" name="Fußzeilenplatzhalter 5"/>
+          <p:cNvSpPr>
+            <a:spLocks noGrp="1"/>
+          </p:cNvSpPr>
+          <p:nvPr>
+            <p:ph type="ftr" sz="quarter" idx="4"/>
+          </p:nvPr>
+        </p:nvSpPr>
+        <p:spPr>
+          <a:xfrm>
+            <a:off x="0" y="8685213"/>
+            <a:ext cx="2971800" cy="457200"/>
+          </a:xfrm>
+          <a:prstGeom prst="rect">
+            <a:avLst/>
+          </a:prstGeom>
+        </p:spPr>
+        <p:txBody>
+          <a:bodyPr vert="horz" lIns="91440" tIns="45720" rIns="91440" bIns="45720" rtlCol="0" anchor="b"/>
+          <a:lstStyle>
+            <a:lvl1pPr algn="l">
+              <a:defRPr sz="1200"/>
+            </a:lvl1pPr>
+          </a:lstStyle>
+          <a:p>
+            <a:endParaRPr lang="de-CH"/>
+          </a:p>
+        </p:txBody>
+      </p:sp>
+      <p:sp>
+        <p:nvSpPr>
+          <p:cNvPr id="7" name="Foliennummernplatzhalter 6"/>
+          <p:cNvSpPr>
+            <a:spLocks noGrp="1"/>
+          </p:cNvSpPr>
+          <p:nvPr>
+            <p:ph type="sldNum" sz="quarter" idx="5"/>
+          </p:nvPr>
+        </p:nvSpPr>
+        <p:spPr>
+          <a:xfrm>
+            <a:off x="3884613" y="8685213"/>
+            <a:ext cx="2971800" cy="457200"/>
+          </a:xfrm>
+          <a:prstGeom prst="rect">
+            <a:avLst/>
+          </a:prstGeom>
+        </p:spPr>
+        <p:txBody>
+          <a:bodyPr vert="horz" lIns="91440" tIns="45720" rIns="91440" bIns="45720" rtlCol="0" anchor="b"/>
+          <a:lstStyle>
+            <a:lvl1pPr algn="r">
+              <a:defRPr sz="1200"/>
+            </a:lvl1pPr>
+          </a:lstStyle>
+          <a:p>
+            <a:fld id="{ECBD401A-81B9-4679-A128-D9729041E63E}" type="slidenum">
+              <a:rPr lang="de-CH" smtClean="0"/>
+              <a:pPr/>
+              <a:t>‹Nr.›</a:t>
+            </a:fld>
+            <a:endParaRPr lang="de-CH"/>
+          </a:p>
+        </p:txBody>
+      </p:sp>
+    </p:spTree>
+  </p:cSld>
+  <p:clrMap bg1="lt1" tx1="dk1" bg2="lt2" tx2="dk2" accent1="accent1" accent2="accent2" accent3="accent3" accent4="accent4" accent5="accent5" accent6="accent6" hlink="hlink" folHlink="folHlink"/>
+  <p:notesStyle>
+    <a:lvl1pPr marL="0" algn="l" defTabSz="914400" rtl="0" eaLnBrk="1" latinLnBrk="0" hangingPunct="1">
+      <a:defRPr sz="1200" kern="1200">
+        <a:solidFill>
+          <a:schemeClr val="tx1"/>
+        </a:solidFill>
+        <a:latin typeface="+mn-lt"/>
+        <a:ea typeface="+mn-ea"/>
+        <a:cs typeface="+mn-cs"/>
+      </a:defRPr>
+    </a:lvl1pPr>
+    <a:lvl2pPr marL="457200" algn="l" defTabSz="914400" rtl="0" eaLnBrk="1" latinLnBrk="0" hangingPunct="1">
+      <a:defRPr sz="1200" kern="1200">
+        <a:solidFill>
+          <a:schemeClr val="tx1"/>
+        </a:solidFill>
+        <a:latin typeface="+mn-lt"/>
+        <a:ea typeface="+mn-ea"/>
+        <a:cs typeface="+mn-cs"/>
+      </a:defRPr>
+    </a:lvl2pPr>
+    <a:lvl3pPr marL="914400" algn="l" defTabSz="914400" rtl="0" eaLnBrk="1" latinLnBrk="0" hangingPunct="1">
+      <a:defRPr sz="1200" kern="1200">
+        <a:solidFill>
+          <a:schemeClr val="tx1"/>
+        </a:solidFill>
+        <a:latin typeface="+mn-lt"/>
+        <a:ea typeface="+mn-ea"/>
+        <a:cs typeface="+mn-cs"/>
+      </a:defRPr>
+    </a:lvl3pPr>
+    <a:lvl4pPr marL="1371600" algn="l" defTabSz="914400" rtl="0" eaLnBrk="1" latinLnBrk="0" hangingPunct="1">
+      <a:defRPr sz="1200" kern="1200">
+        <a:solidFill>
+          <a:schemeClr val="tx1"/>
+        </a:solidFill>
+        <a:latin typeface="+mn-lt"/>
+        <a:ea typeface="+mn-ea"/>
+        <a:cs typeface="+mn-cs"/>
+      </a:defRPr>
+    </a:lvl4pPr>
+    <a:lvl5pPr marL="1828800" algn="l" defTabSz="914400" rtl="0" eaLnBrk="1" latinLnBrk="0" hangingPunct="1">
+      <a:defRPr sz="1200" kern="1200">
+        <a:solidFill>
+          <a:schemeClr val="tx1"/>
+        </a:solidFill>
+        <a:latin typeface="+mn-lt"/>
+        <a:ea typeface="+mn-ea"/>
+        <a:cs typeface="+mn-cs"/>
+      </a:defRPr>
+    </a:lvl5pPr>
+    <a:lvl6pPr marL="2286000" algn="l" defTabSz="914400" rtl="0" eaLnBrk="1" latinLnBrk="0" hangingPunct="1">
+      <a:defRPr sz="1200" kern="1200">
+        <a:solidFill>
+          <a:schemeClr val="tx1"/>
+        </a:solidFill>
+        <a:latin typeface="+mn-lt"/>
+        <a:ea typeface="+mn-ea"/>
+        <a:cs typeface="+mn-cs"/>
+      </a:defRPr>
+    </a:lvl6pPr>
+    <a:lvl7pPr marL="2743200" algn="l" defTabSz="914400" rtl="0" eaLnBrk="1" latinLnBrk="0" hangingPunct="1">
+      <a:defRPr sz="1200" kern="1200">
+        <a:solidFill>
+          <a:schemeClr val="tx1"/>
+        </a:solidFill>
+        <a:latin typeface="+mn-lt"/>
+        <a:ea typeface="+mn-ea"/>
+        <a:cs typeface="+mn-cs"/>
+      </a:defRPr>
+    </a:lvl7pPr>
+    <a:lvl8pPr marL="3200400" algn="l" defTabSz="914400" rtl="0" eaLnBrk="1" latinLnBrk="0" hangingPunct="1">
+      <a:defRPr sz="1200" kern="1200">
+        <a:solidFill>
+          <a:schemeClr val="tx1"/>
+        </a:solidFill>
+        <a:latin typeface="+mn-lt"/>
+        <a:ea typeface="+mn-ea"/>
+        <a:cs typeface="+mn-cs"/>
+      </a:defRPr>
+    </a:lvl8pPr>
+    <a:lvl9pPr marL="3657600" algn="l" defTabSz="914400" rtl="0" eaLnBrk="1" latinLnBrk="0" hangingPunct="1">
+      <a:defRPr sz="1200" kern="1200">
+        <a:solidFill>
+          <a:schemeClr val="tx1"/>
+        </a:solidFill>
+        <a:latin typeface="+mn-lt"/>
+        <a:ea typeface="+mn-ea"/>
+        <a:cs typeface="+mn-cs"/>
+      </a:defRPr>
+    </a:lvl9pPr>
+  </p:notesStyle>
+</p:notesMaster>
+</file>
+
+<file path=ppt/notesSlides/notesSlide1.xml><?xml version="1.0" encoding="utf-8"?>
+<p:notes xmlns:a="http://schemas.openxmlformats.org/drawingml/2006/main" xmlns:r="http://schemas.openxmlformats.org/officeDocument/2006/relationships" xmlns:p="http://schemas.openxmlformats.org/presentationml/2006/main">
+  <p:cSld>
+    <p:spTree>
+      <p:nvGrpSpPr>
+        <p:cNvPr id="1" name=""/>
+        <p:cNvGrpSpPr/>
+        <p:nvPr/>
+      </p:nvGrpSpPr>
+      <p:grpSpPr>
+        <a:xfrm>
+          <a:off x="0" y="0"/>
+          <a:ext cx="0" cy="0"/>
+          <a:chOff x="0" y="0"/>
+          <a:chExt cx="0" cy="0"/>
+        </a:xfrm>
+      </p:grpSpPr>
+      <p:sp>
+        <p:nvSpPr>
+          <p:cNvPr id="2" name="Folienbildplatzhalter 1"/>
+          <p:cNvSpPr>
+            <a:spLocks noGrp="1" noRot="1" noChangeAspect="1"/>
+          </p:cNvSpPr>
+          <p:nvPr>
+            <p:ph type="sldImg"/>
+          </p:nvPr>
+        </p:nvSpPr>
+        <p:spPr/>
+      </p:sp>
+      <p:sp>
+        <p:nvSpPr>
+          <p:cNvPr id="3" name="Notizenplatzhalter 2"/>
+          <p:cNvSpPr>
+            <a:spLocks noGrp="1"/>
+          </p:cNvSpPr>
+          <p:nvPr>
+            <p:ph type="body" idx="1"/>
+          </p:nvPr>
+        </p:nvSpPr>
+        <p:spPr/>
+        <p:txBody>
+          <a:bodyPr>
+            <a:normAutofit/>
+          </a:bodyPr>
+          <a:lstStyle/>
+          <a:p>
+            <a:r>
+              <a:rPr lang="de-CH" dirty="0" smtClean="0"/>
+              <a:t>Als Einleitung</a:t>
+            </a:r>
+            <a:r>
+              <a:rPr lang="de-CH" baseline="0" dirty="0" smtClean="0"/>
+              <a:t> die Ausgangslage in Erinnerung rufen.</a:t>
+            </a:r>
+          </a:p>
+          <a:p>
+            <a:r>
+              <a:rPr lang="de-CH" baseline="0" dirty="0" smtClean="0"/>
+              <a:t>Aus dieser Ausgangslage die Ziele definiert.</a:t>
+            </a:r>
+          </a:p>
+          <a:p>
+            <a:r>
+              <a:rPr lang="de-CH" baseline="0" dirty="0" smtClean="0"/>
+              <a:t>Wie sah unser SW-Entwicklungsprozess aus.</a:t>
+            </a:r>
+          </a:p>
+          <a:p>
+            <a:r>
+              <a:rPr lang="de-CH" baseline="0" dirty="0" smtClean="0"/>
+              <a:t>Design.</a:t>
+            </a:r>
+          </a:p>
+          <a:p>
+            <a:r>
+              <a:rPr lang="de-CH" baseline="0" dirty="0" smtClean="0"/>
+              <a:t>Demo.</a:t>
+            </a:r>
+            <a:endParaRPr lang="de-CH" dirty="0" smtClean="0"/>
+          </a:p>
+          <a:p>
+            <a:r>
+              <a:rPr lang="de-CH" dirty="0" smtClean="0"/>
+              <a:t>1 </a:t>
+            </a:r>
+            <a:r>
+              <a:rPr lang="de-CH" dirty="0" smtClean="0"/>
+              <a:t>min</a:t>
+            </a:r>
+            <a:endParaRPr lang="de-CH" dirty="0"/>
+          </a:p>
+        </p:txBody>
+      </p:sp>
+      <p:sp>
+        <p:nvSpPr>
+          <p:cNvPr id="4" name="Foliennummernplatzhalter 3"/>
+          <p:cNvSpPr>
+            <a:spLocks noGrp="1"/>
+          </p:cNvSpPr>
+          <p:nvPr>
+            <p:ph type="sldNum" sz="quarter" idx="10"/>
+          </p:nvPr>
+        </p:nvSpPr>
+        <p:spPr/>
+        <p:txBody>
+          <a:bodyPr/>
+          <a:lstStyle/>
+          <a:p>
+            <a:fld id="{ECBD401A-81B9-4679-A128-D9729041E63E}" type="slidenum">
+              <a:rPr lang="de-CH" smtClean="0"/>
+              <a:pPr/>
+              <a:t>2</a:t>
+            </a:fld>
+            <a:endParaRPr lang="de-CH"/>
+          </a:p>
+        </p:txBody>
+      </p:sp>
+    </p:spTree>
+  </p:cSld>
+  <p:clrMapOvr>
+    <a:masterClrMapping/>
+  </p:clrMapOvr>
+</p:notes>
+</file>
+
+<file path=ppt/notesSlides/notesSlide2.xml><?xml version="1.0" encoding="utf-8"?>
+<p:notes xmlns:a="http://schemas.openxmlformats.org/drawingml/2006/main" xmlns:r="http://schemas.openxmlformats.org/officeDocument/2006/relationships" xmlns:p="http://schemas.openxmlformats.org/presentationml/2006/main">
+  <p:cSld>
+    <p:spTree>
+      <p:nvGrpSpPr>
+        <p:cNvPr id="1" name=""/>
+        <p:cNvGrpSpPr/>
+        <p:nvPr/>
+      </p:nvGrpSpPr>
+      <p:grpSpPr>
+        <a:xfrm>
+          <a:off x="0" y="0"/>
+          <a:ext cx="0" cy="0"/>
+          <a:chOff x="0" y="0"/>
+          <a:chExt cx="0" cy="0"/>
+        </a:xfrm>
+      </p:grpSpPr>
+      <p:sp>
+        <p:nvSpPr>
+          <p:cNvPr id="2" name="Folienbildplatzhalter 1"/>
+          <p:cNvSpPr>
+            <a:spLocks noGrp="1" noRot="1" noChangeAspect="1"/>
+          </p:cNvSpPr>
+          <p:nvPr>
+            <p:ph type="sldImg"/>
+          </p:nvPr>
+        </p:nvSpPr>
+        <p:spPr/>
+      </p:sp>
+      <p:sp>
+        <p:nvSpPr>
+          <p:cNvPr id="3" name="Notizenplatzhalter 2"/>
+          <p:cNvSpPr>
+            <a:spLocks noGrp="1"/>
+          </p:cNvSpPr>
+          <p:nvPr>
+            <p:ph type="body" idx="1"/>
+          </p:nvPr>
+        </p:nvSpPr>
+        <p:spPr/>
+        <p:txBody>
+          <a:bodyPr>
+            <a:normAutofit/>
+          </a:bodyPr>
+          <a:lstStyle/>
+          <a:p>
+            <a:r>
+              <a:rPr lang="de-CH" dirty="0" smtClean="0"/>
+              <a:t>1 min.</a:t>
+            </a:r>
+            <a:endParaRPr lang="de-CH" dirty="0"/>
+          </a:p>
+        </p:txBody>
+      </p:sp>
+      <p:sp>
+        <p:nvSpPr>
+          <p:cNvPr id="4" name="Foliennummernplatzhalter 3"/>
+          <p:cNvSpPr>
+            <a:spLocks noGrp="1"/>
+          </p:cNvSpPr>
+          <p:nvPr>
+            <p:ph type="sldNum" sz="quarter" idx="10"/>
+          </p:nvPr>
+        </p:nvSpPr>
+        <p:spPr/>
+        <p:txBody>
+          <a:bodyPr/>
+          <a:lstStyle/>
+          <a:p>
+            <a:fld id="{ECBD401A-81B9-4679-A128-D9729041E63E}" type="slidenum">
+              <a:rPr lang="de-CH" smtClean="0"/>
+              <a:pPr/>
+              <a:t>3</a:t>
+            </a:fld>
+            <a:endParaRPr lang="de-CH"/>
+          </a:p>
+        </p:txBody>
+      </p:sp>
+    </p:spTree>
+  </p:cSld>
+  <p:clrMapOvr>
+    <a:masterClrMapping/>
+  </p:clrMapOvr>
+</p:notes>
+</file>
+
+<file path=ppt/notesSlides/notesSlide3.xml><?xml version="1.0" encoding="utf-8"?>
+<p:notes xmlns:a="http://schemas.openxmlformats.org/drawingml/2006/main" xmlns:r="http://schemas.openxmlformats.org/officeDocument/2006/relationships" xmlns:p="http://schemas.openxmlformats.org/presentationml/2006/main">
+  <p:cSld>
+    <p:spTree>
+      <p:nvGrpSpPr>
+        <p:cNvPr id="1" name=""/>
+        <p:cNvGrpSpPr/>
+        <p:nvPr/>
+      </p:nvGrpSpPr>
+      <p:grpSpPr>
+        <a:xfrm>
+          <a:off x="0" y="0"/>
+          <a:ext cx="0" cy="0"/>
+          <a:chOff x="0" y="0"/>
+          <a:chExt cx="0" cy="0"/>
+        </a:xfrm>
+      </p:grpSpPr>
+      <p:sp>
+        <p:nvSpPr>
+          <p:cNvPr id="2" name="Folienbildplatzhalter 1"/>
+          <p:cNvSpPr>
+            <a:spLocks noGrp="1" noRot="1" noChangeAspect="1"/>
+          </p:cNvSpPr>
+          <p:nvPr>
+            <p:ph type="sldImg"/>
+          </p:nvPr>
+        </p:nvSpPr>
+        <p:spPr/>
+      </p:sp>
+      <p:sp>
+        <p:nvSpPr>
+          <p:cNvPr id="3" name="Notizenplatzhalter 2"/>
+          <p:cNvSpPr>
+            <a:spLocks noGrp="1"/>
+          </p:cNvSpPr>
+          <p:nvPr>
+            <p:ph type="body" idx="1"/>
+          </p:nvPr>
+        </p:nvSpPr>
+        <p:spPr/>
+        <p:txBody>
+          <a:bodyPr>
+            <a:normAutofit/>
+          </a:bodyPr>
+          <a:lstStyle/>
+          <a:p>
+            <a:r>
+              <a:rPr lang="de-CH" dirty="0" smtClean="0"/>
+              <a:t>1</a:t>
+            </a:r>
+            <a:r>
+              <a:rPr lang="de-CH" baseline="0" dirty="0" smtClean="0"/>
+              <a:t> min</a:t>
+            </a:r>
+            <a:endParaRPr lang="de-CH" dirty="0"/>
+          </a:p>
+        </p:txBody>
+      </p:sp>
+      <p:sp>
+        <p:nvSpPr>
+          <p:cNvPr id="4" name="Foliennummernplatzhalter 3"/>
+          <p:cNvSpPr>
+            <a:spLocks noGrp="1"/>
+          </p:cNvSpPr>
+          <p:nvPr>
+            <p:ph type="sldNum" sz="quarter" idx="10"/>
+          </p:nvPr>
+        </p:nvSpPr>
+        <p:spPr/>
+        <p:txBody>
+          <a:bodyPr/>
+          <a:lstStyle/>
+          <a:p>
+            <a:fld id="{ECBD401A-81B9-4679-A128-D9729041E63E}" type="slidenum">
+              <a:rPr lang="de-CH" smtClean="0"/>
+              <a:pPr/>
+              <a:t>4</a:t>
+            </a:fld>
+            <a:endParaRPr lang="de-CH"/>
+          </a:p>
+        </p:txBody>
+      </p:sp>
+    </p:spTree>
+  </p:cSld>
+  <p:clrMapOvr>
+    <a:masterClrMapping/>
+  </p:clrMapOvr>
+</p:notes>
+</file>
+
+<file path=ppt/notesSlides/notesSlide4.xml><?xml version="1.0" encoding="utf-8"?>
+<p:notes xmlns:a="http://schemas.openxmlformats.org/drawingml/2006/main" xmlns:r="http://schemas.openxmlformats.org/officeDocument/2006/relationships" xmlns:p="http://schemas.openxmlformats.org/presentationml/2006/main">
+  <p:cSld>
+    <p:spTree>
+      <p:nvGrpSpPr>
+        <p:cNvPr id="1" name=""/>
+        <p:cNvGrpSpPr/>
+        <p:nvPr/>
+      </p:nvGrpSpPr>
+      <p:grpSpPr>
+        <a:xfrm>
+          <a:off x="0" y="0"/>
+          <a:ext cx="0" cy="0"/>
+          <a:chOff x="0" y="0"/>
+          <a:chExt cx="0" cy="0"/>
+        </a:xfrm>
+      </p:grpSpPr>
+      <p:sp>
+        <p:nvSpPr>
+          <p:cNvPr id="2" name="Folienbildplatzhalter 1"/>
+          <p:cNvSpPr>
+            <a:spLocks noGrp="1" noRot="1" noChangeAspect="1"/>
+          </p:cNvSpPr>
+          <p:nvPr>
+            <p:ph type="sldImg"/>
+          </p:nvPr>
+        </p:nvSpPr>
+        <p:spPr/>
+      </p:sp>
+      <p:sp>
+        <p:nvSpPr>
+          <p:cNvPr id="3" name="Notizenplatzhalter 2"/>
+          <p:cNvSpPr>
+            <a:spLocks noGrp="1"/>
+          </p:cNvSpPr>
+          <p:nvPr>
+            <p:ph type="body" idx="1"/>
+          </p:nvPr>
+        </p:nvSpPr>
+        <p:spPr/>
+        <p:txBody>
+          <a:bodyPr>
+            <a:normAutofit/>
+          </a:bodyPr>
+          <a:lstStyle/>
+          <a:p>
+            <a:r>
+              <a:rPr lang="de-CH" dirty="0" smtClean="0"/>
+              <a:t>3 min</a:t>
+            </a:r>
+            <a:endParaRPr lang="de-CH" dirty="0"/>
+          </a:p>
+        </p:txBody>
+      </p:sp>
+      <p:sp>
+        <p:nvSpPr>
+          <p:cNvPr id="4" name="Foliennummernplatzhalter 3"/>
+          <p:cNvSpPr>
+            <a:spLocks noGrp="1"/>
+          </p:cNvSpPr>
+          <p:nvPr>
+            <p:ph type="sldNum" sz="quarter" idx="10"/>
+          </p:nvPr>
+        </p:nvSpPr>
+        <p:spPr/>
+        <p:txBody>
+          <a:bodyPr/>
+          <a:lstStyle/>
+          <a:p>
+            <a:fld id="{ECBD401A-81B9-4679-A128-D9729041E63E}" type="slidenum">
+              <a:rPr lang="de-CH" smtClean="0"/>
+              <a:pPr/>
+              <a:t>5</a:t>
+            </a:fld>
+            <a:endParaRPr lang="de-CH"/>
+          </a:p>
+        </p:txBody>
+      </p:sp>
+    </p:spTree>
+  </p:cSld>
+  <p:clrMapOvr>
+    <a:masterClrMapping/>
+  </p:clrMapOvr>
+</p:notes>
+</file>
+
+<file path=ppt/notesSlides/notesSlide5.xml><?xml version="1.0" encoding="utf-8"?>
+<p:notes xmlns:a="http://schemas.openxmlformats.org/drawingml/2006/main" xmlns:r="http://schemas.openxmlformats.org/officeDocument/2006/relationships" xmlns:p="http://schemas.openxmlformats.org/presentationml/2006/main">
+  <p:cSld>
+    <p:spTree>
+      <p:nvGrpSpPr>
+        <p:cNvPr id="1" name=""/>
+        <p:cNvGrpSpPr/>
+        <p:nvPr/>
+      </p:nvGrpSpPr>
+      <p:grpSpPr>
+        <a:xfrm>
+          <a:off x="0" y="0"/>
+          <a:ext cx="0" cy="0"/>
+          <a:chOff x="0" y="0"/>
+          <a:chExt cx="0" cy="0"/>
+        </a:xfrm>
+      </p:grpSpPr>
+      <p:sp>
+        <p:nvSpPr>
+          <p:cNvPr id="2" name="Folienbildplatzhalter 1"/>
+          <p:cNvSpPr>
+            <a:spLocks noGrp="1" noRot="1" noChangeAspect="1"/>
+          </p:cNvSpPr>
+          <p:nvPr>
+            <p:ph type="sldImg"/>
+          </p:nvPr>
+        </p:nvSpPr>
+        <p:spPr/>
+      </p:sp>
+      <p:sp>
+        <p:nvSpPr>
+          <p:cNvPr id="3" name="Notizenplatzhalter 2"/>
+          <p:cNvSpPr>
+            <a:spLocks noGrp="1"/>
+          </p:cNvSpPr>
+          <p:nvPr>
+            <p:ph type="body" idx="1"/>
+          </p:nvPr>
+        </p:nvSpPr>
+        <p:spPr/>
+        <p:txBody>
+          <a:bodyPr>
+            <a:normAutofit/>
+          </a:bodyPr>
+          <a:lstStyle/>
+          <a:p>
+            <a:r>
+              <a:rPr lang="de-CH" dirty="0" smtClean="0"/>
+              <a:t>Nach Vision-Doku</a:t>
+            </a:r>
+            <a:r>
+              <a:rPr lang="de-CH" baseline="0" dirty="0" smtClean="0"/>
+              <a:t> und UC-D schlank, gute Zusammenarbeit untereinander, regelmässige Rückmeldungen vom Auftraggeber</a:t>
+            </a:r>
+          </a:p>
+          <a:p>
+            <a:r>
+              <a:rPr lang="de-CH" baseline="0" dirty="0" smtClean="0"/>
+              <a:t>Sprintziele alle bis auf den letzten erreicht. =&gt; „Zusatzsprint“ </a:t>
+            </a:r>
+            <a:r>
+              <a:rPr lang="de-CH" baseline="0" dirty="0" err="1" smtClean="0"/>
+              <a:t>Codecleanup</a:t>
+            </a:r>
+            <a:r>
+              <a:rPr lang="de-CH" baseline="0" dirty="0" smtClean="0"/>
+              <a:t> / </a:t>
+            </a:r>
+            <a:r>
+              <a:rPr lang="de-CH" baseline="0" dirty="0" err="1" smtClean="0"/>
+              <a:t>Errorhandling</a:t>
+            </a:r>
+            <a:endParaRPr lang="de-CH" baseline="0" dirty="0" smtClean="0"/>
+          </a:p>
+          <a:p>
+            <a:endParaRPr lang="de-CH" baseline="0" dirty="0" smtClean="0"/>
+          </a:p>
+        </p:txBody>
+      </p:sp>
+      <p:sp>
+        <p:nvSpPr>
+          <p:cNvPr id="4" name="Foliennummernplatzhalter 3"/>
+          <p:cNvSpPr>
+            <a:spLocks noGrp="1"/>
+          </p:cNvSpPr>
+          <p:nvPr>
+            <p:ph type="sldNum" sz="quarter" idx="10"/>
+          </p:nvPr>
+        </p:nvSpPr>
+        <p:spPr/>
+        <p:txBody>
+          <a:bodyPr/>
+          <a:lstStyle/>
+          <a:p>
+            <a:fld id="{ECBD401A-81B9-4679-A128-D9729041E63E}" type="slidenum">
+              <a:rPr lang="de-CH" smtClean="0"/>
+              <a:pPr/>
+              <a:t>6</a:t>
+            </a:fld>
+            <a:endParaRPr lang="de-CH"/>
+          </a:p>
+        </p:txBody>
+      </p:sp>
+    </p:spTree>
+  </p:cSld>
+  <p:clrMapOvr>
+    <a:masterClrMapping/>
+  </p:clrMapOvr>
+</p:notes>
+</file>
+
 <file path=ppt/slideLayouts/slideLayout1.xml><?xml version="1.0" encoding="utf-8"?>
-<p:sldLayout xmlns:a="http://schemas.openxmlformats.org/drawingml/2006/main" xmlns:r="http://schemas.openxmlformats.org/officeDocument/2006/relationships" xmlns:p="http://schemas.openxmlformats.org/presentationml/2006/main" type="title" preserve="1">
+<p:sldLayout xmlns:a="http://schemas.openxmlformats.org/drawingml/2006/main" xmlns:r="http://schemas.openxmlformats.org/officeDocument/2006/relationships" xmlns:p="http://schemas.openxmlformats.org/presentationml/2006/main" showMasterSp="0" type="title" preserve="1">
   <p:cSld name="Titelfolie">
     <p:spTree>
       <p:nvGrpSpPr>
@@ -134,35 +985,132 @@
       </p:grpSpPr>
       <p:sp>
         <p:nvSpPr>
-          <p:cNvPr id="2" name="Titel 1"/>
-          <p:cNvSpPr>
-            <a:spLocks noGrp="1"/>
-          </p:cNvSpPr>
-          <p:nvPr>
-            <p:ph type="ctrTitle"/>
-          </p:nvPr>
+          <p:cNvPr id="10" name="Rechtwinkliges Dreieck 9"/>
+          <p:cNvSpPr/>
+          <p:nvPr/>
         </p:nvSpPr>
         <p:spPr>
           <a:xfrm>
-            <a:off x="685800" y="2130425"/>
-            <a:ext cx="7772400" cy="1470025"/>
+            <a:off x="-2" y="4664147"/>
+            <a:ext cx="9151089" cy="0"/>
+          </a:xfrm>
+          <a:prstGeom prst="rtTriangle">
+            <a:avLst/>
+          </a:prstGeom>
+          <a:gradFill flip="none" rotWithShape="1">
+            <a:gsLst>
+              <a:gs pos="0">
+                <a:schemeClr val="accent1">
+                  <a:shade val="35000"/>
+                  <a:satMod val="170000"/>
+                  <a:alpha val="100000"/>
+                </a:schemeClr>
+              </a:gs>
+              <a:gs pos="55000">
+                <a:schemeClr val="accent1">
+                  <a:tint val="90000"/>
+                  <a:satMod val="150000"/>
+                  <a:alpha val="100000"/>
+                </a:schemeClr>
+              </a:gs>
+              <a:gs pos="100000">
+                <a:schemeClr val="accent1">
+                  <a:shade val="35000"/>
+                  <a:satMod val="170000"/>
+                  <a:alpha val="100000"/>
+                </a:schemeClr>
+              </a:gs>
+            </a:gsLst>
+            <a:lin ang="3000000" scaled="1"/>
+            <a:tileRect/>
+          </a:gradFill>
+          <a:ln w="12700" cap="rnd" cmpd="thickThin" algn="ctr">
+            <a:noFill/>
+            <a:prstDash val="solid"/>
+          </a:ln>
+          <a:effectLst/>
+        </p:spPr>
+        <p:style>
+          <a:lnRef idx="3">
+            <a:schemeClr val="lt1"/>
+          </a:lnRef>
+          <a:fillRef idx="1">
+            <a:schemeClr val="accent1"/>
+          </a:fillRef>
+          <a:effectRef idx="1">
+            <a:schemeClr val="accent1"/>
+          </a:effectRef>
+          <a:fontRef idx="minor">
+            <a:schemeClr val="lt1"/>
+          </a:fontRef>
+        </p:style>
+        <p:txBody>
+          <a:bodyPr anchor="ctr"/>
+          <a:lstStyle>
+            <a:extLst/>
+          </a:lstStyle>
+          <a:p>
+            <a:pPr algn="ctr" eaLnBrk="1" latinLnBrk="0" hangingPunct="1"/>
+            <a:endParaRPr kumimoji="0" lang="en-US"/>
+          </a:p>
+        </p:txBody>
+      </p:sp>
+      <p:sp>
+        <p:nvSpPr>
+          <p:cNvPr id="9" name="Titel 8"/>
+          <p:cNvSpPr>
+            <a:spLocks noGrp="1"/>
+          </p:cNvSpPr>
+          <p:nvPr>
+            <p:ph type="ctrTitle"/>
+          </p:nvPr>
+        </p:nvSpPr>
+        <p:spPr>
+          <a:xfrm>
+            <a:off x="685800" y="1752601"/>
+            <a:ext cx="7772400" cy="1829761"/>
           </a:xfrm>
         </p:spPr>
         <p:txBody>
-          <a:bodyPr/>
-          <a:lstStyle/>
-          <a:p>
-            <a:r>
-              <a:rPr lang="de-DE" smtClean="0"/>
+          <a:bodyPr vert="horz" anchor="b">
+            <a:normAutofit/>
+            <a:scene3d>
+              <a:camera prst="orthographicFront"/>
+              <a:lightRig rig="soft" dir="t"/>
+            </a:scene3d>
+            <a:sp3d prstMaterial="softEdge">
+              <a:bevelT w="25400" h="25400"/>
+            </a:sp3d>
+          </a:bodyPr>
+          <a:lstStyle>
+            <a:lvl1pPr algn="r">
+              <a:defRPr sz="4800" b="1">
+                <a:solidFill>
+                  <a:schemeClr val="tx2"/>
+                </a:solidFill>
+                <a:effectLst>
+                  <a:outerShdw blurRad="31750" dist="25400" dir="5400000" algn="tl" rotWithShape="0">
+                    <a:srgbClr val="000000">
+                      <a:alpha val="25000"/>
+                    </a:srgbClr>
+                  </a:outerShdw>
+                </a:effectLst>
+              </a:defRPr>
+            </a:lvl1pPr>
+            <a:extLst/>
+          </a:lstStyle>
+          <a:p>
+            <a:r>
+              <a:rPr kumimoji="0" lang="de-DE" smtClean="0"/>
               <a:t>Titelmasterformat durch Klicken bearbeiten</a:t>
             </a:r>
-            <a:endParaRPr lang="de-CH"/>
-          </a:p>
-        </p:txBody>
-      </p:sp>
-      <p:sp>
-        <p:nvSpPr>
-          <p:cNvPr id="3" name="Untertitel 2"/>
+            <a:endParaRPr kumimoji="0" lang="en-US"/>
+          </a:p>
+        </p:txBody>
+      </p:sp>
+      <p:sp>
+        <p:nvSpPr>
+          <p:cNvPr id="17" name="Untertitel 16"/>
           <p:cNvSpPr>
             <a:spLocks noGrp="1"/>
           </p:cNvSpPr>
@@ -172,170 +1120,537 @@
         </p:nvSpPr>
         <p:spPr>
           <a:xfrm>
-            <a:off x="1371600" y="3886200"/>
-            <a:ext cx="6400800" cy="1752600"/>
+            <a:off x="685800" y="3611607"/>
+            <a:ext cx="7772400" cy="1199704"/>
           </a:xfrm>
         </p:spPr>
         <p:txBody>
-          <a:bodyPr/>
-          <a:lstStyle>
-            <a:lvl1pPr marL="0" indent="0" algn="ctr">
+          <a:bodyPr lIns="45720" rIns="45720"/>
+          <a:lstStyle>
+            <a:lvl1pPr marL="0" marR="64008" indent="0" algn="r">
               <a:buNone/>
               <a:defRPr>
                 <a:solidFill>
-                  <a:schemeClr val="tx1">
-                    <a:tint val="75000"/>
-                  </a:schemeClr>
+                  <a:schemeClr val="tx2"/>
                 </a:solidFill>
               </a:defRPr>
             </a:lvl1pPr>
             <a:lvl2pPr marL="457200" indent="0" algn="ctr">
               <a:buNone/>
+            </a:lvl2pPr>
+            <a:lvl3pPr marL="914400" indent="0" algn="ctr">
+              <a:buNone/>
+            </a:lvl3pPr>
+            <a:lvl4pPr marL="1371600" indent="0" algn="ctr">
+              <a:buNone/>
+            </a:lvl4pPr>
+            <a:lvl5pPr marL="1828800" indent="0" algn="ctr">
+              <a:buNone/>
+            </a:lvl5pPr>
+            <a:lvl6pPr marL="2286000" indent="0" algn="ctr">
+              <a:buNone/>
+            </a:lvl6pPr>
+            <a:lvl7pPr marL="2743200" indent="0" algn="ctr">
+              <a:buNone/>
+            </a:lvl7pPr>
+            <a:lvl8pPr marL="3200400" indent="0" algn="ctr">
+              <a:buNone/>
+            </a:lvl8pPr>
+            <a:lvl9pPr marL="3657600" indent="0" algn="ctr">
+              <a:buNone/>
+            </a:lvl9pPr>
+            <a:extLst/>
+          </a:lstStyle>
+          <a:p>
+            <a:r>
+              <a:rPr kumimoji="0" lang="de-DE" smtClean="0"/>
+              <a:t>Formatvorlage des Untertitelmasters durch Klicken bearbeiten</a:t>
+            </a:r>
+            <a:endParaRPr kumimoji="0" lang="en-US"/>
+          </a:p>
+        </p:txBody>
+      </p:sp>
+      <p:grpSp>
+        <p:nvGrpSpPr>
+          <p:cNvPr id="2" name="Gruppieren 1"/>
+          <p:cNvGrpSpPr/>
+          <p:nvPr/>
+        </p:nvGrpSpPr>
+        <p:grpSpPr>
+          <a:xfrm>
+            <a:off x="-3765" y="4953000"/>
+            <a:ext cx="9147765" cy="1912088"/>
+            <a:chOff x="-3765" y="4832896"/>
+            <a:chExt cx="9147765" cy="2032192"/>
+          </a:xfrm>
+        </p:grpSpPr>
+        <p:sp>
+          <p:nvSpPr>
+            <p:cNvPr id="7" name="Freihandform 6"/>
+            <p:cNvSpPr>
+              <a:spLocks/>
+            </p:cNvSpPr>
+            <p:nvPr/>
+          </p:nvSpPr>
+          <p:spPr bwMode="auto">
+            <a:xfrm>
+              <a:off x="1687513" y="4832896"/>
+              <a:ext cx="7456487" cy="518816"/>
+            </a:xfrm>
+            <a:custGeom>
+              <a:avLst>
+                <a:gd name="A1" fmla="val 0"/>
+                <a:gd name="A2" fmla="val 0"/>
+                <a:gd name="A3" fmla="val 0"/>
+                <a:gd name="A4" fmla="val 0"/>
+                <a:gd name="A5" fmla="val 0"/>
+                <a:gd name="A6" fmla="val 0"/>
+                <a:gd name="A7" fmla="val 0"/>
+                <a:gd name="A8" fmla="val 0"/>
+              </a:avLst>
+              <a:gdLst/>
+              <a:ahLst/>
+              <a:cxnLst>
+                <a:cxn ang="0">
+                  <a:pos x="4697" y="0"/>
+                </a:cxn>
+                <a:cxn ang="0">
+                  <a:pos x="4697" y="367"/>
+                </a:cxn>
+                <a:cxn ang="0">
+                  <a:pos x="0" y="218"/>
+                </a:cxn>
+                <a:cxn ang="0">
+                  <a:pos x="4697" y="0"/>
+                </a:cxn>
+              </a:cxnLst>
+              <a:rect l="0" t="0" r="0" b="0"/>
+              <a:pathLst>
+                <a:path w="4697" h="367">
+                  <a:moveTo>
+                    <a:pt x="4697" y="0"/>
+                  </a:moveTo>
+                  <a:lnTo>
+                    <a:pt x="4697" y="367"/>
+                  </a:lnTo>
+                  <a:lnTo>
+                    <a:pt x="0" y="218"/>
+                  </a:lnTo>
+                  <a:lnTo>
+                    <a:pt x="4697" y="0"/>
+                  </a:lnTo>
+                  <a:close/>
+                </a:path>
+              </a:pathLst>
+            </a:custGeom>
+            <a:solidFill>
+              <a:schemeClr val="accent1">
+                <a:tint val="65000"/>
+                <a:satMod val="115000"/>
+                <a:alpha val="40000"/>
+              </a:schemeClr>
+            </a:solidFill>
+            <a:ln w="9525" cap="flat" cmpd="sng" algn="ctr">
+              <a:noFill/>
+              <a:prstDash val="solid"/>
+              <a:round/>
+              <a:headEnd type="none" w="med" len="med"/>
+              <a:tailEnd type="none" w="med" len="med"/>
+            </a:ln>
+            <a:effectLst/>
+          </p:spPr>
+          <p:txBody>
+            <a:bodyPr vert="horz" wrap="square" lIns="91440" tIns="45720" rIns="91440" bIns="45720" anchor="t" compatLnSpc="1"/>
+            <a:lstStyle>
+              <a:extLst/>
+            </a:lstStyle>
+            <a:p>
+              <a:endParaRPr kumimoji="0" lang="en-US"/>
+            </a:p>
+          </p:txBody>
+        </p:sp>
+        <p:sp>
+          <p:nvSpPr>
+            <p:cNvPr id="8" name="Freihandform 7"/>
+            <p:cNvSpPr>
+              <a:spLocks/>
+            </p:cNvSpPr>
+            <p:nvPr/>
+          </p:nvSpPr>
+          <p:spPr bwMode="auto">
+            <a:xfrm>
+              <a:off x="35443" y="5135526"/>
+              <a:ext cx="9108557" cy="838200"/>
+            </a:xfrm>
+            <a:custGeom>
+              <a:avLst>
+                <a:gd name="A1" fmla="val 0"/>
+                <a:gd name="A2" fmla="val 0"/>
+                <a:gd name="A3" fmla="val 0"/>
+                <a:gd name="A4" fmla="val 0"/>
+                <a:gd name="A5" fmla="val 0"/>
+                <a:gd name="A6" fmla="val 0"/>
+                <a:gd name="A7" fmla="val 0"/>
+                <a:gd name="A8" fmla="val 0"/>
+              </a:avLst>
+              <a:gdLst/>
+              <a:ahLst/>
+              <a:cxnLst>
+                <a:cxn ang="0">
+                  <a:pos x="0" y="0"/>
+                </a:cxn>
+                <a:cxn ang="0">
+                  <a:pos x="5760" y="0"/>
+                </a:cxn>
+                <a:cxn ang="0">
+                  <a:pos x="5760" y="528"/>
+                </a:cxn>
+                <a:cxn ang="0">
+                  <a:pos x="48" y="0"/>
+                </a:cxn>
+              </a:cxnLst>
+              <a:rect l="0" t="0" r="0" b="0"/>
+              <a:pathLst>
+                <a:path w="5760" h="528">
+                  <a:moveTo>
+                    <a:pt x="0" y="0"/>
+                  </a:moveTo>
+                  <a:lnTo>
+                    <a:pt x="5760" y="0"/>
+                  </a:lnTo>
+                  <a:lnTo>
+                    <a:pt x="5760" y="528"/>
+                  </a:lnTo>
+                  <a:lnTo>
+                    <a:pt x="48" y="0"/>
+                  </a:lnTo>
+                </a:path>
+              </a:pathLst>
+            </a:custGeom>
+            <a:solidFill>
+              <a:srgbClr val="000000">
+                <a:alpha val="100000"/>
+              </a:srgbClr>
+            </a:solidFill>
+            <a:ln w="9525" cap="flat" cmpd="sng" algn="ctr">
+              <a:noFill/>
+              <a:prstDash val="solid"/>
+              <a:round/>
+              <a:headEnd type="none" w="med" len="med"/>
+              <a:tailEnd type="none" w="med" len="med"/>
+            </a:ln>
+            <a:effectLst/>
+          </p:spPr>
+          <p:txBody>
+            <a:bodyPr vert="horz" wrap="square" lIns="91440" tIns="45720" rIns="91440" bIns="45720" anchor="t" compatLnSpc="1"/>
+            <a:lstStyle>
+              <a:extLst/>
+            </a:lstStyle>
+            <a:p>
+              <a:endParaRPr kumimoji="0" lang="en-US"/>
+            </a:p>
+          </p:txBody>
+        </p:sp>
+        <p:sp>
+          <p:nvSpPr>
+            <p:cNvPr id="11" name="Freihandform 10"/>
+            <p:cNvSpPr>
+              <a:spLocks/>
+            </p:cNvSpPr>
+            <p:nvPr/>
+          </p:nvSpPr>
+          <p:spPr bwMode="auto">
+            <a:xfrm>
+              <a:off x="0" y="4883888"/>
+              <a:ext cx="9144000" cy="1981200"/>
+            </a:xfrm>
+            <a:custGeom>
+              <a:avLst>
+                <a:gd name="A1" fmla="val 0"/>
+                <a:gd name="A2" fmla="val 0"/>
+                <a:gd name="A3" fmla="val 0"/>
+                <a:gd name="A4" fmla="val 0"/>
+                <a:gd name="A5" fmla="val 0"/>
+                <a:gd name="A6" fmla="val 0"/>
+                <a:gd name="A7" fmla="val 0"/>
+                <a:gd name="A8" fmla="val 0"/>
+              </a:avLst>
+              <a:gdLst/>
+              <a:ahLst/>
+              <a:cxnLst>
+                <a:cxn ang="0">
+                  <a:pos x="0" y="0"/>
+                </a:cxn>
+                <a:cxn ang="0">
+                  <a:pos x="0" y="1248"/>
+                </a:cxn>
+                <a:cxn ang="0">
+                  <a:pos x="5760" y="1248"/>
+                </a:cxn>
+                <a:cxn ang="0">
+                  <a:pos x="5760" y="528"/>
+                </a:cxn>
+                <a:cxn ang="0">
+                  <a:pos x="0" y="0"/>
+                </a:cxn>
+              </a:cxnLst>
+              <a:rect l="0" t="0" r="0" b="0"/>
+              <a:pathLst>
+                <a:path w="5760" h="1248">
+                  <a:moveTo>
+                    <a:pt x="0" y="0"/>
+                  </a:moveTo>
+                  <a:lnTo>
+                    <a:pt x="0" y="1248"/>
+                  </a:lnTo>
+                  <a:lnTo>
+                    <a:pt x="5760" y="1248"/>
+                  </a:lnTo>
+                  <a:lnTo>
+                    <a:pt x="5760" y="528"/>
+                  </a:lnTo>
+                  <a:lnTo>
+                    <a:pt x="0" y="0"/>
+                  </a:lnTo>
+                  <a:close/>
+                </a:path>
+              </a:pathLst>
+            </a:custGeom>
+            <a:blipFill>
+              <a:blip r:embed="rId2" cstate="print">
+                <a:alphaModFix amt="50000"/>
+              </a:blip>
+              <a:tile tx="0" ty="0" sx="50000" sy="50000" flip="none" algn="t"/>
+            </a:blipFill>
+            <a:ln w="12700" cap="rnd" cmpd="thickThin" algn="ctr">
+              <a:noFill/>
+              <a:prstDash val="solid"/>
+            </a:ln>
+            <a:effectLst>
+              <a:fillOverlay blend="mult">
+                <a:gradFill flip="none" rotWithShape="1">
+                  <a:gsLst>
+                    <a:gs pos="0">
+                      <a:schemeClr val="accent1">
+                        <a:shade val="20000"/>
+                        <a:satMod val="176000"/>
+                        <a:alpha val="100000"/>
+                      </a:schemeClr>
+                    </a:gs>
+                    <a:gs pos="18000">
+                      <a:schemeClr val="accent1">
+                        <a:shade val="48000"/>
+                        <a:satMod val="153000"/>
+                        <a:alpha val="100000"/>
+                      </a:schemeClr>
+                    </a:gs>
+                    <a:gs pos="43000">
+                      <a:schemeClr val="accent1">
+                        <a:tint val="86000"/>
+                        <a:satMod val="149000"/>
+                        <a:alpha val="100000"/>
+                      </a:schemeClr>
+                    </a:gs>
+                    <a:gs pos="45000">
+                      <a:schemeClr val="accent1">
+                        <a:tint val="85000"/>
+                        <a:satMod val="150000"/>
+                        <a:alpha val="100000"/>
+                      </a:schemeClr>
+                    </a:gs>
+                    <a:gs pos="50000">
+                      <a:schemeClr val="accent1">
+                        <a:tint val="86000"/>
+                        <a:satMod val="149000"/>
+                        <a:alpha val="100000"/>
+                      </a:schemeClr>
+                    </a:gs>
+                    <a:gs pos="79000">
+                      <a:schemeClr val="accent1">
+                        <a:shade val="53000"/>
+                        <a:satMod val="150000"/>
+                        <a:alpha val="100000"/>
+                      </a:schemeClr>
+                    </a:gs>
+                    <a:gs pos="100000">
+                      <a:schemeClr val="accent1">
+                        <a:shade val="25000"/>
+                        <a:satMod val="170000"/>
+                        <a:alpha val="100000"/>
+                      </a:schemeClr>
+                    </a:gs>
+                  </a:gsLst>
+                  <a:lin ang="450000" scaled="1"/>
+                  <a:tileRect/>
+                </a:gradFill>
+              </a:fillOverlay>
+            </a:effectLst>
+          </p:spPr>
+          <p:style>
+            <a:lnRef idx="3">
+              <a:schemeClr val="lt1"/>
+            </a:lnRef>
+            <a:fillRef idx="1">
+              <a:schemeClr val="accent1"/>
+            </a:fillRef>
+            <a:effectRef idx="1">
+              <a:schemeClr val="accent1"/>
+            </a:effectRef>
+            <a:fontRef idx="minor">
+              <a:schemeClr val="lt1"/>
+            </a:fontRef>
+          </p:style>
+          <p:txBody>
+            <a:bodyPr vert="horz" wrap="square" lIns="91440" tIns="45720" rIns="91440" bIns="45720" anchor="ctr" compatLnSpc="1"/>
+            <a:lstStyle>
+              <a:extLst/>
+            </a:lstStyle>
+            <a:p>
+              <a:pPr algn="ctr" eaLnBrk="1" latinLnBrk="0" hangingPunct="1"/>
+              <a:endParaRPr kumimoji="0" lang="en-US"/>
+            </a:p>
+          </p:txBody>
+        </p:sp>
+        <p:cxnSp>
+          <p:nvCxnSpPr>
+            <p:cNvPr id="12" name="Gerade Verbindung 11"/>
+            <p:cNvCxnSpPr/>
+            <p:nvPr/>
+          </p:nvCxnSpPr>
+          <p:spPr>
+            <a:xfrm>
+              <a:off x="-3765" y="4880373"/>
+              <a:ext cx="9147765" cy="839943"/>
+            </a:xfrm>
+            <a:prstGeom prst="line">
+              <a:avLst/>
+            </a:prstGeom>
+            <a:noFill/>
+            <a:ln w="12065" cap="flat" cmpd="sng" algn="ctr">
+              <a:gradFill>
+                <a:gsLst>
+                  <a:gs pos="45000">
+                    <a:schemeClr val="accent1">
+                      <a:tint val="70000"/>
+                      <a:satMod val="110000"/>
+                    </a:schemeClr>
+                  </a:gs>
+                  <a:gs pos="15000">
+                    <a:schemeClr val="accent1">
+                      <a:shade val="40000"/>
+                      <a:satMod val="110000"/>
+                    </a:schemeClr>
+                  </a:gs>
+                </a:gsLst>
+                <a:lin ang="5400000" scaled="1"/>
+              </a:gradFill>
+              <a:prstDash val="solid"/>
+              <a:miter lim="800000"/>
+            </a:ln>
+            <a:effectLst/>
+          </p:spPr>
+          <p:style>
+            <a:lnRef idx="2">
+              <a:schemeClr val="accent1"/>
+            </a:lnRef>
+            <a:fillRef idx="0">
+              <a:schemeClr val="accent1"/>
+            </a:fillRef>
+            <a:effectRef idx="1">
+              <a:schemeClr val="accent1"/>
+            </a:effectRef>
+            <a:fontRef idx="minor">
+              <a:schemeClr val="tx1"/>
+            </a:fontRef>
+          </p:style>
+        </p:cxnSp>
+      </p:grpSp>
+      <p:sp>
+        <p:nvSpPr>
+          <p:cNvPr id="30" name="Datumsplatzhalter 29"/>
+          <p:cNvSpPr>
+            <a:spLocks noGrp="1"/>
+          </p:cNvSpPr>
+          <p:nvPr>
+            <p:ph type="dt" sz="half" idx="10"/>
+          </p:nvPr>
+        </p:nvSpPr>
+        <p:spPr/>
+        <p:txBody>
+          <a:bodyPr/>
+          <a:lstStyle>
+            <a:lvl1pPr>
               <a:defRPr>
                 <a:solidFill>
-                  <a:schemeClr val="tx1">
-                    <a:tint val="75000"/>
+                  <a:srgbClr val="FFFFFF"/>
+                </a:solidFill>
+              </a:defRPr>
+            </a:lvl1pPr>
+            <a:extLst/>
+          </a:lstStyle>
+          <a:p>
+            <a:fld id="{3C443DA0-1E00-47BC-B1FF-D9B0CE983651}" type="datetimeFigureOut">
+              <a:rPr lang="de-CH" smtClean="0"/>
+              <a:pPr/>
+              <a:t>16.01.2014</a:t>
+            </a:fld>
+            <a:endParaRPr lang="de-CH"/>
+          </a:p>
+        </p:txBody>
+      </p:sp>
+      <p:sp>
+        <p:nvSpPr>
+          <p:cNvPr id="19" name="Fußzeilenplatzhalter 18"/>
+          <p:cNvSpPr>
+            <a:spLocks noGrp="1"/>
+          </p:cNvSpPr>
+          <p:nvPr>
+            <p:ph type="ftr" sz="quarter" idx="11"/>
+          </p:nvPr>
+        </p:nvSpPr>
+        <p:spPr/>
+        <p:txBody>
+          <a:bodyPr/>
+          <a:lstStyle>
+            <a:lvl1pPr>
+              <a:defRPr>
+                <a:solidFill>
+                  <a:schemeClr val="accent1">
+                    <a:tint val="20000"/>
                   </a:schemeClr>
                 </a:solidFill>
               </a:defRPr>
-            </a:lvl2pPr>
-            <a:lvl3pPr marL="914400" indent="0" algn="ctr">
-              <a:buNone/>
+            </a:lvl1pPr>
+            <a:extLst/>
+          </a:lstStyle>
+          <a:p>
+            <a:endParaRPr lang="de-CH"/>
+          </a:p>
+        </p:txBody>
+      </p:sp>
+      <p:sp>
+        <p:nvSpPr>
+          <p:cNvPr id="27" name="Foliennummernplatzhalter 26"/>
+          <p:cNvSpPr>
+            <a:spLocks noGrp="1"/>
+          </p:cNvSpPr>
+          <p:nvPr>
+            <p:ph type="sldNum" sz="quarter" idx="12"/>
+          </p:nvPr>
+        </p:nvSpPr>
+        <p:spPr/>
+        <p:txBody>
+          <a:bodyPr/>
+          <a:lstStyle>
+            <a:lvl1pPr>
               <a:defRPr>
                 <a:solidFill>
-                  <a:schemeClr val="tx1">
-                    <a:tint val="75000"/>
-                  </a:schemeClr>
+                  <a:srgbClr val="FFFFFF"/>
                 </a:solidFill>
               </a:defRPr>
-            </a:lvl3pPr>
-            <a:lvl4pPr marL="1371600" indent="0" algn="ctr">
-              <a:buNone/>
-              <a:defRPr>
-                <a:solidFill>
-                  <a:schemeClr val="tx1">
-                    <a:tint val="75000"/>
-                  </a:schemeClr>
-                </a:solidFill>
-              </a:defRPr>
-            </a:lvl4pPr>
-            <a:lvl5pPr marL="1828800" indent="0" algn="ctr">
-              <a:buNone/>
-              <a:defRPr>
-                <a:solidFill>
-                  <a:schemeClr val="tx1">
-                    <a:tint val="75000"/>
-                  </a:schemeClr>
-                </a:solidFill>
-              </a:defRPr>
-            </a:lvl5pPr>
-            <a:lvl6pPr marL="2286000" indent="0" algn="ctr">
-              <a:buNone/>
-              <a:defRPr>
-                <a:solidFill>
-                  <a:schemeClr val="tx1">
-                    <a:tint val="75000"/>
-                  </a:schemeClr>
-                </a:solidFill>
-              </a:defRPr>
-            </a:lvl6pPr>
-            <a:lvl7pPr marL="2743200" indent="0" algn="ctr">
-              <a:buNone/>
-              <a:defRPr>
-                <a:solidFill>
-                  <a:schemeClr val="tx1">
-                    <a:tint val="75000"/>
-                  </a:schemeClr>
-                </a:solidFill>
-              </a:defRPr>
-            </a:lvl7pPr>
-            <a:lvl8pPr marL="3200400" indent="0" algn="ctr">
-              <a:buNone/>
-              <a:defRPr>
-                <a:solidFill>
-                  <a:schemeClr val="tx1">
-                    <a:tint val="75000"/>
-                  </a:schemeClr>
-                </a:solidFill>
-              </a:defRPr>
-            </a:lvl8pPr>
-            <a:lvl9pPr marL="3657600" indent="0" algn="ctr">
-              <a:buNone/>
-              <a:defRPr>
-                <a:solidFill>
-                  <a:schemeClr val="tx1">
-                    <a:tint val="75000"/>
-                  </a:schemeClr>
-                </a:solidFill>
-              </a:defRPr>
-            </a:lvl9pPr>
-          </a:lstStyle>
-          <a:p>
-            <a:r>
-              <a:rPr lang="de-DE" smtClean="0"/>
-              <a:t>Formatvorlage des Untertitelmasters durch Klicken bearbeiten</a:t>
-            </a:r>
-            <a:endParaRPr lang="de-CH"/>
-          </a:p>
-        </p:txBody>
-      </p:sp>
-      <p:sp>
-        <p:nvSpPr>
-          <p:cNvPr id="4" name="Datumsplatzhalter 3"/>
-          <p:cNvSpPr>
-            <a:spLocks noGrp="1"/>
-          </p:cNvSpPr>
-          <p:nvPr>
-            <p:ph type="dt" sz="half" idx="10"/>
-          </p:nvPr>
-        </p:nvSpPr>
-        <p:spPr/>
-        <p:txBody>
-          <a:bodyPr/>
-          <a:lstStyle/>
-          <a:p>
-            <a:fld id="{3C443DA0-1E00-47BC-B1FF-D9B0CE983651}" type="datetimeFigureOut">
-              <a:rPr lang="de-CH" smtClean="0"/>
-              <a:pPr/>
-              <a:t>15.01.2014</a:t>
-            </a:fld>
-            <a:endParaRPr lang="de-CH"/>
-          </a:p>
-        </p:txBody>
-      </p:sp>
-      <p:sp>
-        <p:nvSpPr>
-          <p:cNvPr id="5" name="Fußzeilenplatzhalter 4"/>
-          <p:cNvSpPr>
-            <a:spLocks noGrp="1"/>
-          </p:cNvSpPr>
-          <p:nvPr>
-            <p:ph type="ftr" sz="quarter" idx="11"/>
-          </p:nvPr>
-        </p:nvSpPr>
-        <p:spPr/>
-        <p:txBody>
-          <a:bodyPr/>
-          <a:lstStyle/>
-          <a:p>
-            <a:endParaRPr lang="de-CH"/>
-          </a:p>
-        </p:txBody>
-      </p:sp>
-      <p:sp>
-        <p:nvSpPr>
-          <p:cNvPr id="6" name="Foliennummernplatzhalter 5"/>
-          <p:cNvSpPr>
-            <a:spLocks noGrp="1"/>
-          </p:cNvSpPr>
-          <p:nvPr>
-            <p:ph type="sldNum" sz="quarter" idx="12"/>
-          </p:nvPr>
-        </p:nvSpPr>
-        <p:spPr/>
-        <p:txBody>
-          <a:bodyPr/>
-          <a:lstStyle/>
+            </a:lvl1pPr>
+            <a:extLst/>
+          </a:lstStyle>
           <a:p>
             <a:fld id="{7F7D67D1-6196-4FC6-8A25-B3D96AB50BA9}" type="slidenum">
               <a:rPr lang="de-CH" smtClean="0"/>
@@ -384,13 +1699,15 @@
         <p:spPr/>
         <p:txBody>
           <a:bodyPr/>
-          <a:lstStyle/>
-          <a:p>
-            <a:r>
-              <a:rPr lang="de-DE" smtClean="0"/>
+          <a:lstStyle>
+            <a:extLst/>
+          </a:lstStyle>
+          <a:p>
+            <a:r>
+              <a:rPr kumimoji="0" lang="de-DE" smtClean="0"/>
               <a:t>Titelmasterformat durch Klicken bearbeiten</a:t>
             </a:r>
-            <a:endParaRPr lang="de-CH"/>
+            <a:endParaRPr kumimoji="0" lang="en-US"/>
           </a:p>
         </p:txBody>
       </p:sp>
@@ -404,45 +1721,52 @@
             <p:ph type="body" orient="vert" idx="1"/>
           </p:nvPr>
         </p:nvSpPr>
-        <p:spPr/>
+        <p:spPr>
+          <a:xfrm>
+            <a:off x="457200" y="1481329"/>
+            <a:ext cx="8229600" cy="4386071"/>
+          </a:xfrm>
+        </p:spPr>
         <p:txBody>
           <a:bodyPr vert="eaVert"/>
-          <a:lstStyle/>
-          <a:p>
-            <a:pPr lvl="0"/>
+          <a:lstStyle>
+            <a:extLst/>
+          </a:lstStyle>
+          <a:p>
+            <a:pPr lvl="0" eaLnBrk="1" latinLnBrk="0" hangingPunct="1"/>
             <a:r>
               <a:rPr lang="de-DE" smtClean="0"/>
               <a:t>Textmasterformate durch Klicken bearbeiten</a:t>
             </a:r>
           </a:p>
           <a:p>
-            <a:pPr lvl="1"/>
+            <a:pPr lvl="1" eaLnBrk="1" latinLnBrk="0" hangingPunct="1"/>
             <a:r>
               <a:rPr lang="de-DE" smtClean="0"/>
               <a:t>Zweite Ebene</a:t>
             </a:r>
           </a:p>
           <a:p>
-            <a:pPr lvl="2"/>
+            <a:pPr lvl="2" eaLnBrk="1" latinLnBrk="0" hangingPunct="1"/>
             <a:r>
               <a:rPr lang="de-DE" smtClean="0"/>
               <a:t>Dritte Ebene</a:t>
             </a:r>
           </a:p>
           <a:p>
-            <a:pPr lvl="3"/>
+            <a:pPr lvl="3" eaLnBrk="1" latinLnBrk="0" hangingPunct="1"/>
             <a:r>
               <a:rPr lang="de-DE" smtClean="0"/>
               <a:t>Vierte Ebene</a:t>
             </a:r>
           </a:p>
           <a:p>
-            <a:pPr lvl="4"/>
+            <a:pPr lvl="4" eaLnBrk="1" latinLnBrk="0" hangingPunct="1"/>
             <a:r>
               <a:rPr lang="de-DE" smtClean="0"/>
               <a:t>Fünfte Ebene</a:t>
             </a:r>
-            <a:endParaRPr lang="de-CH"/>
+            <a:endParaRPr kumimoji="0" lang="en-US"/>
           </a:p>
         </p:txBody>
       </p:sp>
@@ -459,12 +1783,14 @@
         <p:spPr/>
         <p:txBody>
           <a:bodyPr/>
-          <a:lstStyle/>
+          <a:lstStyle>
+            <a:extLst/>
+          </a:lstStyle>
           <a:p>
             <a:fld id="{3C443DA0-1E00-47BC-B1FF-D9B0CE983651}" type="datetimeFigureOut">
               <a:rPr lang="de-CH" smtClean="0"/>
               <a:pPr/>
-              <a:t>15.01.2014</a:t>
+              <a:t>16.01.2014</a:t>
             </a:fld>
             <a:endParaRPr lang="de-CH"/>
           </a:p>
@@ -483,7 +1809,9 @@
         <p:spPr/>
         <p:txBody>
           <a:bodyPr/>
-          <a:lstStyle/>
+          <a:lstStyle>
+            <a:extLst/>
+          </a:lstStyle>
           <a:p>
             <a:endParaRPr lang="de-CH"/>
           </a:p>
@@ -502,7 +1830,9 @@
         <p:spPr/>
         <p:txBody>
           <a:bodyPr/>
-          <a:lstStyle/>
+          <a:lstStyle>
+            <a:extLst/>
+          </a:lstStyle>
           <a:p>
             <a:fld id="{7F7D67D1-6196-4FC6-8A25-B3D96AB50BA9}" type="slidenum">
               <a:rPr lang="de-CH" smtClean="0"/>
@@ -550,19 +1880,21 @@
         </p:nvSpPr>
         <p:spPr>
           <a:xfrm>
-            <a:off x="6629400" y="274638"/>
-            <a:ext cx="2057400" cy="5851525"/>
+            <a:off x="6844013" y="274640"/>
+            <a:ext cx="1777470" cy="5592761"/>
           </a:xfrm>
         </p:spPr>
         <p:txBody>
           <a:bodyPr vert="eaVert"/>
-          <a:lstStyle/>
-          <a:p>
-            <a:r>
-              <a:rPr lang="de-DE" smtClean="0"/>
+          <a:lstStyle>
+            <a:extLst/>
+          </a:lstStyle>
+          <a:p>
+            <a:r>
+              <a:rPr kumimoji="0" lang="de-DE" smtClean="0"/>
               <a:t>Titelmasterformat durch Klicken bearbeiten</a:t>
             </a:r>
-            <a:endParaRPr lang="de-CH"/>
+            <a:endParaRPr kumimoji="0" lang="en-US"/>
           </a:p>
         </p:txBody>
       </p:sp>
@@ -578,48 +1910,50 @@
         </p:nvSpPr>
         <p:spPr>
           <a:xfrm>
-            <a:off x="457200" y="274638"/>
-            <a:ext cx="6019800" cy="5851525"/>
+            <a:off x="457200" y="274641"/>
+            <a:ext cx="6324600" cy="5592760"/>
           </a:xfrm>
         </p:spPr>
         <p:txBody>
           <a:bodyPr vert="eaVert"/>
-          <a:lstStyle/>
-          <a:p>
-            <a:pPr lvl="0"/>
+          <a:lstStyle>
+            <a:extLst/>
+          </a:lstStyle>
+          <a:p>
+            <a:pPr lvl="0" eaLnBrk="1" latinLnBrk="0" hangingPunct="1"/>
             <a:r>
               <a:rPr lang="de-DE" smtClean="0"/>
               <a:t>Textmasterformate durch Klicken bearbeiten</a:t>
             </a:r>
           </a:p>
           <a:p>
-            <a:pPr lvl="1"/>
+            <a:pPr lvl="1" eaLnBrk="1" latinLnBrk="0" hangingPunct="1"/>
             <a:r>
               <a:rPr lang="de-DE" smtClean="0"/>
               <a:t>Zweite Ebene</a:t>
             </a:r>
           </a:p>
           <a:p>
-            <a:pPr lvl="2"/>
+            <a:pPr lvl="2" eaLnBrk="1" latinLnBrk="0" hangingPunct="1"/>
             <a:r>
               <a:rPr lang="de-DE" smtClean="0"/>
               <a:t>Dritte Ebene</a:t>
             </a:r>
           </a:p>
           <a:p>
-            <a:pPr lvl="3"/>
+            <a:pPr lvl="3" eaLnBrk="1" latinLnBrk="0" hangingPunct="1"/>
             <a:r>
               <a:rPr lang="de-DE" smtClean="0"/>
               <a:t>Vierte Ebene</a:t>
             </a:r>
           </a:p>
           <a:p>
-            <a:pPr lvl="4"/>
+            <a:pPr lvl="4" eaLnBrk="1" latinLnBrk="0" hangingPunct="1"/>
             <a:r>
               <a:rPr lang="de-DE" smtClean="0"/>
               <a:t>Fünfte Ebene</a:t>
             </a:r>
-            <a:endParaRPr lang="de-CH"/>
+            <a:endParaRPr kumimoji="0" lang="en-US"/>
           </a:p>
         </p:txBody>
       </p:sp>
@@ -636,12 +1970,14 @@
         <p:spPr/>
         <p:txBody>
           <a:bodyPr/>
-          <a:lstStyle/>
+          <a:lstStyle>
+            <a:extLst/>
+          </a:lstStyle>
           <a:p>
             <a:fld id="{3C443DA0-1E00-47BC-B1FF-D9B0CE983651}" type="datetimeFigureOut">
               <a:rPr lang="de-CH" smtClean="0"/>
               <a:pPr/>
-              <a:t>15.01.2014</a:t>
+              <a:t>16.01.2014</a:t>
             </a:fld>
             <a:endParaRPr lang="de-CH"/>
           </a:p>
@@ -660,7 +1996,9 @@
         <p:spPr/>
         <p:txBody>
           <a:bodyPr/>
-          <a:lstStyle/>
+          <a:lstStyle>
+            <a:extLst/>
+          </a:lstStyle>
           <a:p>
             <a:endParaRPr lang="de-CH"/>
           </a:p>
@@ -679,7 +2017,9 @@
         <p:spPr/>
         <p:txBody>
           <a:bodyPr/>
-          <a:lstStyle/>
+          <a:lstStyle>
+            <a:extLst/>
+          </a:lstStyle>
           <a:p>
             <a:fld id="{7F7D67D1-6196-4FC6-8A25-B3D96AB50BA9}" type="slidenum">
               <a:rPr lang="de-CH" smtClean="0"/>
@@ -717,76 +2057,55 @@
       </p:grpSpPr>
       <p:sp>
         <p:nvSpPr>
-          <p:cNvPr id="2" name="Titel 1"/>
-          <p:cNvSpPr>
-            <a:spLocks noGrp="1"/>
-          </p:cNvSpPr>
-          <p:nvPr>
-            <p:ph type="title"/>
+          <p:cNvPr id="3" name="Inhaltsplatzhalter 2"/>
+          <p:cNvSpPr>
+            <a:spLocks noGrp="1"/>
+          </p:cNvSpPr>
+          <p:nvPr>
+            <p:ph idx="1"/>
           </p:nvPr>
         </p:nvSpPr>
         <p:spPr/>
         <p:txBody>
           <a:bodyPr/>
-          <a:lstStyle/>
-          <a:p>
-            <a:r>
-              <a:rPr lang="de-DE" smtClean="0"/>
-              <a:t>Titelmasterformat durch Klicken bearbeiten</a:t>
-            </a:r>
-            <a:endParaRPr lang="de-CH"/>
-          </a:p>
-        </p:txBody>
-      </p:sp>
-      <p:sp>
-        <p:nvSpPr>
-          <p:cNvPr id="3" name="Inhaltsplatzhalter 2"/>
-          <p:cNvSpPr>
-            <a:spLocks noGrp="1"/>
-          </p:cNvSpPr>
-          <p:nvPr>
-            <p:ph idx="1"/>
-          </p:nvPr>
-        </p:nvSpPr>
-        <p:spPr/>
-        <p:txBody>
-          <a:bodyPr/>
-          <a:lstStyle/>
-          <a:p>
-            <a:pPr lvl="0"/>
+          <a:lstStyle>
+            <a:extLst/>
+          </a:lstStyle>
+          <a:p>
+            <a:pPr lvl="0" eaLnBrk="1" latinLnBrk="0" hangingPunct="1"/>
             <a:r>
               <a:rPr lang="de-DE" smtClean="0"/>
               <a:t>Textmasterformate durch Klicken bearbeiten</a:t>
             </a:r>
           </a:p>
           <a:p>
-            <a:pPr lvl="1"/>
+            <a:pPr lvl="1" eaLnBrk="1" latinLnBrk="0" hangingPunct="1"/>
             <a:r>
               <a:rPr lang="de-DE" smtClean="0"/>
               <a:t>Zweite Ebene</a:t>
             </a:r>
           </a:p>
           <a:p>
-            <a:pPr lvl="2"/>
+            <a:pPr lvl="2" eaLnBrk="1" latinLnBrk="0" hangingPunct="1"/>
             <a:r>
               <a:rPr lang="de-DE" smtClean="0"/>
               <a:t>Dritte Ebene</a:t>
             </a:r>
           </a:p>
           <a:p>
-            <a:pPr lvl="3"/>
+            <a:pPr lvl="3" eaLnBrk="1" latinLnBrk="0" hangingPunct="1"/>
             <a:r>
               <a:rPr lang="de-DE" smtClean="0"/>
               <a:t>Vierte Ebene</a:t>
             </a:r>
           </a:p>
           <a:p>
-            <a:pPr lvl="4"/>
+            <a:pPr lvl="4" eaLnBrk="1" latinLnBrk="0" hangingPunct="1"/>
             <a:r>
               <a:rPr lang="de-DE" smtClean="0"/>
               <a:t>Fünfte Ebene</a:t>
             </a:r>
-            <a:endParaRPr lang="de-CH"/>
+            <a:endParaRPr kumimoji="0" lang="en-US"/>
           </a:p>
         </p:txBody>
       </p:sp>
@@ -803,12 +2122,14 @@
         <p:spPr/>
         <p:txBody>
           <a:bodyPr/>
-          <a:lstStyle/>
+          <a:lstStyle>
+            <a:extLst/>
+          </a:lstStyle>
           <a:p>
             <a:fld id="{3C443DA0-1E00-47BC-B1FF-D9B0CE983651}" type="datetimeFigureOut">
               <a:rPr lang="de-CH" smtClean="0"/>
               <a:pPr/>
-              <a:t>15.01.2014</a:t>
+              <a:t>16.01.2014</a:t>
             </a:fld>
             <a:endParaRPr lang="de-CH"/>
           </a:p>
@@ -827,7 +2148,9 @@
         <p:spPr/>
         <p:txBody>
           <a:bodyPr/>
-          <a:lstStyle/>
+          <a:lstStyle>
+            <a:extLst/>
+          </a:lstStyle>
           <a:p>
             <a:endParaRPr lang="de-CH"/>
           </a:p>
@@ -846,7 +2169,9 @@
         <p:spPr/>
         <p:txBody>
           <a:bodyPr/>
-          <a:lstStyle/>
+          <a:lstStyle>
+            <a:extLst/>
+          </a:lstStyle>
           <a:p>
             <a:fld id="{7F7D67D1-6196-4FC6-8A25-B3D96AB50BA9}" type="slidenum">
               <a:rPr lang="de-CH" smtClean="0"/>
@@ -854,6 +2179,31 @@
               <a:t>‹Nr.›</a:t>
             </a:fld>
             <a:endParaRPr lang="de-CH"/>
+          </a:p>
+        </p:txBody>
+      </p:sp>
+      <p:sp>
+        <p:nvSpPr>
+          <p:cNvPr id="7" name="Titel 6"/>
+          <p:cNvSpPr>
+            <a:spLocks noGrp="1"/>
+          </p:cNvSpPr>
+          <p:nvPr>
+            <p:ph type="title"/>
+          </p:nvPr>
+        </p:nvSpPr>
+        <p:spPr/>
+        <p:txBody>
+          <a:bodyPr rtlCol="0"/>
+          <a:lstStyle>
+            <a:extLst/>
+          </a:lstStyle>
+          <a:p>
+            <a:r>
+              <a:rPr kumimoji="0" lang="de-DE" smtClean="0"/>
+              <a:t>Titelmasterformat durch Klicken bearbeiten</a:t>
+            </a:r>
+            <a:endParaRPr kumimoji="0" lang="en-US"/>
           </a:p>
         </p:txBody>
       </p:sp>
@@ -868,6 +2218,11 @@
 <file path=ppt/slideLayouts/slideLayout3.xml><?xml version="1.0" encoding="utf-8"?>
 <p:sldLayout xmlns:a="http://schemas.openxmlformats.org/drawingml/2006/main" xmlns:r="http://schemas.openxmlformats.org/officeDocument/2006/relationships" xmlns:p="http://schemas.openxmlformats.org/presentationml/2006/main" type="secHead" preserve="1">
   <p:cSld name="Abschnittsüberschrift">
+    <p:bg>
+      <p:bgRef idx="1002">
+        <a:schemeClr val="bg1"/>
+      </p:bgRef>
+    </p:bg>
     <p:spTree>
       <p:nvGrpSpPr>
         <p:cNvPr id="1" name=""/>
@@ -894,23 +2249,42 @@
         </p:nvSpPr>
         <p:spPr>
           <a:xfrm>
-            <a:off x="722313" y="4406900"/>
-            <a:ext cx="7772400" cy="1362075"/>
+            <a:off x="722376" y="1059712"/>
+            <a:ext cx="7772400" cy="1828800"/>
           </a:xfrm>
         </p:spPr>
         <p:txBody>
-          <a:bodyPr anchor="t"/>
-          <a:lstStyle>
-            <a:lvl1pPr algn="l">
-              <a:defRPr sz="4000" b="1" cap="all"/>
+          <a:bodyPr vert="horz" anchor="b">
+            <a:normAutofit/>
+            <a:scene3d>
+              <a:camera prst="orthographicFront"/>
+              <a:lightRig rig="soft" dir="t"/>
+            </a:scene3d>
+            <a:sp3d prstMaterial="softEdge">
+              <a:bevelT w="25400" h="25400"/>
+            </a:sp3d>
+          </a:bodyPr>
+          <a:lstStyle>
+            <a:lvl1pPr algn="r">
+              <a:buNone/>
+              <a:defRPr sz="4800" b="1" cap="none" baseline="0">
+                <a:effectLst>
+                  <a:outerShdw blurRad="31750" dist="25400" dir="5400000" algn="tl" rotWithShape="0">
+                    <a:srgbClr val="000000">
+                      <a:alpha val="25000"/>
+                    </a:srgbClr>
+                  </a:outerShdw>
+                </a:effectLst>
+              </a:defRPr>
             </a:lvl1pPr>
-          </a:lstStyle>
-          <a:p>
-            <a:r>
-              <a:rPr lang="de-DE" smtClean="0"/>
+            <a:extLst/>
+          </a:lstStyle>
+          <a:p>
+            <a:r>
+              <a:rPr kumimoji="0" lang="de-DE" smtClean="0"/>
               <a:t>Titelmasterformat durch Klicken bearbeiten</a:t>
             </a:r>
-            <a:endParaRPr lang="de-CH"/>
+            <a:endParaRPr kumimoji="0" lang="en-US"/>
           </a:p>
         </p:txBody>
       </p:sp>
@@ -926,24 +2300,22 @@
         </p:nvSpPr>
         <p:spPr>
           <a:xfrm>
-            <a:off x="722313" y="2906713"/>
-            <a:ext cx="7772400" cy="1500187"/>
+            <a:off x="3922713" y="2931712"/>
+            <a:ext cx="4572000" cy="1454888"/>
           </a:xfrm>
         </p:spPr>
         <p:txBody>
-          <a:bodyPr anchor="b"/>
-          <a:lstStyle>
-            <a:lvl1pPr marL="0" indent="0">
+          <a:bodyPr lIns="91440" rIns="91440" anchor="t"/>
+          <a:lstStyle>
+            <a:lvl1pPr marL="0" indent="0" algn="l">
               <a:buNone/>
-              <a:defRPr sz="2000">
+              <a:defRPr sz="2300">
                 <a:solidFill>
-                  <a:schemeClr val="tx1">
-                    <a:tint val="75000"/>
-                  </a:schemeClr>
+                  <a:schemeClr val="tx1"/>
                 </a:solidFill>
               </a:defRPr>
             </a:lvl1pPr>
-            <a:lvl2pPr marL="457200" indent="0">
+            <a:lvl2pPr>
               <a:buNone/>
               <a:defRPr sz="1800">
                 <a:solidFill>
@@ -953,7 +2325,7 @@
                 </a:solidFill>
               </a:defRPr>
             </a:lvl2pPr>
-            <a:lvl3pPr marL="914400" indent="0">
+            <a:lvl3pPr>
               <a:buNone/>
               <a:defRPr sz="1600">
                 <a:solidFill>
@@ -963,7 +2335,7 @@
                 </a:solidFill>
               </a:defRPr>
             </a:lvl3pPr>
-            <a:lvl4pPr marL="1371600" indent="0">
+            <a:lvl4pPr>
               <a:buNone/>
               <a:defRPr sz="1400">
                 <a:solidFill>
@@ -973,7 +2345,7 @@
                 </a:solidFill>
               </a:defRPr>
             </a:lvl4pPr>
-            <a:lvl5pPr marL="1828800" indent="0">
+            <a:lvl5pPr>
               <a:buNone/>
               <a:defRPr sz="1400">
                 <a:solidFill>
@@ -983,51 +2355,12 @@
                 </a:solidFill>
               </a:defRPr>
             </a:lvl5pPr>
-            <a:lvl6pPr marL="2286000" indent="0">
-              <a:buNone/>
-              <a:defRPr sz="1400">
-                <a:solidFill>
-                  <a:schemeClr val="tx1">
-                    <a:tint val="75000"/>
-                  </a:schemeClr>
-                </a:solidFill>
-              </a:defRPr>
-            </a:lvl6pPr>
-            <a:lvl7pPr marL="2743200" indent="0">
-              <a:buNone/>
-              <a:defRPr sz="1400">
-                <a:solidFill>
-                  <a:schemeClr val="tx1">
-                    <a:tint val="75000"/>
-                  </a:schemeClr>
-                </a:solidFill>
-              </a:defRPr>
-            </a:lvl7pPr>
-            <a:lvl8pPr marL="3200400" indent="0">
-              <a:buNone/>
-              <a:defRPr sz="1400">
-                <a:solidFill>
-                  <a:schemeClr val="tx1">
-                    <a:tint val="75000"/>
-                  </a:schemeClr>
-                </a:solidFill>
-              </a:defRPr>
-            </a:lvl8pPr>
-            <a:lvl9pPr marL="3657600" indent="0">
-              <a:buNone/>
-              <a:defRPr sz="1400">
-                <a:solidFill>
-                  <a:schemeClr val="tx1">
-                    <a:tint val="75000"/>
-                  </a:schemeClr>
-                </a:solidFill>
-              </a:defRPr>
-            </a:lvl9pPr>
-          </a:lstStyle>
-          <a:p>
-            <a:pPr lvl="0"/>
-            <a:r>
-              <a:rPr lang="de-DE" smtClean="0"/>
+            <a:extLst/>
+          </a:lstStyle>
+          <a:p>
+            <a:pPr lvl="0" eaLnBrk="1" latinLnBrk="0" hangingPunct="1"/>
+            <a:r>
+              <a:rPr kumimoji="0" lang="de-DE" smtClean="0"/>
               <a:t>Textmasterformate durch Klicken bearbeiten</a:t>
             </a:r>
           </a:p>
@@ -1046,12 +2379,14 @@
         <p:spPr/>
         <p:txBody>
           <a:bodyPr/>
-          <a:lstStyle/>
+          <a:lstStyle>
+            <a:extLst/>
+          </a:lstStyle>
           <a:p>
             <a:fld id="{3C443DA0-1E00-47BC-B1FF-D9B0CE983651}" type="datetimeFigureOut">
               <a:rPr lang="de-CH" smtClean="0"/>
               <a:pPr/>
-              <a:t>15.01.2014</a:t>
+              <a:t>16.01.2014</a:t>
             </a:fld>
             <a:endParaRPr lang="de-CH"/>
           </a:p>
@@ -1070,7 +2405,9 @@
         <p:spPr/>
         <p:txBody>
           <a:bodyPr/>
-          <a:lstStyle/>
+          <a:lstStyle>
+            <a:extLst/>
+          </a:lstStyle>
           <a:p>
             <a:endParaRPr lang="de-CH"/>
           </a:p>
@@ -1089,7 +2426,9 @@
         <p:spPr/>
         <p:txBody>
           <a:bodyPr/>
-          <a:lstStyle/>
+          <a:lstStyle>
+            <a:extLst/>
+          </a:lstStyle>
           <a:p>
             <a:fld id="{7F7D67D1-6196-4FC6-8A25-B3D96AB50BA9}" type="slidenum">
               <a:rPr lang="de-CH" smtClean="0"/>
@@ -1100,10 +2439,170 @@
           </a:p>
         </p:txBody>
       </p:sp>
+      <p:sp>
+        <p:nvSpPr>
+          <p:cNvPr id="7" name="Eingekerbter Richtungspfeil 6"/>
+          <p:cNvSpPr/>
+          <p:nvPr/>
+        </p:nvSpPr>
+        <p:spPr>
+          <a:xfrm>
+            <a:off x="3636680" y="3005472"/>
+            <a:ext cx="182880" cy="228600"/>
+          </a:xfrm>
+          <a:prstGeom prst="chevron">
+            <a:avLst>
+              <a:gd name="adj" fmla="val 50000"/>
+            </a:avLst>
+          </a:prstGeom>
+          <a:gradFill flip="none" rotWithShape="1">
+            <a:gsLst>
+              <a:gs pos="0">
+                <a:schemeClr val="accent1">
+                  <a:shade val="60000"/>
+                  <a:satMod val="125000"/>
+                </a:schemeClr>
+              </a:gs>
+              <a:gs pos="72000">
+                <a:schemeClr val="accent1">
+                  <a:tint val="90000"/>
+                  <a:satMod val="138000"/>
+                </a:schemeClr>
+              </a:gs>
+              <a:gs pos="100000">
+                <a:schemeClr val="accent1">
+                  <a:tint val="76000"/>
+                  <a:satMod val="136000"/>
+                </a:schemeClr>
+              </a:gs>
+            </a:gsLst>
+            <a:lin ang="16200000" scaled="0"/>
+          </a:gradFill>
+          <a:ln w="3175" cap="rnd" cmpd="sng" algn="ctr">
+            <a:solidFill>
+              <a:schemeClr val="accent1">
+                <a:shade val="50000"/>
+              </a:schemeClr>
+            </a:solidFill>
+            <a:prstDash val="solid"/>
+          </a:ln>
+          <a:effectLst>
+            <a:outerShdw blurRad="50800" dist="25400" dir="5400000">
+              <a:srgbClr val="000000">
+                <a:alpha val="46000"/>
+              </a:srgbClr>
+            </a:outerShdw>
+          </a:effectLst>
+        </p:spPr>
+        <p:style>
+          <a:lnRef idx="1">
+            <a:schemeClr val="accent1"/>
+          </a:lnRef>
+          <a:fillRef idx="3">
+            <a:schemeClr val="accent1"/>
+          </a:fillRef>
+          <a:effectRef idx="2">
+            <a:schemeClr val="accent1"/>
+          </a:effectRef>
+          <a:fontRef idx="minor">
+            <a:schemeClr val="lt1"/>
+          </a:fontRef>
+        </p:style>
+        <p:txBody>
+          <a:bodyPr anchor="ctr"/>
+          <a:lstStyle>
+            <a:extLst/>
+          </a:lstStyle>
+          <a:p>
+            <a:pPr algn="l" eaLnBrk="1" latinLnBrk="0" hangingPunct="1"/>
+            <a:endParaRPr kumimoji="0" lang="en-US"/>
+          </a:p>
+        </p:txBody>
+      </p:sp>
+      <p:sp>
+        <p:nvSpPr>
+          <p:cNvPr id="8" name="Eingekerbter Richtungspfeil 7"/>
+          <p:cNvSpPr/>
+          <p:nvPr/>
+        </p:nvSpPr>
+        <p:spPr>
+          <a:xfrm>
+            <a:off x="3450264" y="3005472"/>
+            <a:ext cx="182880" cy="228600"/>
+          </a:xfrm>
+          <a:prstGeom prst="chevron">
+            <a:avLst>
+              <a:gd name="adj" fmla="val 50000"/>
+            </a:avLst>
+          </a:prstGeom>
+          <a:gradFill flip="none" rotWithShape="1">
+            <a:gsLst>
+              <a:gs pos="0">
+                <a:schemeClr val="accent1">
+                  <a:shade val="60000"/>
+                  <a:satMod val="125000"/>
+                </a:schemeClr>
+              </a:gs>
+              <a:gs pos="72000">
+                <a:schemeClr val="accent1">
+                  <a:tint val="90000"/>
+                  <a:satMod val="138000"/>
+                </a:schemeClr>
+              </a:gs>
+              <a:gs pos="100000">
+                <a:schemeClr val="accent1">
+                  <a:tint val="76000"/>
+                  <a:satMod val="136000"/>
+                </a:schemeClr>
+              </a:gs>
+            </a:gsLst>
+            <a:lin ang="16200000" scaled="0"/>
+          </a:gradFill>
+          <a:ln w="3175" cap="rnd" cmpd="sng" algn="ctr">
+            <a:solidFill>
+              <a:schemeClr val="accent1">
+                <a:shade val="50000"/>
+              </a:schemeClr>
+            </a:solidFill>
+            <a:prstDash val="solid"/>
+          </a:ln>
+          <a:effectLst>
+            <a:outerShdw blurRad="50800" dist="25400" dir="5400000">
+              <a:srgbClr val="000000">
+                <a:alpha val="46000"/>
+              </a:srgbClr>
+            </a:outerShdw>
+          </a:effectLst>
+        </p:spPr>
+        <p:style>
+          <a:lnRef idx="1">
+            <a:schemeClr val="accent1"/>
+          </a:lnRef>
+          <a:fillRef idx="3">
+            <a:schemeClr val="accent1"/>
+          </a:fillRef>
+          <a:effectRef idx="2">
+            <a:schemeClr val="accent1"/>
+          </a:effectRef>
+          <a:fontRef idx="minor">
+            <a:schemeClr val="lt1"/>
+          </a:fontRef>
+        </p:style>
+        <p:txBody>
+          <a:bodyPr anchor="ctr"/>
+          <a:lstStyle>
+            <a:extLst/>
+          </a:lstStyle>
+          <a:p>
+            <a:pPr algn="l" eaLnBrk="1" latinLnBrk="0" hangingPunct="1"/>
+            <a:endParaRPr kumimoji="0" lang="en-US"/>
+          </a:p>
+        </p:txBody>
+      </p:sp>
     </p:spTree>
   </p:cSld>
   <p:clrMapOvr>
-    <a:masterClrMapping/>
+    <a:overrideClrMapping bg1="dk1" tx1="lt1" bg2="dk2" tx2="lt2" accent1="accent1" accent2="accent2" accent3="accent3" accent4="accent4" accent5="accent5" accent6="accent6" hlink="hlink" folHlink="folHlink"/>
   </p:clrMapOvr>
 </p:sldLayout>
 </file>
@@ -1111,6 +2610,11 @@
 <file path=ppt/slideLayouts/slideLayout4.xml><?xml version="1.0" encoding="utf-8"?>
 <p:sldLayout xmlns:a="http://schemas.openxmlformats.org/drawingml/2006/main" xmlns:r="http://schemas.openxmlformats.org/officeDocument/2006/relationships" xmlns:p="http://schemas.openxmlformats.org/presentationml/2006/main" type="twoObj" preserve="1">
   <p:cSld name="Zwei Inhalte">
+    <p:bg>
+      <p:bgRef idx="1002">
+        <a:schemeClr val="bg1"/>
+      </p:bgRef>
+    </p:bg>
     <p:spTree>
       <p:nvGrpSpPr>
         <p:cNvPr id="1" name=""/>
@@ -1127,29 +2631,6 @@
       </p:grpSpPr>
       <p:sp>
         <p:nvSpPr>
-          <p:cNvPr id="2" name="Titel 1"/>
-          <p:cNvSpPr>
-            <a:spLocks noGrp="1"/>
-          </p:cNvSpPr>
-          <p:nvPr>
-            <p:ph type="title"/>
-          </p:nvPr>
-        </p:nvSpPr>
-        <p:spPr/>
-        <p:txBody>
-          <a:bodyPr/>
-          <a:lstStyle/>
-          <a:p>
-            <a:r>
-              <a:rPr lang="de-DE" smtClean="0"/>
-              <a:t>Titelmasterformat durch Klicken bearbeiten</a:t>
-            </a:r>
-            <a:endParaRPr lang="de-CH"/>
-          </a:p>
-        </p:txBody>
-      </p:sp>
-      <p:sp>
-        <p:nvSpPr>
           <p:cNvPr id="3" name="Inhaltsplatzhalter 2"/>
           <p:cNvSpPr>
             <a:spLocks noGrp="1"/>
@@ -1160,7 +2641,7 @@
         </p:nvSpPr>
         <p:spPr>
           <a:xfrm>
-            <a:off x="457200" y="1600200"/>
+            <a:off x="457200" y="1481328"/>
             <a:ext cx="4038600" cy="4525963"/>
           </a:xfrm>
         </p:spPr>
@@ -1182,54 +2663,43 @@
             <a:lvl5pPr>
               <a:defRPr sz="1800"/>
             </a:lvl5pPr>
-            <a:lvl6pPr>
-              <a:defRPr sz="1800"/>
-            </a:lvl6pPr>
-            <a:lvl7pPr>
-              <a:defRPr sz="1800"/>
-            </a:lvl7pPr>
-            <a:lvl8pPr>
-              <a:defRPr sz="1800"/>
-            </a:lvl8pPr>
-            <a:lvl9pPr>
-              <a:defRPr sz="1800"/>
-            </a:lvl9pPr>
-          </a:lstStyle>
-          <a:p>
-            <a:pPr lvl="0"/>
+            <a:extLst/>
+          </a:lstStyle>
+          <a:p>
+            <a:pPr lvl="0" eaLnBrk="1" latinLnBrk="0" hangingPunct="1"/>
             <a:r>
               <a:rPr lang="de-DE" smtClean="0"/>
               <a:t>Textmasterformate durch Klicken bearbeiten</a:t>
             </a:r>
           </a:p>
           <a:p>
-            <a:pPr lvl="1"/>
+            <a:pPr lvl="1" eaLnBrk="1" latinLnBrk="0" hangingPunct="1"/>
             <a:r>
               <a:rPr lang="de-DE" smtClean="0"/>
               <a:t>Zweite Ebene</a:t>
             </a:r>
           </a:p>
           <a:p>
-            <a:pPr lvl="2"/>
+            <a:pPr lvl="2" eaLnBrk="1" latinLnBrk="0" hangingPunct="1"/>
             <a:r>
               <a:rPr lang="de-DE" smtClean="0"/>
               <a:t>Dritte Ebene</a:t>
             </a:r>
           </a:p>
           <a:p>
-            <a:pPr lvl="3"/>
+            <a:pPr lvl="3" eaLnBrk="1" latinLnBrk="0" hangingPunct="1"/>
             <a:r>
               <a:rPr lang="de-DE" smtClean="0"/>
               <a:t>Vierte Ebene</a:t>
             </a:r>
           </a:p>
           <a:p>
-            <a:pPr lvl="4"/>
+            <a:pPr lvl="4" eaLnBrk="1" latinLnBrk="0" hangingPunct="1"/>
             <a:r>
               <a:rPr lang="de-DE" smtClean="0"/>
               <a:t>Fünfte Ebene</a:t>
             </a:r>
-            <a:endParaRPr lang="de-CH"/>
+            <a:endParaRPr kumimoji="0" lang="en-US"/>
           </a:p>
         </p:txBody>
       </p:sp>
@@ -1245,7 +2715,7 @@
         </p:nvSpPr>
         <p:spPr>
           <a:xfrm>
-            <a:off x="4648200" y="1600200"/>
+            <a:off x="4648200" y="1481328"/>
             <a:ext cx="4038600" cy="4525963"/>
           </a:xfrm>
         </p:spPr>
@@ -1267,54 +2737,43 @@
             <a:lvl5pPr>
               <a:defRPr sz="1800"/>
             </a:lvl5pPr>
-            <a:lvl6pPr>
-              <a:defRPr sz="1800"/>
-            </a:lvl6pPr>
-            <a:lvl7pPr>
-              <a:defRPr sz="1800"/>
-            </a:lvl7pPr>
-            <a:lvl8pPr>
-              <a:defRPr sz="1800"/>
-            </a:lvl8pPr>
-            <a:lvl9pPr>
-              <a:defRPr sz="1800"/>
-            </a:lvl9pPr>
-          </a:lstStyle>
-          <a:p>
-            <a:pPr lvl="0"/>
+            <a:extLst/>
+          </a:lstStyle>
+          <a:p>
+            <a:pPr lvl="0" eaLnBrk="1" latinLnBrk="0" hangingPunct="1"/>
             <a:r>
               <a:rPr lang="de-DE" smtClean="0"/>
               <a:t>Textmasterformate durch Klicken bearbeiten</a:t>
             </a:r>
           </a:p>
           <a:p>
-            <a:pPr lvl="1"/>
+            <a:pPr lvl="1" eaLnBrk="1" latinLnBrk="0" hangingPunct="1"/>
             <a:r>
               <a:rPr lang="de-DE" smtClean="0"/>
               <a:t>Zweite Ebene</a:t>
             </a:r>
           </a:p>
           <a:p>
-            <a:pPr lvl="2"/>
+            <a:pPr lvl="2" eaLnBrk="1" latinLnBrk="0" hangingPunct="1"/>
             <a:r>
               <a:rPr lang="de-DE" smtClean="0"/>
               <a:t>Dritte Ebene</a:t>
             </a:r>
           </a:p>
           <a:p>
-            <a:pPr lvl="3"/>
+            <a:pPr lvl="3" eaLnBrk="1" latinLnBrk="0" hangingPunct="1"/>
             <a:r>
               <a:rPr lang="de-DE" smtClean="0"/>
               <a:t>Vierte Ebene</a:t>
             </a:r>
           </a:p>
           <a:p>
-            <a:pPr lvl="4"/>
+            <a:pPr lvl="4" eaLnBrk="1" latinLnBrk="0" hangingPunct="1"/>
             <a:r>
               <a:rPr lang="de-DE" smtClean="0"/>
               <a:t>Fünfte Ebene</a:t>
             </a:r>
-            <a:endParaRPr lang="de-CH"/>
+            <a:endParaRPr kumimoji="0" lang="en-US"/>
           </a:p>
         </p:txBody>
       </p:sp>
@@ -1331,12 +2790,14 @@
         <p:spPr/>
         <p:txBody>
           <a:bodyPr/>
-          <a:lstStyle/>
+          <a:lstStyle>
+            <a:extLst/>
+          </a:lstStyle>
           <a:p>
             <a:fld id="{3C443DA0-1E00-47BC-B1FF-D9B0CE983651}" type="datetimeFigureOut">
               <a:rPr lang="de-CH" smtClean="0"/>
               <a:pPr/>
-              <a:t>15.01.2014</a:t>
+              <a:t>16.01.2014</a:t>
             </a:fld>
             <a:endParaRPr lang="de-CH"/>
           </a:p>
@@ -1355,7 +2816,9 @@
         <p:spPr/>
         <p:txBody>
           <a:bodyPr/>
-          <a:lstStyle/>
+          <a:lstStyle>
+            <a:extLst/>
+          </a:lstStyle>
           <a:p>
             <a:endParaRPr lang="de-CH"/>
           </a:p>
@@ -1374,7 +2837,9 @@
         <p:spPr/>
         <p:txBody>
           <a:bodyPr/>
-          <a:lstStyle/>
+          <a:lstStyle>
+            <a:extLst/>
+          </a:lstStyle>
           <a:p>
             <a:fld id="{7F7D67D1-6196-4FC6-8A25-B3D96AB50BA9}" type="slidenum">
               <a:rPr lang="de-CH" smtClean="0"/>
@@ -1385,17 +2850,47 @@
           </a:p>
         </p:txBody>
       </p:sp>
+      <p:sp>
+        <p:nvSpPr>
+          <p:cNvPr id="8" name="Titel 7"/>
+          <p:cNvSpPr>
+            <a:spLocks noGrp="1"/>
+          </p:cNvSpPr>
+          <p:nvPr>
+            <p:ph type="title"/>
+          </p:nvPr>
+        </p:nvSpPr>
+        <p:spPr/>
+        <p:txBody>
+          <a:bodyPr rtlCol="0"/>
+          <a:lstStyle>
+            <a:extLst/>
+          </a:lstStyle>
+          <a:p>
+            <a:r>
+              <a:rPr kumimoji="0" lang="de-DE" smtClean="0"/>
+              <a:t>Titelmasterformat durch Klicken bearbeiten</a:t>
+            </a:r>
+            <a:endParaRPr kumimoji="0" lang="en-US"/>
+          </a:p>
+        </p:txBody>
+      </p:sp>
     </p:spTree>
   </p:cSld>
   <p:clrMapOvr>
-    <a:masterClrMapping/>
+    <a:overrideClrMapping bg1="dk1" tx1="lt1" bg2="dk2" tx2="lt2" accent1="accent1" accent2="accent2" accent3="accent3" accent4="accent4" accent5="accent5" accent6="accent6" hlink="hlink" folHlink="folHlink"/>
   </p:clrMapOvr>
 </p:sldLayout>
 </file>
 
 <file path=ppt/slideLayouts/slideLayout5.xml><?xml version="1.0" encoding="utf-8"?>
-<p:sldLayout xmlns:a="http://schemas.openxmlformats.org/drawingml/2006/main" xmlns:r="http://schemas.openxmlformats.org/officeDocument/2006/relationships" xmlns:p="http://schemas.openxmlformats.org/presentationml/2006/main" type="twoTxTwoObj" preserve="1">
+<p:sldLayout xmlns:a="http://schemas.openxmlformats.org/drawingml/2006/main" xmlns:r="http://schemas.openxmlformats.org/officeDocument/2006/relationships" xmlns:p="http://schemas.openxmlformats.org/presentationml/2006/main" showMasterSp="0" type="twoTxTwoObj" preserve="1">
   <p:cSld name="Vergleich">
+    <p:bg>
+      <p:bgRef idx="1003">
+        <a:schemeClr val="bg1"/>
+      </p:bgRef>
+    </p:bg>
     <p:spTree>
       <p:nvGrpSpPr>
         <p:cNvPr id="1" name=""/>
@@ -1420,20 +2915,26 @@
             <p:ph type="title"/>
           </p:nvPr>
         </p:nvSpPr>
-        <p:spPr/>
-        <p:txBody>
-          <a:bodyPr/>
+        <p:spPr>
+          <a:xfrm>
+            <a:off x="457200" y="273050"/>
+            <a:ext cx="8229600" cy="1143000"/>
+          </a:xfrm>
+        </p:spPr>
+        <p:txBody>
+          <a:bodyPr anchor="ctr"/>
           <a:lstStyle>
             <a:lvl1pPr>
               <a:defRPr/>
             </a:lvl1pPr>
-          </a:lstStyle>
-          <a:p>
-            <a:r>
-              <a:rPr lang="de-DE" smtClean="0"/>
+            <a:extLst/>
+          </a:lstStyle>
+          <a:p>
+            <a:r>
+              <a:rPr kumimoji="0" lang="de-DE" smtClean="0"/>
               <a:t>Titelmasterformat durch Klicken bearbeiten</a:t>
             </a:r>
-            <a:endParaRPr lang="de-CH"/>
+            <a:endParaRPr kumimoji="0" lang="en-US"/>
           </a:p>
         </p:txBody>
       </p:sp>
@@ -1449,54 +2950,115 @@
         </p:nvSpPr>
         <p:spPr>
           <a:xfrm>
-            <a:off x="457200" y="1535113"/>
-            <a:ext cx="4040188" cy="639762"/>
+            <a:off x="457200" y="5410200"/>
+            <a:ext cx="4040188" cy="762000"/>
           </a:xfrm>
+          <a:solidFill>
+            <a:schemeClr val="accent1"/>
+          </a:solidFill>
+          <a:ln w="9652">
+            <a:solidFill>
+              <a:schemeClr val="accent1"/>
+            </a:solidFill>
+            <a:miter lim="800000"/>
+          </a:ln>
         </p:spPr>
         <p:txBody>
-          <a:bodyPr anchor="b"/>
+          <a:bodyPr lIns="182880" anchor="ctr"/>
           <a:lstStyle>
             <a:lvl1pPr marL="0" indent="0">
               <a:buNone/>
-              <a:defRPr sz="2400" b="1"/>
+              <a:defRPr sz="2400" b="0">
+                <a:solidFill>
+                  <a:schemeClr val="bg1"/>
+                </a:solidFill>
+              </a:defRPr>
             </a:lvl1pPr>
-            <a:lvl2pPr marL="457200" indent="0">
+            <a:lvl2pPr>
               <a:buNone/>
               <a:defRPr sz="2000" b="1"/>
             </a:lvl2pPr>
-            <a:lvl3pPr marL="914400" indent="0">
+            <a:lvl3pPr>
               <a:buNone/>
               <a:defRPr sz="1800" b="1"/>
             </a:lvl3pPr>
-            <a:lvl4pPr marL="1371600" indent="0">
+            <a:lvl4pPr>
               <a:buNone/>
               <a:defRPr sz="1600" b="1"/>
             </a:lvl4pPr>
-            <a:lvl5pPr marL="1828800" indent="0">
+            <a:lvl5pPr>
               <a:buNone/>
               <a:defRPr sz="1600" b="1"/>
             </a:lvl5pPr>
-            <a:lvl6pPr marL="2286000" indent="0">
+            <a:extLst/>
+          </a:lstStyle>
+          <a:p>
+            <a:pPr lvl="0" eaLnBrk="1" latinLnBrk="0" hangingPunct="1"/>
+            <a:r>
+              <a:rPr kumimoji="0" lang="de-DE" smtClean="0"/>
+              <a:t>Textmasterformate durch Klicken bearbeiten</a:t>
+            </a:r>
+          </a:p>
+        </p:txBody>
+      </p:sp>
+      <p:sp>
+        <p:nvSpPr>
+          <p:cNvPr id="4" name="Textplatzhalter 3"/>
+          <p:cNvSpPr>
+            <a:spLocks noGrp="1"/>
+          </p:cNvSpPr>
+          <p:nvPr>
+            <p:ph type="body" sz="half" idx="3"/>
+          </p:nvPr>
+        </p:nvSpPr>
+        <p:spPr>
+          <a:xfrm>
+            <a:off x="4645026" y="5410200"/>
+            <a:ext cx="4041775" cy="762000"/>
+          </a:xfrm>
+          <a:solidFill>
+            <a:schemeClr val="accent1"/>
+          </a:solidFill>
+          <a:ln w="9652">
+            <a:solidFill>
+              <a:schemeClr val="accent1"/>
+            </a:solidFill>
+            <a:miter lim="800000"/>
+          </a:ln>
+        </p:spPr>
+        <p:txBody>
+          <a:bodyPr lIns="182880" anchor="ctr"/>
+          <a:lstStyle>
+            <a:lvl1pPr marL="0" indent="0">
+              <a:buNone/>
+              <a:defRPr sz="2400" b="0">
+                <a:solidFill>
+                  <a:schemeClr val="bg1"/>
+                </a:solidFill>
+              </a:defRPr>
+            </a:lvl1pPr>
+            <a:lvl2pPr>
+              <a:buNone/>
+              <a:defRPr sz="2000" b="1"/>
+            </a:lvl2pPr>
+            <a:lvl3pPr>
+              <a:buNone/>
+              <a:defRPr sz="1800" b="1"/>
+            </a:lvl3pPr>
+            <a:lvl4pPr>
               <a:buNone/>
               <a:defRPr sz="1600" b="1"/>
-            </a:lvl6pPr>
-            <a:lvl7pPr marL="2743200" indent="0">
+            </a:lvl4pPr>
+            <a:lvl5pPr>
               <a:buNone/>
               <a:defRPr sz="1600" b="1"/>
-            </a:lvl7pPr>
-            <a:lvl8pPr marL="3200400" indent="0">
-              <a:buNone/>
-              <a:defRPr sz="1600" b="1"/>
-            </a:lvl8pPr>
-            <a:lvl9pPr marL="3657600" indent="0">
-              <a:buNone/>
-              <a:defRPr sz="1600" b="1"/>
-            </a:lvl9pPr>
-          </a:lstStyle>
-          <a:p>
-            <a:pPr lvl="0"/>
-            <a:r>
-              <a:rPr lang="de-DE" smtClean="0"/>
+            </a:lvl5pPr>
+            <a:extLst/>
+          </a:lstStyle>
+          <a:p>
+            <a:pPr lvl="0" eaLnBrk="1" latinLnBrk="0" hangingPunct="1"/>
+            <a:r>
+              <a:rPr kumimoji="0" lang="de-DE" smtClean="0"/>
               <a:t>Textmasterformate durch Klicken bearbeiten</a:t>
             </a:r>
           </a:p>
@@ -1504,19 +3066,24 @@
       </p:sp>
       <p:sp>
         <p:nvSpPr>
-          <p:cNvPr id="4" name="Inhaltsplatzhalter 3"/>
-          <p:cNvSpPr>
-            <a:spLocks noGrp="1"/>
-          </p:cNvSpPr>
-          <p:nvPr>
-            <p:ph sz="half" idx="2"/>
+          <p:cNvPr id="5" name="Inhaltsplatzhalter 4"/>
+          <p:cNvSpPr>
+            <a:spLocks noGrp="1"/>
+          </p:cNvSpPr>
+          <p:nvPr>
+            <p:ph sz="quarter" idx="2"/>
           </p:nvPr>
         </p:nvSpPr>
         <p:spPr>
           <a:xfrm>
-            <a:off x="457200" y="2174875"/>
-            <a:ext cx="4040188" cy="3951288"/>
+            <a:off x="457200" y="1444294"/>
+            <a:ext cx="4040188" cy="3941763"/>
           </a:xfrm>
+          <a:ln>
+            <a:noFill/>
+            <a:prstDash val="sysDash"/>
+            <a:miter lim="800000"/>
+          </a:ln>
         </p:spPr>
         <p:txBody>
           <a:bodyPr/>
@@ -1536,142 +3103,74 @@
             <a:lvl5pPr>
               <a:defRPr sz="1600"/>
             </a:lvl5pPr>
-            <a:lvl6pPr>
-              <a:defRPr sz="1600"/>
-            </a:lvl6pPr>
-            <a:lvl7pPr>
-              <a:defRPr sz="1600"/>
-            </a:lvl7pPr>
-            <a:lvl8pPr>
-              <a:defRPr sz="1600"/>
-            </a:lvl8pPr>
-            <a:lvl9pPr>
-              <a:defRPr sz="1600"/>
-            </a:lvl9pPr>
-          </a:lstStyle>
-          <a:p>
-            <a:pPr lvl="0"/>
+            <a:extLst/>
+          </a:lstStyle>
+          <a:p>
+            <a:pPr lvl="0" eaLnBrk="1" latinLnBrk="0" hangingPunct="1"/>
             <a:r>
               <a:rPr lang="de-DE" smtClean="0"/>
               <a:t>Textmasterformate durch Klicken bearbeiten</a:t>
             </a:r>
           </a:p>
           <a:p>
-            <a:pPr lvl="1"/>
+            <a:pPr lvl="1" eaLnBrk="1" latinLnBrk="0" hangingPunct="1"/>
             <a:r>
               <a:rPr lang="de-DE" smtClean="0"/>
               <a:t>Zweite Ebene</a:t>
             </a:r>
           </a:p>
           <a:p>
-            <a:pPr lvl="2"/>
+            <a:pPr lvl="2" eaLnBrk="1" latinLnBrk="0" hangingPunct="1"/>
             <a:r>
               <a:rPr lang="de-DE" smtClean="0"/>
               <a:t>Dritte Ebene</a:t>
             </a:r>
           </a:p>
           <a:p>
-            <a:pPr lvl="3"/>
+            <a:pPr lvl="3" eaLnBrk="1" latinLnBrk="0" hangingPunct="1"/>
             <a:r>
               <a:rPr lang="de-DE" smtClean="0"/>
               <a:t>Vierte Ebene</a:t>
             </a:r>
           </a:p>
           <a:p>
-            <a:pPr lvl="4"/>
+            <a:pPr lvl="4" eaLnBrk="1" latinLnBrk="0" hangingPunct="1"/>
             <a:r>
               <a:rPr lang="de-DE" smtClean="0"/>
               <a:t>Fünfte Ebene</a:t>
             </a:r>
-            <a:endParaRPr lang="de-CH"/>
-          </a:p>
-        </p:txBody>
-      </p:sp>
-      <p:sp>
-        <p:nvSpPr>
-          <p:cNvPr id="5" name="Textplatzhalter 4"/>
-          <p:cNvSpPr>
-            <a:spLocks noGrp="1"/>
-          </p:cNvSpPr>
-          <p:nvPr>
-            <p:ph type="body" sz="quarter" idx="3"/>
+            <a:endParaRPr kumimoji="0" lang="en-US"/>
+          </a:p>
+        </p:txBody>
+      </p:sp>
+      <p:sp>
+        <p:nvSpPr>
+          <p:cNvPr id="6" name="Inhaltsplatzhalter 5"/>
+          <p:cNvSpPr>
+            <a:spLocks noGrp="1"/>
+          </p:cNvSpPr>
+          <p:nvPr>
+            <p:ph sz="quarter" idx="4"/>
           </p:nvPr>
         </p:nvSpPr>
         <p:spPr>
           <a:xfrm>
-            <a:off x="4645025" y="1535113"/>
-            <a:ext cx="4041775" cy="639762"/>
+            <a:off x="4645025" y="1444294"/>
+            <a:ext cx="4041775" cy="3941763"/>
           </a:xfrm>
+          <a:ln>
+            <a:noFill/>
+            <a:prstDash val="sysDash"/>
+            <a:miter lim="800000"/>
+          </a:ln>
         </p:spPr>
         <p:txBody>
-          <a:bodyPr anchor="b"/>
-          <a:lstStyle>
-            <a:lvl1pPr marL="0" indent="0">
-              <a:buNone/>
-              <a:defRPr sz="2400" b="1"/>
-            </a:lvl1pPr>
-            <a:lvl2pPr marL="457200" indent="0">
-              <a:buNone/>
-              <a:defRPr sz="2000" b="1"/>
-            </a:lvl2pPr>
-            <a:lvl3pPr marL="914400" indent="0">
-              <a:buNone/>
-              <a:defRPr sz="1800" b="1"/>
-            </a:lvl3pPr>
-            <a:lvl4pPr marL="1371600" indent="0">
-              <a:buNone/>
-              <a:defRPr sz="1600" b="1"/>
-            </a:lvl4pPr>
-            <a:lvl5pPr marL="1828800" indent="0">
-              <a:buNone/>
-              <a:defRPr sz="1600" b="1"/>
-            </a:lvl5pPr>
-            <a:lvl6pPr marL="2286000" indent="0">
-              <a:buNone/>
-              <a:defRPr sz="1600" b="1"/>
-            </a:lvl6pPr>
-            <a:lvl7pPr marL="2743200" indent="0">
-              <a:buNone/>
-              <a:defRPr sz="1600" b="1"/>
-            </a:lvl7pPr>
-            <a:lvl8pPr marL="3200400" indent="0">
-              <a:buNone/>
-              <a:defRPr sz="1600" b="1"/>
-            </a:lvl8pPr>
-            <a:lvl9pPr marL="3657600" indent="0">
-              <a:buNone/>
-              <a:defRPr sz="1600" b="1"/>
-            </a:lvl9pPr>
-          </a:lstStyle>
-          <a:p>
-            <a:pPr lvl="0"/>
-            <a:r>
-              <a:rPr lang="de-DE" smtClean="0"/>
-              <a:t>Textmasterformate durch Klicken bearbeiten</a:t>
-            </a:r>
-          </a:p>
-        </p:txBody>
-      </p:sp>
-      <p:sp>
-        <p:nvSpPr>
-          <p:cNvPr id="6" name="Inhaltsplatzhalter 5"/>
-          <p:cNvSpPr>
-            <a:spLocks noGrp="1"/>
-          </p:cNvSpPr>
-          <p:nvPr>
-            <p:ph sz="quarter" idx="4"/>
-          </p:nvPr>
-        </p:nvSpPr>
-        <p:spPr>
-          <a:xfrm>
-            <a:off x="4645025" y="2174875"/>
-            <a:ext cx="4041775" cy="3951288"/>
-          </a:xfrm>
-        </p:spPr>
-        <p:txBody>
           <a:bodyPr/>
           <a:lstStyle>
             <a:lvl1pPr>
+              <a:spcBef>
+                <a:spcPts val="0"/>
+              </a:spcBef>
               <a:defRPr sz="2400"/>
             </a:lvl1pPr>
             <a:lvl2pPr>
@@ -1686,54 +3185,43 @@
             <a:lvl5pPr>
               <a:defRPr sz="1600"/>
             </a:lvl5pPr>
-            <a:lvl6pPr>
-              <a:defRPr sz="1600"/>
-            </a:lvl6pPr>
-            <a:lvl7pPr>
-              <a:defRPr sz="1600"/>
-            </a:lvl7pPr>
-            <a:lvl8pPr>
-              <a:defRPr sz="1600"/>
-            </a:lvl8pPr>
-            <a:lvl9pPr>
-              <a:defRPr sz="1600"/>
-            </a:lvl9pPr>
-          </a:lstStyle>
-          <a:p>
-            <a:pPr lvl="0"/>
+            <a:extLst/>
+          </a:lstStyle>
+          <a:p>
+            <a:pPr lvl="0" eaLnBrk="1" latinLnBrk="0" hangingPunct="1"/>
             <a:r>
               <a:rPr lang="de-DE" smtClean="0"/>
               <a:t>Textmasterformate durch Klicken bearbeiten</a:t>
             </a:r>
           </a:p>
           <a:p>
-            <a:pPr lvl="1"/>
+            <a:pPr lvl="1" eaLnBrk="1" latinLnBrk="0" hangingPunct="1"/>
             <a:r>
               <a:rPr lang="de-DE" smtClean="0"/>
               <a:t>Zweite Ebene</a:t>
             </a:r>
           </a:p>
           <a:p>
-            <a:pPr lvl="2"/>
+            <a:pPr lvl="2" eaLnBrk="1" latinLnBrk="0" hangingPunct="1"/>
             <a:r>
               <a:rPr lang="de-DE" smtClean="0"/>
               <a:t>Dritte Ebene</a:t>
             </a:r>
           </a:p>
           <a:p>
-            <a:pPr lvl="3"/>
+            <a:pPr lvl="3" eaLnBrk="1" latinLnBrk="0" hangingPunct="1"/>
             <a:r>
               <a:rPr lang="de-DE" smtClean="0"/>
               <a:t>Vierte Ebene</a:t>
             </a:r>
           </a:p>
           <a:p>
-            <a:pPr lvl="4"/>
+            <a:pPr lvl="4" eaLnBrk="1" latinLnBrk="0" hangingPunct="1"/>
             <a:r>
               <a:rPr lang="de-DE" smtClean="0"/>
               <a:t>Fünfte Ebene</a:t>
             </a:r>
-            <a:endParaRPr lang="de-CH"/>
+            <a:endParaRPr kumimoji="0" lang="en-US"/>
           </a:p>
         </p:txBody>
       </p:sp>
@@ -1750,12 +3238,14 @@
         <p:spPr/>
         <p:txBody>
           <a:bodyPr/>
-          <a:lstStyle/>
+          <a:lstStyle>
+            <a:extLst/>
+          </a:lstStyle>
           <a:p>
             <a:fld id="{3C443DA0-1E00-47BC-B1FF-D9B0CE983651}" type="datetimeFigureOut">
               <a:rPr lang="de-CH" smtClean="0"/>
               <a:pPr/>
-              <a:t>15.01.2014</a:t>
+              <a:t>16.01.2014</a:t>
             </a:fld>
             <a:endParaRPr lang="de-CH"/>
           </a:p>
@@ -1774,7 +3264,9 @@
         <p:spPr/>
         <p:txBody>
           <a:bodyPr/>
-          <a:lstStyle/>
+          <a:lstStyle>
+            <a:extLst/>
+          </a:lstStyle>
           <a:p>
             <a:endParaRPr lang="de-CH"/>
           </a:p>
@@ -1793,7 +3285,9 @@
         <p:spPr/>
         <p:txBody>
           <a:bodyPr/>
-          <a:lstStyle/>
+          <a:lstStyle>
+            <a:extLst/>
+          </a:lstStyle>
           <a:p>
             <a:fld id="{7F7D67D1-6196-4FC6-8A25-B3D96AB50BA9}" type="slidenum">
               <a:rPr lang="de-CH" smtClean="0"/>
@@ -1807,7 +3301,7 @@
     </p:spTree>
   </p:cSld>
   <p:clrMapOvr>
-    <a:masterClrMapping/>
+    <a:overrideClrMapping bg1="lt1" tx1="dk1" bg2="lt2" tx2="dk2" accent1="accent1" accent2="accent2" accent3="accent3" accent4="accent4" accent5="accent5" accent6="accent6" hlink="hlink" folHlink="folHlink"/>
   </p:clrMapOvr>
 </p:sldLayout>
 </file>
@@ -1815,6 +3309,11 @@
 <file path=ppt/slideLayouts/slideLayout6.xml><?xml version="1.0" encoding="utf-8"?>
 <p:sldLayout xmlns:a="http://schemas.openxmlformats.org/drawingml/2006/main" xmlns:r="http://schemas.openxmlformats.org/officeDocument/2006/relationships" xmlns:p="http://schemas.openxmlformats.org/presentationml/2006/main" type="titleOnly" preserve="1">
   <p:cSld name="Nur Titel">
+    <p:bg>
+      <p:bgRef idx="1002">
+        <a:schemeClr val="bg1"/>
+      </p:bgRef>
+    </p:bg>
     <p:spTree>
       <p:nvGrpSpPr>
         <p:cNvPr id="1" name=""/>
@@ -1831,46 +3330,25 @@
       </p:grpSpPr>
       <p:sp>
         <p:nvSpPr>
-          <p:cNvPr id="2" name="Titel 1"/>
-          <p:cNvSpPr>
-            <a:spLocks noGrp="1"/>
-          </p:cNvSpPr>
-          <p:nvPr>
-            <p:ph type="title"/>
+          <p:cNvPr id="3" name="Datumsplatzhalter 2"/>
+          <p:cNvSpPr>
+            <a:spLocks noGrp="1"/>
+          </p:cNvSpPr>
+          <p:nvPr>
+            <p:ph type="dt" sz="half" idx="10"/>
           </p:nvPr>
         </p:nvSpPr>
         <p:spPr/>
         <p:txBody>
           <a:bodyPr/>
-          <a:lstStyle/>
-          <a:p>
-            <a:r>
-              <a:rPr lang="de-DE" smtClean="0"/>
-              <a:t>Titelmasterformat durch Klicken bearbeiten</a:t>
-            </a:r>
-            <a:endParaRPr lang="de-CH"/>
-          </a:p>
-        </p:txBody>
-      </p:sp>
-      <p:sp>
-        <p:nvSpPr>
-          <p:cNvPr id="3" name="Datumsplatzhalter 2"/>
-          <p:cNvSpPr>
-            <a:spLocks noGrp="1"/>
-          </p:cNvSpPr>
-          <p:nvPr>
-            <p:ph type="dt" sz="half" idx="10"/>
-          </p:nvPr>
-        </p:nvSpPr>
-        <p:spPr/>
-        <p:txBody>
-          <a:bodyPr/>
-          <a:lstStyle/>
+          <a:lstStyle>
+            <a:extLst/>
+          </a:lstStyle>
           <a:p>
             <a:fld id="{3C443DA0-1E00-47BC-B1FF-D9B0CE983651}" type="datetimeFigureOut">
               <a:rPr lang="de-CH" smtClean="0"/>
               <a:pPr/>
-              <a:t>15.01.2014</a:t>
+              <a:t>16.01.2014</a:t>
             </a:fld>
             <a:endParaRPr lang="de-CH"/>
           </a:p>
@@ -1889,7 +3367,9 @@
         <p:spPr/>
         <p:txBody>
           <a:bodyPr/>
-          <a:lstStyle/>
+          <a:lstStyle>
+            <a:extLst/>
+          </a:lstStyle>
           <a:p>
             <a:endParaRPr lang="de-CH"/>
           </a:p>
@@ -1908,7 +3388,9 @@
         <p:spPr/>
         <p:txBody>
           <a:bodyPr/>
-          <a:lstStyle/>
+          <a:lstStyle>
+            <a:extLst/>
+          </a:lstStyle>
           <a:p>
             <a:fld id="{7F7D67D1-6196-4FC6-8A25-B3D96AB50BA9}" type="slidenum">
               <a:rPr lang="de-CH" smtClean="0"/>
@@ -1919,10 +3401,35 @@
           </a:p>
         </p:txBody>
       </p:sp>
+      <p:sp>
+        <p:nvSpPr>
+          <p:cNvPr id="6" name="Titel 5"/>
+          <p:cNvSpPr>
+            <a:spLocks noGrp="1"/>
+          </p:cNvSpPr>
+          <p:nvPr>
+            <p:ph type="title"/>
+          </p:nvPr>
+        </p:nvSpPr>
+        <p:spPr/>
+        <p:txBody>
+          <a:bodyPr rtlCol="0"/>
+          <a:lstStyle>
+            <a:extLst/>
+          </a:lstStyle>
+          <a:p>
+            <a:r>
+              <a:rPr kumimoji="0" lang="de-DE" smtClean="0"/>
+              <a:t>Titelmasterformat durch Klicken bearbeiten</a:t>
+            </a:r>
+            <a:endParaRPr kumimoji="0" lang="en-US"/>
+          </a:p>
+        </p:txBody>
+      </p:sp>
     </p:spTree>
   </p:cSld>
   <p:clrMapOvr>
-    <a:masterClrMapping/>
+    <a:overrideClrMapping bg1="dk1" tx1="lt1" bg2="dk2" tx2="lt2" accent1="accent1" accent2="accent2" accent3="accent3" accent4="accent4" accent5="accent5" accent6="accent6" hlink="hlink" folHlink="folHlink"/>
   </p:clrMapOvr>
 </p:sldLayout>
 </file>
@@ -1957,12 +3464,14 @@
         <p:spPr/>
         <p:txBody>
           <a:bodyPr/>
-          <a:lstStyle/>
+          <a:lstStyle>
+            <a:extLst/>
+          </a:lstStyle>
           <a:p>
             <a:fld id="{3C443DA0-1E00-47BC-B1FF-D9B0CE983651}" type="datetimeFigureOut">
               <a:rPr lang="de-CH" smtClean="0"/>
               <a:pPr/>
-              <a:t>15.01.2014</a:t>
+              <a:t>16.01.2014</a:t>
             </a:fld>
             <a:endParaRPr lang="de-CH"/>
           </a:p>
@@ -1981,7 +3490,9 @@
         <p:spPr/>
         <p:txBody>
           <a:bodyPr/>
-          <a:lstStyle/>
+          <a:lstStyle>
+            <a:extLst/>
+          </a:lstStyle>
           <a:p>
             <a:endParaRPr lang="de-CH"/>
           </a:p>
@@ -2000,7 +3511,9 @@
         <p:spPr/>
         <p:txBody>
           <a:bodyPr/>
-          <a:lstStyle/>
+          <a:lstStyle>
+            <a:extLst/>
+          </a:lstStyle>
           <a:p>
             <a:fld id="{7F7D67D1-6196-4FC6-8A25-B3D96AB50BA9}" type="slidenum">
               <a:rPr lang="de-CH" smtClean="0"/>
@@ -2020,8 +3533,13 @@
 </file>
 
 <file path=ppt/slideLayouts/slideLayout8.xml><?xml version="1.0" encoding="utf-8"?>
-<p:sldLayout xmlns:a="http://schemas.openxmlformats.org/drawingml/2006/main" xmlns:r="http://schemas.openxmlformats.org/officeDocument/2006/relationships" xmlns:p="http://schemas.openxmlformats.org/presentationml/2006/main" type="objTx" preserve="1">
+<p:sldLayout xmlns:a="http://schemas.openxmlformats.org/drawingml/2006/main" xmlns:r="http://schemas.openxmlformats.org/officeDocument/2006/relationships" xmlns:p="http://schemas.openxmlformats.org/presentationml/2006/main" showMasterSp="0" type="objTx" preserve="1">
   <p:cSld name="Inhalt mit Überschrift">
+    <p:bg>
+      <p:bgRef idx="1003">
+        <a:schemeClr val="bg1"/>
+      </p:bgRef>
+    </p:bg>
     <p:spTree>
       <p:nvGrpSpPr>
         <p:cNvPr id="1" name=""/>
@@ -2048,40 +3566,102 @@
         </p:nvSpPr>
         <p:spPr>
           <a:xfrm>
-            <a:off x="457200" y="273050"/>
-            <a:ext cx="3008313" cy="1162050"/>
+            <a:off x="914400" y="4876800"/>
+            <a:ext cx="7481776" cy="457200"/>
           </a:xfrm>
         </p:spPr>
         <p:txBody>
-          <a:bodyPr anchor="b"/>
-          <a:lstStyle>
-            <a:lvl1pPr algn="l">
-              <a:defRPr sz="2000" b="1"/>
+          <a:bodyPr vert="horz" anchor="t">
+            <a:noAutofit/>
+            <a:sp3d prstMaterial="softEdge">
+              <a:bevelT w="0" h="0"/>
+            </a:sp3d>
+          </a:bodyPr>
+          <a:lstStyle>
+            <a:lvl1pPr algn="r">
+              <a:buNone/>
+              <a:defRPr sz="2500" b="0">
+                <a:solidFill>
+                  <a:schemeClr val="accent1"/>
+                </a:solidFill>
+                <a:effectLst/>
+              </a:defRPr>
             </a:lvl1pPr>
-          </a:lstStyle>
-          <a:p>
-            <a:r>
-              <a:rPr lang="de-DE" smtClean="0"/>
+            <a:extLst/>
+          </a:lstStyle>
+          <a:p>
+            <a:r>
+              <a:rPr kumimoji="0" lang="de-DE" smtClean="0"/>
               <a:t>Titelmasterformat durch Klicken bearbeiten</a:t>
             </a:r>
-            <a:endParaRPr lang="de-CH"/>
-          </a:p>
-        </p:txBody>
-      </p:sp>
-      <p:sp>
-        <p:nvSpPr>
-          <p:cNvPr id="3" name="Inhaltsplatzhalter 2"/>
-          <p:cNvSpPr>
-            <a:spLocks noGrp="1"/>
-          </p:cNvSpPr>
-          <p:nvPr>
-            <p:ph idx="1"/>
+            <a:endParaRPr kumimoji="0" lang="en-US"/>
+          </a:p>
+        </p:txBody>
+      </p:sp>
+      <p:sp>
+        <p:nvSpPr>
+          <p:cNvPr id="3" name="Textplatzhalter 2"/>
+          <p:cNvSpPr>
+            <a:spLocks noGrp="1"/>
+          </p:cNvSpPr>
+          <p:nvPr>
+            <p:ph type="body" idx="2"/>
           </p:nvPr>
         </p:nvSpPr>
         <p:spPr>
           <a:xfrm>
-            <a:off x="3575050" y="273050"/>
-            <a:ext cx="5111750" cy="5853113"/>
+            <a:off x="4419600" y="5355102"/>
+            <a:ext cx="3974592" cy="914400"/>
+          </a:xfrm>
+        </p:spPr>
+        <p:txBody>
+          <a:bodyPr/>
+          <a:lstStyle>
+            <a:lvl1pPr marL="0" indent="0" algn="r">
+              <a:buNone/>
+              <a:defRPr sz="1600"/>
+            </a:lvl1pPr>
+            <a:lvl2pPr>
+              <a:buNone/>
+              <a:defRPr sz="1200"/>
+            </a:lvl2pPr>
+            <a:lvl3pPr>
+              <a:buNone/>
+              <a:defRPr sz="1000"/>
+            </a:lvl3pPr>
+            <a:lvl4pPr>
+              <a:buNone/>
+              <a:defRPr sz="900"/>
+            </a:lvl4pPr>
+            <a:lvl5pPr>
+              <a:buNone/>
+              <a:defRPr sz="900"/>
+            </a:lvl5pPr>
+            <a:extLst/>
+          </a:lstStyle>
+          <a:p>
+            <a:pPr lvl="0" eaLnBrk="1" latinLnBrk="0" hangingPunct="1"/>
+            <a:r>
+              <a:rPr kumimoji="0" lang="de-DE" smtClean="0"/>
+              <a:t>Textmasterformate durch Klicken bearbeiten</a:t>
+            </a:r>
+          </a:p>
+        </p:txBody>
+      </p:sp>
+      <p:sp>
+        <p:nvSpPr>
+          <p:cNvPr id="4" name="Inhaltsplatzhalter 3"/>
+          <p:cNvSpPr>
+            <a:spLocks noGrp="1"/>
+          </p:cNvSpPr>
+          <p:nvPr>
+            <p:ph sz="half" idx="1"/>
+          </p:nvPr>
+        </p:nvSpPr>
+        <p:spPr>
+          <a:xfrm>
+            <a:off x="914400" y="274320"/>
+            <a:ext cx="7479792" cy="4572000"/>
           </a:xfrm>
         </p:spPr>
         <p:txBody>
@@ -2102,141 +3682,72 @@
             <a:lvl5pPr>
               <a:defRPr sz="2000"/>
             </a:lvl5pPr>
-            <a:lvl6pPr>
-              <a:defRPr sz="2000"/>
-            </a:lvl6pPr>
-            <a:lvl7pPr>
-              <a:defRPr sz="2000"/>
-            </a:lvl7pPr>
-            <a:lvl8pPr>
-              <a:defRPr sz="2000"/>
-            </a:lvl8pPr>
-            <a:lvl9pPr>
-              <a:defRPr sz="2000"/>
-            </a:lvl9pPr>
-          </a:lstStyle>
-          <a:p>
-            <a:pPr lvl="0"/>
+            <a:extLst/>
+          </a:lstStyle>
+          <a:p>
+            <a:pPr lvl="0" eaLnBrk="1" latinLnBrk="0" hangingPunct="1"/>
             <a:r>
               <a:rPr lang="de-DE" smtClean="0"/>
               <a:t>Textmasterformate durch Klicken bearbeiten</a:t>
             </a:r>
           </a:p>
           <a:p>
-            <a:pPr lvl="1"/>
+            <a:pPr lvl="1" eaLnBrk="1" latinLnBrk="0" hangingPunct="1"/>
             <a:r>
               <a:rPr lang="de-DE" smtClean="0"/>
               <a:t>Zweite Ebene</a:t>
             </a:r>
           </a:p>
           <a:p>
-            <a:pPr lvl="2"/>
+            <a:pPr lvl="2" eaLnBrk="1" latinLnBrk="0" hangingPunct="1"/>
             <a:r>
               <a:rPr lang="de-DE" smtClean="0"/>
               <a:t>Dritte Ebene</a:t>
             </a:r>
           </a:p>
           <a:p>
-            <a:pPr lvl="3"/>
+            <a:pPr lvl="3" eaLnBrk="1" latinLnBrk="0" hangingPunct="1"/>
             <a:r>
               <a:rPr lang="de-DE" smtClean="0"/>
               <a:t>Vierte Ebene</a:t>
             </a:r>
           </a:p>
           <a:p>
-            <a:pPr lvl="4"/>
+            <a:pPr lvl="4" eaLnBrk="1" latinLnBrk="0" hangingPunct="1"/>
             <a:r>
               <a:rPr lang="de-DE" smtClean="0"/>
               <a:t>Fünfte Ebene</a:t>
             </a:r>
-            <a:endParaRPr lang="de-CH"/>
-          </a:p>
-        </p:txBody>
-      </p:sp>
-      <p:sp>
-        <p:nvSpPr>
-          <p:cNvPr id="4" name="Textplatzhalter 3"/>
-          <p:cNvSpPr>
-            <a:spLocks noGrp="1"/>
-          </p:cNvSpPr>
-          <p:nvPr>
-            <p:ph type="body" sz="half" idx="2"/>
+            <a:endParaRPr kumimoji="0" lang="en-US"/>
+          </a:p>
+        </p:txBody>
+      </p:sp>
+      <p:sp>
+        <p:nvSpPr>
+          <p:cNvPr id="5" name="Datumsplatzhalter 4"/>
+          <p:cNvSpPr>
+            <a:spLocks noGrp="1"/>
+          </p:cNvSpPr>
+          <p:nvPr>
+            <p:ph type="dt" sz="half" idx="10"/>
           </p:nvPr>
         </p:nvSpPr>
         <p:spPr>
           <a:xfrm>
-            <a:off x="457200" y="1435100"/>
-            <a:ext cx="3008313" cy="4691063"/>
+            <a:off x="6727032" y="6407944"/>
+            <a:ext cx="1920240" cy="365760"/>
           </a:xfrm>
         </p:spPr>
         <p:txBody>
           <a:bodyPr/>
           <a:lstStyle>
-            <a:lvl1pPr marL="0" indent="0">
-              <a:buNone/>
-              <a:defRPr sz="1400"/>
-            </a:lvl1pPr>
-            <a:lvl2pPr marL="457200" indent="0">
-              <a:buNone/>
-              <a:defRPr sz="1200"/>
-            </a:lvl2pPr>
-            <a:lvl3pPr marL="914400" indent="0">
-              <a:buNone/>
-              <a:defRPr sz="1000"/>
-            </a:lvl3pPr>
-            <a:lvl4pPr marL="1371600" indent="0">
-              <a:buNone/>
-              <a:defRPr sz="900"/>
-            </a:lvl4pPr>
-            <a:lvl5pPr marL="1828800" indent="0">
-              <a:buNone/>
-              <a:defRPr sz="900"/>
-            </a:lvl5pPr>
-            <a:lvl6pPr marL="2286000" indent="0">
-              <a:buNone/>
-              <a:defRPr sz="900"/>
-            </a:lvl6pPr>
-            <a:lvl7pPr marL="2743200" indent="0">
-              <a:buNone/>
-              <a:defRPr sz="900"/>
-            </a:lvl7pPr>
-            <a:lvl8pPr marL="3200400" indent="0">
-              <a:buNone/>
-              <a:defRPr sz="900"/>
-            </a:lvl8pPr>
-            <a:lvl9pPr marL="3657600" indent="0">
-              <a:buNone/>
-              <a:defRPr sz="900"/>
-            </a:lvl9pPr>
-          </a:lstStyle>
-          <a:p>
-            <a:pPr lvl="0"/>
-            <a:r>
-              <a:rPr lang="de-DE" smtClean="0"/>
-              <a:t>Textmasterformate durch Klicken bearbeiten</a:t>
-            </a:r>
-          </a:p>
-        </p:txBody>
-      </p:sp>
-      <p:sp>
-        <p:nvSpPr>
-          <p:cNvPr id="5" name="Datumsplatzhalter 4"/>
-          <p:cNvSpPr>
-            <a:spLocks noGrp="1"/>
-          </p:cNvSpPr>
-          <p:nvPr>
-            <p:ph type="dt" sz="half" idx="10"/>
-          </p:nvPr>
-        </p:nvSpPr>
-        <p:spPr/>
-        <p:txBody>
-          <a:bodyPr/>
-          <a:lstStyle/>
+            <a:extLst/>
+          </a:lstStyle>
           <a:p>
             <a:fld id="{3C443DA0-1E00-47BC-B1FF-D9B0CE983651}" type="datetimeFigureOut">
               <a:rPr lang="de-CH" smtClean="0"/>
               <a:pPr/>
-              <a:t>15.01.2014</a:t>
+              <a:t>16.01.2014</a:t>
             </a:fld>
             <a:endParaRPr lang="de-CH"/>
           </a:p>
@@ -2255,7 +3766,9 @@
         <p:spPr/>
         <p:txBody>
           <a:bodyPr/>
-          <a:lstStyle/>
+          <a:lstStyle>
+            <a:extLst/>
+          </a:lstStyle>
           <a:p>
             <a:endParaRPr lang="de-CH"/>
           </a:p>
@@ -2274,7 +3787,9 @@
         <p:spPr/>
         <p:txBody>
           <a:bodyPr/>
-          <a:lstStyle/>
+          <a:lstStyle>
+            <a:extLst/>
+          </a:lstStyle>
           <a:p>
             <a:fld id="{7F7D67D1-6196-4FC6-8A25-B3D96AB50BA9}" type="slidenum">
               <a:rPr lang="de-CH" smtClean="0"/>
@@ -2288,14 +3803,19 @@
     </p:spTree>
   </p:cSld>
   <p:clrMapOvr>
-    <a:masterClrMapping/>
+    <a:overrideClrMapping bg1="lt1" tx1="dk1" bg2="lt2" tx2="dk2" accent1="accent1" accent2="accent2" accent3="accent3" accent4="accent4" accent5="accent5" accent6="accent6" hlink="hlink" folHlink="folHlink"/>
   </p:clrMapOvr>
 </p:sldLayout>
 </file>
 
 <file path=ppt/slideLayouts/slideLayout9.xml><?xml version="1.0" encoding="utf-8"?>
-<p:sldLayout xmlns:a="http://schemas.openxmlformats.org/drawingml/2006/main" xmlns:r="http://schemas.openxmlformats.org/officeDocument/2006/relationships" xmlns:p="http://schemas.openxmlformats.org/presentationml/2006/main" type="picTx" preserve="1">
+<p:sldLayout xmlns:a="http://schemas.openxmlformats.org/drawingml/2006/main" xmlns:r="http://schemas.openxmlformats.org/officeDocument/2006/relationships" xmlns:p="http://schemas.openxmlformats.org/presentationml/2006/main" showMasterSp="0" type="picTx" preserve="1">
   <p:cSld name="Bild mit Überschrift">
+    <p:bg>
+      <p:bgRef idx="1002">
+        <a:schemeClr val="bg1"/>
+      </p:bgRef>
+    </p:bg>
     <p:spTree>
       <p:nvGrpSpPr>
         <p:cNvPr id="1" name=""/>
@@ -2312,33 +3832,48 @@
       </p:grpSpPr>
       <p:sp>
         <p:nvSpPr>
-          <p:cNvPr id="2" name="Titel 1"/>
-          <p:cNvSpPr>
-            <a:spLocks noGrp="1"/>
-          </p:cNvSpPr>
-          <p:nvPr>
-            <p:ph type="title"/>
+          <p:cNvPr id="4" name="Textplatzhalter 3"/>
+          <p:cNvSpPr>
+            <a:spLocks noGrp="1"/>
+          </p:cNvSpPr>
+          <p:nvPr>
+            <p:ph type="body" sz="half" idx="2"/>
           </p:nvPr>
         </p:nvSpPr>
         <p:spPr>
           <a:xfrm>
-            <a:off x="1792288" y="4800600"/>
-            <a:ext cx="5486400" cy="566738"/>
+            <a:off x="1141232" y="5443402"/>
+            <a:ext cx="7162800" cy="648232"/>
           </a:xfrm>
+          <a:noFill/>
         </p:spPr>
         <p:txBody>
-          <a:bodyPr anchor="b"/>
-          <a:lstStyle>
-            <a:lvl1pPr algn="l">
-              <a:defRPr sz="2000" b="1"/>
+          <a:bodyPr lIns="91440" tIns="0" rIns="91440" anchor="t"/>
+          <a:lstStyle>
+            <a:lvl1pPr marL="0" marR="18288" indent="0" algn="r">
+              <a:buNone/>
+              <a:defRPr sz="1400"/>
             </a:lvl1pPr>
-          </a:lstStyle>
-          <a:p>
-            <a:r>
-              <a:rPr lang="de-DE" smtClean="0"/>
-              <a:t>Titelmasterformat durch Klicken bearbeiten</a:t>
-            </a:r>
-            <a:endParaRPr lang="de-CH"/>
+            <a:lvl2pPr>
+              <a:defRPr sz="1200"/>
+            </a:lvl2pPr>
+            <a:lvl3pPr>
+              <a:defRPr sz="1000"/>
+            </a:lvl3pPr>
+            <a:lvl4pPr>
+              <a:defRPr sz="900"/>
+            </a:lvl4pPr>
+            <a:lvl5pPr>
+              <a:defRPr sz="900"/>
+            </a:lvl5pPr>
+            <a:extLst/>
+          </a:lstStyle>
+          <a:p>
+            <a:pPr lvl="0" eaLnBrk="1" latinLnBrk="0" hangingPunct="1"/>
+            <a:r>
+              <a:rPr kumimoji="0" lang="de-DE" smtClean="0"/>
+              <a:t>Textmasterformate durch Klicken bearbeiten</a:t>
+            </a:r>
           </a:p>
         </p:txBody>
       </p:sp>
@@ -2354,9 +3889,25 @@
         </p:nvSpPr>
         <p:spPr>
           <a:xfrm>
-            <a:off x="1792288" y="612775"/>
-            <a:ext cx="5486400" cy="4114800"/>
+            <a:off x="228600" y="189968"/>
+            <a:ext cx="8686800" cy="4389120"/>
           </a:xfrm>
+          <a:prstGeom prst="rect">
+            <a:avLst/>
+          </a:prstGeom>
+          <a:solidFill>
+            <a:schemeClr val="bg2"/>
+          </a:solidFill>
+          <a:ln>
+            <a:solidFill>
+              <a:schemeClr val="bg1"/>
+            </a:solidFill>
+          </a:ln>
+          <a:effectLst>
+            <a:innerShdw blurRad="95250">
+              <a:srgbClr val="000000"/>
+            </a:innerShdw>
+          </a:effectLst>
         </p:spPr>
         <p:txBody>
           <a:bodyPr/>
@@ -2365,128 +3916,45 @@
               <a:buNone/>
               <a:defRPr sz="3200"/>
             </a:lvl1pPr>
-            <a:lvl2pPr marL="457200" indent="0">
-              <a:buNone/>
-              <a:defRPr sz="2800"/>
-            </a:lvl2pPr>
-            <a:lvl3pPr marL="914400" indent="0">
-              <a:buNone/>
-              <a:defRPr sz="2400"/>
-            </a:lvl3pPr>
-            <a:lvl4pPr marL="1371600" indent="0">
-              <a:buNone/>
-              <a:defRPr sz="2000"/>
-            </a:lvl4pPr>
-            <a:lvl5pPr marL="1828800" indent="0">
-              <a:buNone/>
-              <a:defRPr sz="2000"/>
-            </a:lvl5pPr>
-            <a:lvl6pPr marL="2286000" indent="0">
-              <a:buNone/>
-              <a:defRPr sz="2000"/>
-            </a:lvl6pPr>
-            <a:lvl7pPr marL="2743200" indent="0">
-              <a:buNone/>
-              <a:defRPr sz="2000"/>
-            </a:lvl7pPr>
-            <a:lvl8pPr marL="3200400" indent="0">
-              <a:buNone/>
-              <a:defRPr sz="2000"/>
-            </a:lvl8pPr>
-            <a:lvl9pPr marL="3657600" indent="0">
-              <a:buNone/>
-              <a:defRPr sz="2000"/>
-            </a:lvl9pPr>
-          </a:lstStyle>
-          <a:p>
-            <a:endParaRPr lang="de-CH"/>
-          </a:p>
-        </p:txBody>
-      </p:sp>
-      <p:sp>
-        <p:nvSpPr>
-          <p:cNvPr id="4" name="Textplatzhalter 3"/>
-          <p:cNvSpPr>
-            <a:spLocks noGrp="1"/>
-          </p:cNvSpPr>
-          <p:nvPr>
-            <p:ph type="body" sz="half" idx="2"/>
-          </p:nvPr>
-        </p:nvSpPr>
-        <p:spPr>
-          <a:xfrm>
-            <a:off x="1792288" y="5367338"/>
-            <a:ext cx="5486400" cy="804862"/>
-          </a:xfrm>
-        </p:spPr>
+            <a:extLst/>
+          </a:lstStyle>
+          <a:p>
+            <a:r>
+              <a:rPr kumimoji="0" lang="de-DE" smtClean="0"/>
+              <a:t>Bild durch Klicken auf Symbol hinzufügen</a:t>
+            </a:r>
+            <a:endParaRPr kumimoji="0" lang="en-US" dirty="0"/>
+          </a:p>
+        </p:txBody>
+      </p:sp>
+      <p:sp>
+        <p:nvSpPr>
+          <p:cNvPr id="5" name="Datumsplatzhalter 4"/>
+          <p:cNvSpPr>
+            <a:spLocks noGrp="1"/>
+          </p:cNvSpPr>
+          <p:nvPr>
+            <p:ph type="dt" sz="half" idx="10"/>
+          </p:nvPr>
+        </p:nvSpPr>
+        <p:spPr/>
         <p:txBody>
           <a:bodyPr/>
           <a:lstStyle>
-            <a:lvl1pPr marL="0" indent="0">
-              <a:buNone/>
-              <a:defRPr sz="1400"/>
+            <a:lvl1pPr>
+              <a:defRPr>
+                <a:solidFill>
+                  <a:schemeClr val="tx1"/>
+                </a:solidFill>
+              </a:defRPr>
             </a:lvl1pPr>
-            <a:lvl2pPr marL="457200" indent="0">
-              <a:buNone/>
-              <a:defRPr sz="1200"/>
-            </a:lvl2pPr>
-            <a:lvl3pPr marL="914400" indent="0">
-              <a:buNone/>
-              <a:defRPr sz="1000"/>
-            </a:lvl3pPr>
-            <a:lvl4pPr marL="1371600" indent="0">
-              <a:buNone/>
-              <a:defRPr sz="900"/>
-            </a:lvl4pPr>
-            <a:lvl5pPr marL="1828800" indent="0">
-              <a:buNone/>
-              <a:defRPr sz="900"/>
-            </a:lvl5pPr>
-            <a:lvl6pPr marL="2286000" indent="0">
-              <a:buNone/>
-              <a:defRPr sz="900"/>
-            </a:lvl6pPr>
-            <a:lvl7pPr marL="2743200" indent="0">
-              <a:buNone/>
-              <a:defRPr sz="900"/>
-            </a:lvl7pPr>
-            <a:lvl8pPr marL="3200400" indent="0">
-              <a:buNone/>
-              <a:defRPr sz="900"/>
-            </a:lvl8pPr>
-            <a:lvl9pPr marL="3657600" indent="0">
-              <a:buNone/>
-              <a:defRPr sz="900"/>
-            </a:lvl9pPr>
-          </a:lstStyle>
-          <a:p>
-            <a:pPr lvl="0"/>
-            <a:r>
-              <a:rPr lang="de-DE" smtClean="0"/>
-              <a:t>Textmasterformate durch Klicken bearbeiten</a:t>
-            </a:r>
-          </a:p>
-        </p:txBody>
-      </p:sp>
-      <p:sp>
-        <p:nvSpPr>
-          <p:cNvPr id="5" name="Datumsplatzhalter 4"/>
-          <p:cNvSpPr>
-            <a:spLocks noGrp="1"/>
-          </p:cNvSpPr>
-          <p:nvPr>
-            <p:ph type="dt" sz="half" idx="10"/>
-          </p:nvPr>
-        </p:nvSpPr>
-        <p:spPr/>
-        <p:txBody>
-          <a:bodyPr/>
-          <a:lstStyle/>
+            <a:extLst/>
+          </a:lstStyle>
           <a:p>
             <a:fld id="{3C443DA0-1E00-47BC-B1FF-D9B0CE983651}" type="datetimeFigureOut">
               <a:rPr lang="de-CH" smtClean="0"/>
               <a:pPr/>
-              <a:t>15.01.2014</a:t>
+              <a:t>16.01.2014</a:t>
             </a:fld>
             <a:endParaRPr lang="de-CH"/>
           </a:p>
@@ -2502,29 +3970,52 @@
             <p:ph type="ftr" sz="quarter" idx="11"/>
           </p:nvPr>
         </p:nvSpPr>
+        <p:spPr>
+          <a:xfrm>
+            <a:off x="4380072" y="6407944"/>
+            <a:ext cx="2350681" cy="365125"/>
+          </a:xfrm>
+        </p:spPr>
+        <p:txBody>
+          <a:bodyPr/>
+          <a:lstStyle>
+            <a:lvl1pPr>
+              <a:defRPr>
+                <a:solidFill>
+                  <a:schemeClr val="tx1"/>
+                </a:solidFill>
+              </a:defRPr>
+            </a:lvl1pPr>
+            <a:extLst/>
+          </a:lstStyle>
+          <a:p>
+            <a:endParaRPr lang="de-CH"/>
+          </a:p>
+        </p:txBody>
+      </p:sp>
+      <p:sp>
+        <p:nvSpPr>
+          <p:cNvPr id="7" name="Foliennummernplatzhalter 6"/>
+          <p:cNvSpPr>
+            <a:spLocks noGrp="1"/>
+          </p:cNvSpPr>
+          <p:nvPr>
+            <p:ph type="sldNum" sz="quarter" idx="12"/>
+          </p:nvPr>
+        </p:nvSpPr>
         <p:spPr/>
         <p:txBody>
           <a:bodyPr/>
-          <a:lstStyle/>
-          <a:p>
-            <a:endParaRPr lang="de-CH"/>
-          </a:p>
-        </p:txBody>
-      </p:sp>
-      <p:sp>
-        <p:nvSpPr>
-          <p:cNvPr id="7" name="Foliennummernplatzhalter 6"/>
-          <p:cNvSpPr>
-            <a:spLocks noGrp="1"/>
-          </p:cNvSpPr>
-          <p:nvPr>
-            <p:ph type="sldNum" sz="quarter" idx="12"/>
-          </p:nvPr>
-        </p:nvSpPr>
-        <p:spPr/>
-        <p:txBody>
-          <a:bodyPr/>
-          <a:lstStyle/>
+          <a:lstStyle>
+            <a:lvl1pPr>
+              <a:defRPr>
+                <a:solidFill>
+                  <a:schemeClr val="tx1"/>
+                </a:solidFill>
+              </a:defRPr>
+            </a:lvl1pPr>
+            <a:extLst/>
+          </a:lstStyle>
           <a:p>
             <a:fld id="{7F7D67D1-6196-4FC6-8A25-B3D96AB50BA9}" type="slidenum">
               <a:rPr lang="de-CH" smtClean="0"/>
@@ -2535,10 +4026,548 @@
           </a:p>
         </p:txBody>
       </p:sp>
+      <p:sp>
+        <p:nvSpPr>
+          <p:cNvPr id="2" name="Titel 1"/>
+          <p:cNvSpPr>
+            <a:spLocks noGrp="1"/>
+          </p:cNvSpPr>
+          <p:nvPr>
+            <p:ph type="title"/>
+          </p:nvPr>
+        </p:nvSpPr>
+        <p:spPr>
+          <a:xfrm>
+            <a:off x="228600" y="4865122"/>
+            <a:ext cx="8075432" cy="562672"/>
+          </a:xfrm>
+          <a:noFill/>
+        </p:spPr>
+        <p:txBody>
+          <a:bodyPr anchor="t">
+            <a:sp3d prstMaterial="softEdge"/>
+          </a:bodyPr>
+          <a:lstStyle>
+            <a:lvl1pPr marR="0" algn="r">
+              <a:buNone/>
+              <a:defRPr sz="3000" b="0">
+                <a:solidFill>
+                  <a:schemeClr val="accent1"/>
+                </a:solidFill>
+                <a:effectLst>
+                  <a:outerShdw blurRad="50800" dist="25000" dir="5400000" algn="t" rotWithShape="0">
+                    <a:prstClr val="black">
+                      <a:alpha val="45000"/>
+                    </a:prstClr>
+                  </a:outerShdw>
+                </a:effectLst>
+              </a:defRPr>
+            </a:lvl1pPr>
+            <a:extLst/>
+          </a:lstStyle>
+          <a:p>
+            <a:r>
+              <a:rPr kumimoji="0" lang="de-DE" smtClean="0"/>
+              <a:t>Titelmasterformat durch Klicken bearbeiten</a:t>
+            </a:r>
+            <a:endParaRPr kumimoji="0" lang="en-US"/>
+          </a:p>
+        </p:txBody>
+      </p:sp>
+      <p:sp>
+        <p:nvSpPr>
+          <p:cNvPr id="8" name="Freihandform 7"/>
+          <p:cNvSpPr>
+            <a:spLocks/>
+          </p:cNvSpPr>
+          <p:nvPr/>
+        </p:nvSpPr>
+        <p:spPr bwMode="auto">
+          <a:xfrm>
+            <a:off x="499273" y="5944936"/>
+            <a:ext cx="4940624" cy="921076"/>
+          </a:xfrm>
+          <a:custGeom>
+            <a:avLst>
+              <a:gd name="A1" fmla="val 0"/>
+              <a:gd name="A2" fmla="val 0"/>
+              <a:gd name="A3" fmla="val 0"/>
+              <a:gd name="A4" fmla="val 0"/>
+              <a:gd name="A5" fmla="val 0"/>
+              <a:gd name="A6" fmla="val 0"/>
+              <a:gd name="A7" fmla="val 0"/>
+              <a:gd name="A8" fmla="val 0"/>
+            </a:avLst>
+            <a:gdLst/>
+            <a:ahLst/>
+            <a:cxnLst>
+              <a:cxn ang="0">
+                <a:pos x="0" y="0"/>
+              </a:cxn>
+              <a:cxn ang="0">
+                <a:pos x="5760" y="0"/>
+              </a:cxn>
+              <a:cxn ang="0">
+                <a:pos x="5760" y="528"/>
+              </a:cxn>
+              <a:cxn ang="0">
+                <a:pos x="48" y="0"/>
+              </a:cxn>
+            </a:cxnLst>
+            <a:rect l="0" t="0" r="0" b="0"/>
+            <a:pathLst>
+              <a:path w="7485" h="337">
+                <a:moveTo>
+                  <a:pt x="0" y="2"/>
+                </a:moveTo>
+                <a:lnTo>
+                  <a:pt x="7485" y="337"/>
+                </a:lnTo>
+                <a:lnTo>
+                  <a:pt x="5558" y="337"/>
+                </a:lnTo>
+                <a:lnTo>
+                  <a:pt x="1" y="0"/>
+                </a:lnTo>
+              </a:path>
+            </a:pathLst>
+          </a:custGeom>
+          <a:solidFill>
+            <a:schemeClr val="accent1">
+              <a:tint val="65000"/>
+              <a:satMod val="115000"/>
+              <a:alpha val="40000"/>
+            </a:schemeClr>
+          </a:solidFill>
+          <a:ln w="9525" cap="flat" cmpd="sng" algn="ctr">
+            <a:noFill/>
+            <a:prstDash val="solid"/>
+            <a:round/>
+            <a:headEnd type="none" w="med" len="med"/>
+            <a:tailEnd type="none" w="med" len="med"/>
+          </a:ln>
+          <a:effectLst/>
+        </p:spPr>
+        <p:txBody>
+          <a:bodyPr vert="horz" wrap="square" lIns="91440" tIns="45720" rIns="91440" bIns="45720" anchor="t" compatLnSpc="1"/>
+          <a:lstStyle>
+            <a:extLst/>
+          </a:lstStyle>
+          <a:p>
+            <a:endParaRPr kumimoji="0" lang="en-US"/>
+          </a:p>
+        </p:txBody>
+      </p:sp>
+      <p:sp>
+        <p:nvSpPr>
+          <p:cNvPr id="9" name="Freihandform 8"/>
+          <p:cNvSpPr>
+            <a:spLocks/>
+          </p:cNvSpPr>
+          <p:nvPr/>
+        </p:nvSpPr>
+        <p:spPr bwMode="auto">
+          <a:xfrm>
+            <a:off x="485717" y="5939011"/>
+            <a:ext cx="3690451" cy="933450"/>
+          </a:xfrm>
+          <a:custGeom>
+            <a:avLst>
+              <a:gd name="A1" fmla="val 0"/>
+              <a:gd name="A2" fmla="val 0"/>
+              <a:gd name="A3" fmla="val 0"/>
+              <a:gd name="A4" fmla="val 0"/>
+              <a:gd name="A5" fmla="val 0"/>
+              <a:gd name="A6" fmla="val 0"/>
+              <a:gd name="A7" fmla="val 0"/>
+              <a:gd name="A8" fmla="val 0"/>
+            </a:avLst>
+            <a:gdLst/>
+            <a:ahLst/>
+            <a:cxnLst>
+              <a:cxn ang="0">
+                <a:pos x="0" y="0"/>
+              </a:cxn>
+              <a:cxn ang="0">
+                <a:pos x="5760" y="0"/>
+              </a:cxn>
+              <a:cxn ang="0">
+                <a:pos x="5760" y="528"/>
+              </a:cxn>
+              <a:cxn ang="0">
+                <a:pos x="48" y="0"/>
+              </a:cxn>
+            </a:cxnLst>
+            <a:rect l="0" t="0" r="0" b="0"/>
+            <a:pathLst>
+              <a:path w="5591" h="588">
+                <a:moveTo>
+                  <a:pt x="0" y="0"/>
+                </a:moveTo>
+                <a:lnTo>
+                  <a:pt x="5591" y="585"/>
+                </a:lnTo>
+                <a:lnTo>
+                  <a:pt x="4415" y="588"/>
+                </a:lnTo>
+                <a:lnTo>
+                  <a:pt x="12" y="4"/>
+                </a:lnTo>
+              </a:path>
+            </a:pathLst>
+          </a:custGeom>
+          <a:solidFill>
+            <a:srgbClr val="000000">
+              <a:alpha val="100000"/>
+            </a:srgbClr>
+          </a:solidFill>
+          <a:ln w="9525" cap="flat" cmpd="sng" algn="ctr">
+            <a:noFill/>
+            <a:prstDash val="solid"/>
+            <a:round/>
+            <a:headEnd type="none" w="med" len="med"/>
+            <a:tailEnd type="none" w="med" len="med"/>
+          </a:ln>
+          <a:effectLst/>
+        </p:spPr>
+        <p:txBody>
+          <a:bodyPr vert="horz" wrap="square" lIns="91440" tIns="45720" rIns="91440" bIns="45720" anchor="t" compatLnSpc="1"/>
+          <a:lstStyle>
+            <a:extLst/>
+          </a:lstStyle>
+          <a:p>
+            <a:endParaRPr kumimoji="0" lang="en-US"/>
+          </a:p>
+        </p:txBody>
+      </p:sp>
+      <p:sp>
+        <p:nvSpPr>
+          <p:cNvPr id="10" name="Rechtwinkliges Dreieck 9"/>
+          <p:cNvSpPr>
+            <a:spLocks/>
+          </p:cNvSpPr>
+          <p:nvPr/>
+        </p:nvSpPr>
+        <p:spPr bwMode="auto">
+          <a:xfrm>
+            <a:off x="-6042" y="5791253"/>
+            <a:ext cx="3402314" cy="1080868"/>
+          </a:xfrm>
+          <a:prstGeom prst="rtTriangle">
+            <a:avLst/>
+          </a:prstGeom>
+          <a:blipFill>
+            <a:blip r:embed="rId2" cstate="print">
+              <a:alphaModFix amt="50000"/>
+            </a:blip>
+            <a:tile tx="0" ty="0" sx="50000" sy="50000" flip="none" algn="t"/>
+          </a:blipFill>
+          <a:ln w="12700" cap="rnd" cmpd="thickThin" algn="ctr">
+            <a:noFill/>
+            <a:prstDash val="solid"/>
+          </a:ln>
+          <a:effectLst>
+            <a:fillOverlay blend="mult">
+              <a:gradFill flip="none" rotWithShape="1">
+                <a:gsLst>
+                  <a:gs pos="0">
+                    <a:schemeClr val="accent1">
+                      <a:shade val="20000"/>
+                      <a:satMod val="176000"/>
+                      <a:alpha val="100000"/>
+                    </a:schemeClr>
+                  </a:gs>
+                  <a:gs pos="18000">
+                    <a:schemeClr val="accent1">
+                      <a:shade val="48000"/>
+                      <a:satMod val="153000"/>
+                      <a:alpha val="100000"/>
+                    </a:schemeClr>
+                  </a:gs>
+                  <a:gs pos="43000">
+                    <a:schemeClr val="accent1">
+                      <a:tint val="86000"/>
+                      <a:satMod val="149000"/>
+                      <a:alpha val="100000"/>
+                    </a:schemeClr>
+                  </a:gs>
+                  <a:gs pos="45000">
+                    <a:schemeClr val="accent1">
+                      <a:tint val="85000"/>
+                      <a:satMod val="150000"/>
+                      <a:alpha val="100000"/>
+                    </a:schemeClr>
+                  </a:gs>
+                  <a:gs pos="50000">
+                    <a:schemeClr val="accent1">
+                      <a:tint val="86000"/>
+                      <a:satMod val="149000"/>
+                      <a:alpha val="100000"/>
+                    </a:schemeClr>
+                  </a:gs>
+                  <a:gs pos="79000">
+                    <a:schemeClr val="accent1">
+                      <a:shade val="53000"/>
+                      <a:satMod val="150000"/>
+                      <a:alpha val="100000"/>
+                    </a:schemeClr>
+                  </a:gs>
+                  <a:gs pos="100000">
+                    <a:schemeClr val="accent1">
+                      <a:shade val="25000"/>
+                      <a:satMod val="170000"/>
+                      <a:alpha val="100000"/>
+                    </a:schemeClr>
+                  </a:gs>
+                </a:gsLst>
+                <a:lin ang="450000" scaled="1"/>
+                <a:tileRect/>
+              </a:gradFill>
+            </a:fillOverlay>
+          </a:effectLst>
+        </p:spPr>
+        <p:style>
+          <a:lnRef idx="3">
+            <a:schemeClr val="lt1"/>
+          </a:lnRef>
+          <a:fillRef idx="1">
+            <a:schemeClr val="accent1"/>
+          </a:fillRef>
+          <a:effectRef idx="1">
+            <a:schemeClr val="accent1"/>
+          </a:effectRef>
+          <a:fontRef idx="minor">
+            <a:schemeClr val="lt1"/>
+          </a:fontRef>
+        </p:style>
+        <p:txBody>
+          <a:bodyPr vert="horz" wrap="square" lIns="91440" tIns="45720" rIns="91440" bIns="45720" anchor="ctr" compatLnSpc="1"/>
+          <a:lstStyle>
+            <a:extLst/>
+          </a:lstStyle>
+          <a:p>
+            <a:pPr algn="ctr" eaLnBrk="1" latinLnBrk="0" hangingPunct="1"/>
+            <a:endParaRPr kumimoji="0" lang="en-US"/>
+          </a:p>
+        </p:txBody>
+      </p:sp>
+      <p:cxnSp>
+        <p:nvCxnSpPr>
+          <p:cNvPr id="11" name="Gerade Verbindung 10"/>
+          <p:cNvCxnSpPr/>
+          <p:nvPr/>
+        </p:nvCxnSpPr>
+        <p:spPr>
+          <a:xfrm>
+            <a:off x="-9237" y="5787738"/>
+            <a:ext cx="3405509" cy="1084383"/>
+          </a:xfrm>
+          <a:prstGeom prst="line">
+            <a:avLst/>
+          </a:prstGeom>
+          <a:noFill/>
+          <a:ln w="12065" cap="flat" cmpd="sng" algn="ctr">
+            <a:gradFill>
+              <a:gsLst>
+                <a:gs pos="45000">
+                  <a:schemeClr val="accent1">
+                    <a:tint val="70000"/>
+                    <a:satMod val="110000"/>
+                  </a:schemeClr>
+                </a:gs>
+                <a:gs pos="15000">
+                  <a:schemeClr val="accent1">
+                    <a:shade val="40000"/>
+                    <a:satMod val="110000"/>
+                  </a:schemeClr>
+                </a:gs>
+              </a:gsLst>
+              <a:lin ang="5400000" scaled="1"/>
+            </a:gradFill>
+            <a:prstDash val="solid"/>
+            <a:miter lim="800000"/>
+          </a:ln>
+          <a:effectLst/>
+        </p:spPr>
+        <p:style>
+          <a:lnRef idx="2">
+            <a:schemeClr val="accent1"/>
+          </a:lnRef>
+          <a:fillRef idx="0">
+            <a:schemeClr val="accent1"/>
+          </a:fillRef>
+          <a:effectRef idx="1">
+            <a:schemeClr val="accent1"/>
+          </a:effectRef>
+          <a:fontRef idx="minor">
+            <a:schemeClr val="tx1"/>
+          </a:fontRef>
+        </p:style>
+      </p:cxnSp>
+      <p:sp>
+        <p:nvSpPr>
+          <p:cNvPr id="12" name="Eingekerbter Richtungspfeil 11"/>
+          <p:cNvSpPr/>
+          <p:nvPr/>
+        </p:nvSpPr>
+        <p:spPr>
+          <a:xfrm>
+            <a:off x="8664112" y="4988440"/>
+            <a:ext cx="182880" cy="228600"/>
+          </a:xfrm>
+          <a:prstGeom prst="chevron">
+            <a:avLst>
+              <a:gd name="adj" fmla="val 50000"/>
+            </a:avLst>
+          </a:prstGeom>
+          <a:gradFill flip="none" rotWithShape="1">
+            <a:gsLst>
+              <a:gs pos="0">
+                <a:schemeClr val="accent1">
+                  <a:shade val="60000"/>
+                  <a:satMod val="125000"/>
+                </a:schemeClr>
+              </a:gs>
+              <a:gs pos="72000">
+                <a:schemeClr val="accent1">
+                  <a:tint val="90000"/>
+                  <a:satMod val="138000"/>
+                </a:schemeClr>
+              </a:gs>
+              <a:gs pos="100000">
+                <a:schemeClr val="accent1">
+                  <a:tint val="76000"/>
+                  <a:satMod val="136000"/>
+                </a:schemeClr>
+              </a:gs>
+            </a:gsLst>
+            <a:lin ang="16200000" scaled="0"/>
+          </a:gradFill>
+          <a:ln w="3175" cap="rnd" cmpd="sng" algn="ctr">
+            <a:solidFill>
+              <a:schemeClr val="accent1">
+                <a:shade val="50000"/>
+              </a:schemeClr>
+            </a:solidFill>
+            <a:prstDash val="solid"/>
+          </a:ln>
+          <a:effectLst>
+            <a:outerShdw blurRad="50800" dist="25400" dir="5400000">
+              <a:srgbClr val="000000">
+                <a:alpha val="46000"/>
+              </a:srgbClr>
+            </a:outerShdw>
+          </a:effectLst>
+        </p:spPr>
+        <p:style>
+          <a:lnRef idx="1">
+            <a:schemeClr val="accent1"/>
+          </a:lnRef>
+          <a:fillRef idx="3">
+            <a:schemeClr val="accent1"/>
+          </a:fillRef>
+          <a:effectRef idx="2">
+            <a:schemeClr val="accent1"/>
+          </a:effectRef>
+          <a:fontRef idx="minor">
+            <a:schemeClr val="lt1"/>
+          </a:fontRef>
+        </p:style>
+        <p:txBody>
+          <a:bodyPr anchor="ctr"/>
+          <a:lstStyle>
+            <a:extLst/>
+          </a:lstStyle>
+          <a:p>
+            <a:pPr algn="l" eaLnBrk="1" latinLnBrk="0" hangingPunct="1"/>
+            <a:endParaRPr kumimoji="0" lang="en-US"/>
+          </a:p>
+        </p:txBody>
+      </p:sp>
+      <p:sp>
+        <p:nvSpPr>
+          <p:cNvPr id="13" name="Eingekerbter Richtungspfeil 12"/>
+          <p:cNvSpPr/>
+          <p:nvPr/>
+        </p:nvSpPr>
+        <p:spPr>
+          <a:xfrm>
+            <a:off x="8477696" y="4988440"/>
+            <a:ext cx="182880" cy="228600"/>
+          </a:xfrm>
+          <a:prstGeom prst="chevron">
+            <a:avLst>
+              <a:gd name="adj" fmla="val 50000"/>
+            </a:avLst>
+          </a:prstGeom>
+          <a:gradFill flip="none" rotWithShape="1">
+            <a:gsLst>
+              <a:gs pos="0">
+                <a:schemeClr val="accent1">
+                  <a:shade val="60000"/>
+                  <a:satMod val="125000"/>
+                </a:schemeClr>
+              </a:gs>
+              <a:gs pos="72000">
+                <a:schemeClr val="accent1">
+                  <a:tint val="90000"/>
+                  <a:satMod val="138000"/>
+                </a:schemeClr>
+              </a:gs>
+              <a:gs pos="100000">
+                <a:schemeClr val="accent1">
+                  <a:tint val="76000"/>
+                  <a:satMod val="136000"/>
+                </a:schemeClr>
+              </a:gs>
+            </a:gsLst>
+            <a:lin ang="16200000" scaled="0"/>
+          </a:gradFill>
+          <a:ln w="3175" cap="rnd" cmpd="sng" algn="ctr">
+            <a:solidFill>
+              <a:schemeClr val="accent1">
+                <a:shade val="50000"/>
+              </a:schemeClr>
+            </a:solidFill>
+            <a:prstDash val="solid"/>
+          </a:ln>
+          <a:effectLst>
+            <a:outerShdw blurRad="50800" dist="25400" dir="5400000">
+              <a:srgbClr val="000000">
+                <a:alpha val="46000"/>
+              </a:srgbClr>
+            </a:outerShdw>
+          </a:effectLst>
+        </p:spPr>
+        <p:style>
+          <a:lnRef idx="1">
+            <a:schemeClr val="accent1"/>
+          </a:lnRef>
+          <a:fillRef idx="3">
+            <a:schemeClr val="accent1"/>
+          </a:fillRef>
+          <a:effectRef idx="2">
+            <a:schemeClr val="accent1"/>
+          </a:effectRef>
+          <a:fontRef idx="minor">
+            <a:schemeClr val="lt1"/>
+          </a:fontRef>
+        </p:style>
+        <p:txBody>
+          <a:bodyPr anchor="ctr"/>
+          <a:lstStyle>
+            <a:extLst/>
+          </a:lstStyle>
+          <a:p>
+            <a:pPr algn="l" eaLnBrk="1" latinLnBrk="0" hangingPunct="1"/>
+            <a:endParaRPr kumimoji="0" lang="en-US"/>
+          </a:p>
+        </p:txBody>
+      </p:sp>
     </p:spTree>
   </p:cSld>
   <p:clrMapOvr>
-    <a:masterClrMapping/>
+    <a:overrideClrMapping bg1="dk1" tx1="lt1" bg2="dk2" tx2="lt2" accent1="accent1" accent2="accent2" accent3="accent3" accent4="accent4" accent5="accent5" accent6="accent6" hlink="hlink" folHlink="folHlink"/>
   </p:clrMapOvr>
 </p:sldLayout>
 </file>
@@ -2567,7 +4596,337 @@
       </p:grpSpPr>
       <p:sp>
         <p:nvSpPr>
-          <p:cNvPr id="2" name="Titelplatzhalter 1"/>
+          <p:cNvPr id="13" name="Freihandform 12"/>
+          <p:cNvSpPr>
+            <a:spLocks/>
+          </p:cNvSpPr>
+          <p:nvPr/>
+        </p:nvSpPr>
+        <p:spPr bwMode="auto">
+          <a:xfrm>
+            <a:off x="499273" y="5944936"/>
+            <a:ext cx="4940624" cy="921076"/>
+          </a:xfrm>
+          <a:custGeom>
+            <a:avLst>
+              <a:gd name="A1" fmla="val 0"/>
+              <a:gd name="A2" fmla="val 0"/>
+              <a:gd name="A3" fmla="val 0"/>
+              <a:gd name="A4" fmla="val 0"/>
+              <a:gd name="A5" fmla="val 0"/>
+              <a:gd name="A6" fmla="val 0"/>
+              <a:gd name="A7" fmla="val 0"/>
+              <a:gd name="A8" fmla="val 0"/>
+            </a:avLst>
+            <a:gdLst/>
+            <a:ahLst/>
+            <a:cxnLst>
+              <a:cxn ang="0">
+                <a:pos x="0" y="0"/>
+              </a:cxn>
+              <a:cxn ang="0">
+                <a:pos x="5760" y="0"/>
+              </a:cxn>
+              <a:cxn ang="0">
+                <a:pos x="5760" y="528"/>
+              </a:cxn>
+              <a:cxn ang="0">
+                <a:pos x="48" y="0"/>
+              </a:cxn>
+            </a:cxnLst>
+            <a:rect l="0" t="0" r="0" b="0"/>
+            <a:pathLst>
+              <a:path w="7485" h="337">
+                <a:moveTo>
+                  <a:pt x="0" y="2"/>
+                </a:moveTo>
+                <a:lnTo>
+                  <a:pt x="7485" y="337"/>
+                </a:lnTo>
+                <a:lnTo>
+                  <a:pt x="5558" y="337"/>
+                </a:lnTo>
+                <a:lnTo>
+                  <a:pt x="1" y="0"/>
+                </a:lnTo>
+              </a:path>
+            </a:pathLst>
+          </a:custGeom>
+          <a:solidFill>
+            <a:schemeClr val="accent1">
+              <a:tint val="65000"/>
+              <a:satMod val="115000"/>
+              <a:alpha val="40000"/>
+            </a:schemeClr>
+          </a:solidFill>
+          <a:ln w="9525" cap="flat" cmpd="sng" algn="ctr">
+            <a:noFill/>
+            <a:prstDash val="solid"/>
+            <a:round/>
+            <a:headEnd type="none" w="med" len="med"/>
+            <a:tailEnd type="none" w="med" len="med"/>
+          </a:ln>
+          <a:effectLst/>
+        </p:spPr>
+        <p:txBody>
+          <a:bodyPr vert="horz" wrap="square" lIns="91440" tIns="45720" rIns="91440" bIns="45720" anchor="t" compatLnSpc="1"/>
+          <a:lstStyle>
+            <a:extLst/>
+          </a:lstStyle>
+          <a:p>
+            <a:endParaRPr kumimoji="0" lang="en-US"/>
+          </a:p>
+        </p:txBody>
+      </p:sp>
+      <p:sp>
+        <p:nvSpPr>
+          <p:cNvPr id="12" name="Freihandform 11"/>
+          <p:cNvSpPr>
+            <a:spLocks/>
+          </p:cNvSpPr>
+          <p:nvPr/>
+        </p:nvSpPr>
+        <p:spPr bwMode="auto">
+          <a:xfrm>
+            <a:off x="485717" y="5939011"/>
+            <a:ext cx="3690451" cy="933450"/>
+          </a:xfrm>
+          <a:custGeom>
+            <a:avLst>
+              <a:gd name="A1" fmla="val 0"/>
+              <a:gd name="A2" fmla="val 0"/>
+              <a:gd name="A3" fmla="val 0"/>
+              <a:gd name="A4" fmla="val 0"/>
+              <a:gd name="A5" fmla="val 0"/>
+              <a:gd name="A6" fmla="val 0"/>
+              <a:gd name="A7" fmla="val 0"/>
+              <a:gd name="A8" fmla="val 0"/>
+            </a:avLst>
+            <a:gdLst/>
+            <a:ahLst/>
+            <a:cxnLst>
+              <a:cxn ang="0">
+                <a:pos x="0" y="0"/>
+              </a:cxn>
+              <a:cxn ang="0">
+                <a:pos x="5760" y="0"/>
+              </a:cxn>
+              <a:cxn ang="0">
+                <a:pos x="5760" y="528"/>
+              </a:cxn>
+              <a:cxn ang="0">
+                <a:pos x="48" y="0"/>
+              </a:cxn>
+            </a:cxnLst>
+            <a:rect l="0" t="0" r="0" b="0"/>
+            <a:pathLst>
+              <a:path w="5591" h="588">
+                <a:moveTo>
+                  <a:pt x="0" y="0"/>
+                </a:moveTo>
+                <a:lnTo>
+                  <a:pt x="5591" y="585"/>
+                </a:lnTo>
+                <a:lnTo>
+                  <a:pt x="4415" y="588"/>
+                </a:lnTo>
+                <a:lnTo>
+                  <a:pt x="12" y="4"/>
+                </a:lnTo>
+              </a:path>
+            </a:pathLst>
+          </a:custGeom>
+          <a:solidFill>
+            <a:srgbClr val="000000">
+              <a:alpha val="100000"/>
+            </a:srgbClr>
+          </a:solidFill>
+          <a:ln w="9525" cap="flat" cmpd="sng" algn="ctr">
+            <a:noFill/>
+            <a:prstDash val="solid"/>
+            <a:round/>
+            <a:headEnd type="none" w="med" len="med"/>
+            <a:tailEnd type="none" w="med" len="med"/>
+          </a:ln>
+          <a:effectLst/>
+        </p:spPr>
+        <p:txBody>
+          <a:bodyPr vert="horz" wrap="square" lIns="91440" tIns="45720" rIns="91440" bIns="45720" anchor="t" compatLnSpc="1"/>
+          <a:lstStyle>
+            <a:extLst/>
+          </a:lstStyle>
+          <a:p>
+            <a:endParaRPr kumimoji="0" lang="en-US"/>
+          </a:p>
+        </p:txBody>
+      </p:sp>
+      <p:sp>
+        <p:nvSpPr>
+          <p:cNvPr id="14" name="Rechtwinkliges Dreieck 13"/>
+          <p:cNvSpPr>
+            <a:spLocks/>
+          </p:cNvSpPr>
+          <p:nvPr/>
+        </p:nvSpPr>
+        <p:spPr bwMode="auto">
+          <a:xfrm>
+            <a:off x="-6042" y="5791253"/>
+            <a:ext cx="3402314" cy="1080868"/>
+          </a:xfrm>
+          <a:prstGeom prst="rtTriangle">
+            <a:avLst/>
+          </a:prstGeom>
+          <a:blipFill>
+            <a:blip r:embed="rId13" cstate="print">
+              <a:alphaModFix amt="50000"/>
+            </a:blip>
+            <a:tile tx="0" ty="0" sx="50000" sy="50000" flip="none" algn="t"/>
+          </a:blipFill>
+          <a:ln w="12700" cap="rnd" cmpd="thickThin" algn="ctr">
+            <a:noFill/>
+            <a:prstDash val="solid"/>
+          </a:ln>
+          <a:effectLst>
+            <a:fillOverlay blend="mult">
+              <a:gradFill flip="none" rotWithShape="1">
+                <a:gsLst>
+                  <a:gs pos="0">
+                    <a:schemeClr val="accent1">
+                      <a:shade val="20000"/>
+                      <a:satMod val="176000"/>
+                      <a:alpha val="100000"/>
+                    </a:schemeClr>
+                  </a:gs>
+                  <a:gs pos="18000">
+                    <a:schemeClr val="accent1">
+                      <a:shade val="48000"/>
+                      <a:satMod val="153000"/>
+                      <a:alpha val="100000"/>
+                    </a:schemeClr>
+                  </a:gs>
+                  <a:gs pos="43000">
+                    <a:schemeClr val="accent1">
+                      <a:tint val="86000"/>
+                      <a:satMod val="149000"/>
+                      <a:alpha val="100000"/>
+                    </a:schemeClr>
+                  </a:gs>
+                  <a:gs pos="45000">
+                    <a:schemeClr val="accent1">
+                      <a:tint val="85000"/>
+                      <a:satMod val="150000"/>
+                      <a:alpha val="100000"/>
+                    </a:schemeClr>
+                  </a:gs>
+                  <a:gs pos="50000">
+                    <a:schemeClr val="accent1">
+                      <a:tint val="86000"/>
+                      <a:satMod val="149000"/>
+                      <a:alpha val="100000"/>
+                    </a:schemeClr>
+                  </a:gs>
+                  <a:gs pos="79000">
+                    <a:schemeClr val="accent1">
+                      <a:shade val="53000"/>
+                      <a:satMod val="150000"/>
+                      <a:alpha val="100000"/>
+                    </a:schemeClr>
+                  </a:gs>
+                  <a:gs pos="100000">
+                    <a:schemeClr val="accent1">
+                      <a:shade val="25000"/>
+                      <a:satMod val="170000"/>
+                      <a:alpha val="100000"/>
+                    </a:schemeClr>
+                  </a:gs>
+                </a:gsLst>
+                <a:lin ang="450000" scaled="1"/>
+                <a:tileRect/>
+              </a:gradFill>
+            </a:fillOverlay>
+          </a:effectLst>
+        </p:spPr>
+        <p:style>
+          <a:lnRef idx="3">
+            <a:schemeClr val="lt1"/>
+          </a:lnRef>
+          <a:fillRef idx="1">
+            <a:schemeClr val="accent1"/>
+          </a:fillRef>
+          <a:effectRef idx="1">
+            <a:schemeClr val="accent1"/>
+          </a:effectRef>
+          <a:fontRef idx="minor">
+            <a:schemeClr val="lt1"/>
+          </a:fontRef>
+        </p:style>
+        <p:txBody>
+          <a:bodyPr vert="horz" wrap="square" lIns="91440" tIns="45720" rIns="91440" bIns="45720" anchor="ctr" compatLnSpc="1"/>
+          <a:lstStyle>
+            <a:extLst/>
+          </a:lstStyle>
+          <a:p>
+            <a:pPr algn="ctr" eaLnBrk="1" latinLnBrk="0" hangingPunct="1"/>
+            <a:endParaRPr kumimoji="0" lang="en-US"/>
+          </a:p>
+        </p:txBody>
+      </p:sp>
+      <p:cxnSp>
+        <p:nvCxnSpPr>
+          <p:cNvPr id="15" name="Gerade Verbindung 14"/>
+          <p:cNvCxnSpPr/>
+          <p:nvPr/>
+        </p:nvCxnSpPr>
+        <p:spPr>
+          <a:xfrm>
+            <a:off x="-9237" y="5787738"/>
+            <a:ext cx="3405509" cy="1084383"/>
+          </a:xfrm>
+          <a:prstGeom prst="line">
+            <a:avLst/>
+          </a:prstGeom>
+          <a:noFill/>
+          <a:ln w="12065" cap="flat" cmpd="sng" algn="ctr">
+            <a:gradFill>
+              <a:gsLst>
+                <a:gs pos="45000">
+                  <a:schemeClr val="accent1">
+                    <a:tint val="70000"/>
+                    <a:satMod val="110000"/>
+                  </a:schemeClr>
+                </a:gs>
+                <a:gs pos="15000">
+                  <a:schemeClr val="accent1">
+                    <a:shade val="40000"/>
+                    <a:satMod val="110000"/>
+                  </a:schemeClr>
+                </a:gs>
+              </a:gsLst>
+              <a:lin ang="5400000" scaled="1"/>
+            </a:gradFill>
+            <a:prstDash val="solid"/>
+            <a:miter lim="800000"/>
+          </a:ln>
+          <a:effectLst/>
+        </p:spPr>
+        <p:style>
+          <a:lnRef idx="2">
+            <a:schemeClr val="accent1"/>
+          </a:lnRef>
+          <a:fillRef idx="0">
+            <a:schemeClr val="accent1"/>
+          </a:fillRef>
+          <a:effectRef idx="1">
+            <a:schemeClr val="accent1"/>
+          </a:effectRef>
+          <a:fontRef idx="minor">
+            <a:schemeClr val="tx1"/>
+          </a:fontRef>
+        </p:style>
+      </p:cxnSp>
+      <p:sp>
+        <p:nvSpPr>
+          <p:cNvPr id="9" name="Titelplatzhalter 8"/>
           <p:cNvSpPr>
             <a:spLocks noGrp="1"/>
           </p:cNvSpPr>
@@ -2585,22 +4944,31 @@
           </a:prstGeom>
         </p:spPr>
         <p:txBody>
-          <a:bodyPr vert="horz" lIns="91440" tIns="45720" rIns="91440" bIns="45720" rtlCol="0" anchor="ctr">
+          <a:bodyPr vert="horz" anchor="ctr">
             <a:normAutofit/>
+            <a:scene3d>
+              <a:camera prst="orthographicFront"/>
+              <a:lightRig rig="soft" dir="t"/>
+            </a:scene3d>
+            <a:sp3d prstMaterial="softEdge">
+              <a:bevelT w="25400" h="25400"/>
+            </a:sp3d>
           </a:bodyPr>
-          <a:lstStyle/>
-          <a:p>
-            <a:r>
-              <a:rPr lang="de-DE" smtClean="0"/>
+          <a:lstStyle>
+            <a:extLst/>
+          </a:lstStyle>
+          <a:p>
+            <a:r>
+              <a:rPr kumimoji="0" lang="de-DE" smtClean="0"/>
               <a:t>Titelmasterformat durch Klicken bearbeiten</a:t>
             </a:r>
-            <a:endParaRPr lang="de-CH"/>
-          </a:p>
-        </p:txBody>
-      </p:sp>
-      <p:sp>
-        <p:nvSpPr>
-          <p:cNvPr id="3" name="Textplatzhalter 2"/>
+            <a:endParaRPr kumimoji="0" lang="en-US"/>
+          </a:p>
+        </p:txBody>
+      </p:sp>
+      <p:sp>
+        <p:nvSpPr>
+          <p:cNvPr id="30" name="Textplatzhalter 29"/>
           <p:cNvSpPr>
             <a:spLocks noGrp="1"/>
           </p:cNvSpPr>
@@ -2610,7 +4978,7 @@
         </p:nvSpPr>
         <p:spPr>
           <a:xfrm>
-            <a:off x="457200" y="1600200"/>
+            <a:off x="457200" y="1481328"/>
             <a:ext cx="8229600" cy="4525963"/>
           </a:xfrm>
           <a:prstGeom prst="rect">
@@ -2618,51 +4986,53 @@
           </a:prstGeom>
         </p:spPr>
         <p:txBody>
-          <a:bodyPr vert="horz" lIns="91440" tIns="45720" rIns="91440" bIns="45720" rtlCol="0">
+          <a:bodyPr vert="horz">
             <a:normAutofit/>
           </a:bodyPr>
-          <a:lstStyle/>
-          <a:p>
-            <a:pPr lvl="0"/>
-            <a:r>
-              <a:rPr lang="de-DE" smtClean="0"/>
+          <a:lstStyle>
+            <a:extLst/>
+          </a:lstStyle>
+          <a:p>
+            <a:pPr lvl="0" eaLnBrk="1" latinLnBrk="0" hangingPunct="1"/>
+            <a:r>
+              <a:rPr kumimoji="0" lang="de-DE" smtClean="0"/>
               <a:t>Textmasterformate durch Klicken bearbeiten</a:t>
             </a:r>
           </a:p>
           <a:p>
-            <a:pPr lvl="1"/>
-            <a:r>
-              <a:rPr lang="de-DE" smtClean="0"/>
+            <a:pPr lvl="1" eaLnBrk="1" latinLnBrk="0" hangingPunct="1"/>
+            <a:r>
+              <a:rPr kumimoji="0" lang="de-DE" smtClean="0"/>
               <a:t>Zweite Ebene</a:t>
             </a:r>
           </a:p>
           <a:p>
-            <a:pPr lvl="2"/>
-            <a:r>
-              <a:rPr lang="de-DE" smtClean="0"/>
+            <a:pPr lvl="2" eaLnBrk="1" latinLnBrk="0" hangingPunct="1"/>
+            <a:r>
+              <a:rPr kumimoji="0" lang="de-DE" smtClean="0"/>
               <a:t>Dritte Ebene</a:t>
             </a:r>
           </a:p>
           <a:p>
-            <a:pPr lvl="3"/>
-            <a:r>
-              <a:rPr lang="de-DE" smtClean="0"/>
+            <a:pPr lvl="3" eaLnBrk="1" latinLnBrk="0" hangingPunct="1"/>
+            <a:r>
+              <a:rPr kumimoji="0" lang="de-DE" smtClean="0"/>
               <a:t>Vierte Ebene</a:t>
             </a:r>
           </a:p>
           <a:p>
-            <a:pPr lvl="4"/>
-            <a:r>
-              <a:rPr lang="de-DE" smtClean="0"/>
+            <a:pPr lvl="4" eaLnBrk="1" latinLnBrk="0" hangingPunct="1"/>
+            <a:r>
+              <a:rPr kumimoji="0" lang="de-DE" smtClean="0"/>
               <a:t>Fünfte Ebene</a:t>
             </a:r>
-            <a:endParaRPr lang="de-CH"/>
-          </a:p>
-        </p:txBody>
-      </p:sp>
-      <p:sp>
-        <p:nvSpPr>
-          <p:cNvPr id="4" name="Datumsplatzhalter 3"/>
+            <a:endParaRPr kumimoji="0" lang="en-US"/>
+          </a:p>
+        </p:txBody>
+      </p:sp>
+      <p:sp>
+        <p:nvSpPr>
+          <p:cNvPr id="10" name="Datumsplatzhalter 9"/>
           <p:cNvSpPr>
             <a:spLocks noGrp="1"/>
           </p:cNvSpPr>
@@ -2672,31 +5042,30 @@
         </p:nvSpPr>
         <p:spPr>
           <a:xfrm>
-            <a:off x="457200" y="6356350"/>
-            <a:ext cx="2133600" cy="365125"/>
+            <a:off x="6727032" y="6407944"/>
+            <a:ext cx="1920240" cy="365760"/>
           </a:xfrm>
           <a:prstGeom prst="rect">
             <a:avLst/>
           </a:prstGeom>
         </p:spPr>
         <p:txBody>
-          <a:bodyPr vert="horz" lIns="91440" tIns="45720" rIns="91440" bIns="45720" rtlCol="0" anchor="ctr"/>
-          <a:lstStyle>
-            <a:lvl1pPr algn="l">
-              <a:defRPr sz="1200">
+          <a:bodyPr vert="horz" anchor="b"/>
+          <a:lstStyle>
+            <a:lvl1pPr algn="l" eaLnBrk="1" latinLnBrk="0" hangingPunct="1">
+              <a:defRPr kumimoji="0" sz="1000">
                 <a:solidFill>
-                  <a:schemeClr val="tx1">
-                    <a:tint val="75000"/>
-                  </a:schemeClr>
+                  <a:schemeClr val="tx1"/>
                 </a:solidFill>
               </a:defRPr>
             </a:lvl1pPr>
+            <a:extLst/>
           </a:lstStyle>
           <a:p>
             <a:fld id="{3C443DA0-1E00-47BC-B1FF-D9B0CE983651}" type="datetimeFigureOut">
               <a:rPr lang="de-CH" smtClean="0"/>
               <a:pPr/>
-              <a:t>15.01.2014</a:t>
+              <a:t>16.01.2014</a:t>
             </a:fld>
             <a:endParaRPr lang="de-CH"/>
           </a:p>
@@ -2704,7 +5073,7 @@
       </p:sp>
       <p:sp>
         <p:nvSpPr>
-          <p:cNvPr id="5" name="Fußzeilenplatzhalter 4"/>
+          <p:cNvPr id="22" name="Fußzeilenplatzhalter 21"/>
           <p:cNvSpPr>
             <a:spLocks noGrp="1"/>
           </p:cNvSpPr>
@@ -2714,25 +5083,24 @@
         </p:nvSpPr>
         <p:spPr>
           <a:xfrm>
-            <a:off x="3124200" y="6356350"/>
-            <a:ext cx="2895600" cy="365125"/>
+            <a:off x="4380072" y="6407944"/>
+            <a:ext cx="2350681" cy="365125"/>
           </a:xfrm>
           <a:prstGeom prst="rect">
             <a:avLst/>
           </a:prstGeom>
         </p:spPr>
         <p:txBody>
-          <a:bodyPr vert="horz" lIns="91440" tIns="45720" rIns="91440" bIns="45720" rtlCol="0" anchor="ctr"/>
-          <a:lstStyle>
-            <a:lvl1pPr algn="ctr">
-              <a:defRPr sz="1200">
+          <a:bodyPr vert="horz" anchor="b"/>
+          <a:lstStyle>
+            <a:lvl1pPr algn="r" eaLnBrk="1" latinLnBrk="0" hangingPunct="1">
+              <a:defRPr kumimoji="0" sz="1000">
                 <a:solidFill>
-                  <a:schemeClr val="tx1">
-                    <a:tint val="75000"/>
-                  </a:schemeClr>
+                  <a:schemeClr val="tx1"/>
                 </a:solidFill>
               </a:defRPr>
             </a:lvl1pPr>
+            <a:extLst/>
           </a:lstStyle>
           <a:p>
             <a:endParaRPr lang="de-CH"/>
@@ -2741,7 +5109,7 @@
       </p:sp>
       <p:sp>
         <p:nvSpPr>
-          <p:cNvPr id="6" name="Foliennummernplatzhalter 5"/>
+          <p:cNvPr id="18" name="Foliennummernplatzhalter 17"/>
           <p:cNvSpPr>
             <a:spLocks noGrp="1"/>
           </p:cNvSpPr>
@@ -2751,25 +5119,24 @@
         </p:nvSpPr>
         <p:spPr>
           <a:xfrm>
-            <a:off x="6553200" y="6356350"/>
-            <a:ext cx="2133600" cy="365125"/>
+            <a:off x="8647272" y="6407944"/>
+            <a:ext cx="365760" cy="365125"/>
           </a:xfrm>
           <a:prstGeom prst="rect">
             <a:avLst/>
           </a:prstGeom>
         </p:spPr>
         <p:txBody>
-          <a:bodyPr vert="horz" lIns="91440" tIns="45720" rIns="91440" bIns="45720" rtlCol="0" anchor="ctr"/>
-          <a:lstStyle>
-            <a:lvl1pPr algn="r">
-              <a:defRPr sz="1200">
+          <a:bodyPr vert="horz" anchor="b"/>
+          <a:lstStyle>
+            <a:lvl1pPr algn="r" eaLnBrk="1" latinLnBrk="0" hangingPunct="1">
+              <a:defRPr kumimoji="0" sz="1000" b="0">
                 <a:solidFill>
-                  <a:schemeClr val="tx1">
-                    <a:tint val="75000"/>
-                  </a:schemeClr>
+                  <a:schemeClr val="tx1"/>
                 </a:solidFill>
               </a:defRPr>
             </a:lvl1pPr>
+            <a:extLst/>
           </a:lstStyle>
           <a:p>
             <a:fld id="{7F7D67D1-6196-4FC6-8A25-B3D96AB50BA9}" type="slidenum">
@@ -2785,43 +5152,58 @@
   </p:cSld>
   <p:clrMap bg1="lt1" tx1="dk1" bg2="lt2" tx2="dk2" accent1="accent1" accent2="accent2" accent3="accent3" accent4="accent4" accent5="accent5" accent6="accent6" hlink="hlink" folHlink="folHlink"/>
   <p:sldLayoutIdLst>
-    <p:sldLayoutId id="2147483649" r:id="rId1"/>
-    <p:sldLayoutId id="2147483650" r:id="rId2"/>
-    <p:sldLayoutId id="2147483651" r:id="rId3"/>
-    <p:sldLayoutId id="2147483652" r:id="rId4"/>
-    <p:sldLayoutId id="2147483653" r:id="rId5"/>
-    <p:sldLayoutId id="2147483654" r:id="rId6"/>
-    <p:sldLayoutId id="2147483655" r:id="rId7"/>
-    <p:sldLayoutId id="2147483656" r:id="rId8"/>
-    <p:sldLayoutId id="2147483657" r:id="rId9"/>
-    <p:sldLayoutId id="2147483658" r:id="rId10"/>
-    <p:sldLayoutId id="2147483659" r:id="rId11"/>
+    <p:sldLayoutId id="2147483685" r:id="rId1"/>
+    <p:sldLayoutId id="2147483686" r:id="rId2"/>
+    <p:sldLayoutId id="2147483687" r:id="rId3"/>
+    <p:sldLayoutId id="2147483688" r:id="rId4"/>
+    <p:sldLayoutId id="2147483689" r:id="rId5"/>
+    <p:sldLayoutId id="2147483690" r:id="rId6"/>
+    <p:sldLayoutId id="2147483691" r:id="rId7"/>
+    <p:sldLayoutId id="2147483692" r:id="rId8"/>
+    <p:sldLayoutId id="2147483693" r:id="rId9"/>
+    <p:sldLayoutId id="2147483694" r:id="rId10"/>
+    <p:sldLayoutId id="2147483695" r:id="rId11"/>
   </p:sldLayoutIdLst>
   <p:txStyles>
     <p:titleStyle>
-      <a:lvl1pPr algn="ctr" defTabSz="914400" rtl="0" eaLnBrk="1" latinLnBrk="0" hangingPunct="1">
+      <a:lvl1pPr algn="l" rtl="0" eaLnBrk="1" latinLnBrk="0" hangingPunct="1">
         <a:spcBef>
           <a:spcPct val="0"/>
         </a:spcBef>
         <a:buNone/>
-        <a:defRPr sz="4400" kern="1200">
+        <a:defRPr kumimoji="0" sz="4100" b="1" kern="1200">
           <a:solidFill>
-            <a:schemeClr val="tx1"/>
+            <a:schemeClr val="tx2"/>
           </a:solidFill>
+          <a:effectLst>
+            <a:outerShdw blurRad="31750" dist="25400" dir="5400000" algn="tl" rotWithShape="0">
+              <a:srgbClr val="000000">
+                <a:alpha val="25000"/>
+              </a:srgbClr>
+            </a:outerShdw>
+          </a:effectLst>
           <a:latin typeface="+mj-lt"/>
           <a:ea typeface="+mj-ea"/>
           <a:cs typeface="+mj-cs"/>
         </a:defRPr>
       </a:lvl1pPr>
+      <a:extLst/>
     </p:titleStyle>
     <p:bodyStyle>
-      <a:lvl1pPr marL="342900" indent="-342900" algn="l" defTabSz="914400" rtl="0" eaLnBrk="1" latinLnBrk="0" hangingPunct="1">
+      <a:lvl1pPr marL="365760" indent="-256032" algn="l" rtl="0" eaLnBrk="1" latinLnBrk="0" hangingPunct="1">
         <a:spcBef>
-          <a:spcPct val="20000"/>
+          <a:spcPts val="400"/>
         </a:spcBef>
-        <a:buFont typeface="Arial" pitchFamily="34" charset="0"/>
-        <a:buChar char="•"/>
-        <a:defRPr sz="3200" kern="1200">
+        <a:spcAft>
+          <a:spcPts val="0"/>
+        </a:spcAft>
+        <a:buClr>
+          <a:schemeClr val="accent1"/>
+        </a:buClr>
+        <a:buSzPct val="68000"/>
+        <a:buFont typeface="Wingdings 3"/>
+        <a:buChar char=""/>
+        <a:defRPr kumimoji="0" sz="2700" kern="1200">
           <a:solidFill>
             <a:schemeClr val="tx1"/>
           </a:solidFill>
@@ -2830,13 +5212,16 @@
           <a:cs typeface="+mn-cs"/>
         </a:defRPr>
       </a:lvl1pPr>
-      <a:lvl2pPr marL="742950" indent="-285750" algn="l" defTabSz="914400" rtl="0" eaLnBrk="1" latinLnBrk="0" hangingPunct="1">
+      <a:lvl2pPr marL="621792" indent="-228600" algn="l" rtl="0" eaLnBrk="1" latinLnBrk="0" hangingPunct="1">
         <a:spcBef>
-          <a:spcPct val="20000"/>
+          <a:spcPts val="324"/>
         </a:spcBef>
-        <a:buFont typeface="Arial" pitchFamily="34" charset="0"/>
-        <a:buChar char="–"/>
-        <a:defRPr sz="2800" kern="1200">
+        <a:buClr>
+          <a:schemeClr val="accent1"/>
+        </a:buClr>
+        <a:buFont typeface="Verdana"/>
+        <a:buChar char="◦"/>
+        <a:defRPr kumimoji="0" sz="2300" kern="1200">
           <a:solidFill>
             <a:schemeClr val="tx1"/>
           </a:solidFill>
@@ -2845,13 +5230,17 @@
           <a:cs typeface="+mn-cs"/>
         </a:defRPr>
       </a:lvl2pPr>
-      <a:lvl3pPr marL="1143000" indent="-228600" algn="l" defTabSz="914400" rtl="0" eaLnBrk="1" latinLnBrk="0" hangingPunct="1">
+      <a:lvl3pPr marL="859536" indent="-228600" algn="l" rtl="0" eaLnBrk="1" latinLnBrk="0" hangingPunct="1">
         <a:spcBef>
-          <a:spcPct val="20000"/>
+          <a:spcPts val="350"/>
         </a:spcBef>
-        <a:buFont typeface="Arial" pitchFamily="34" charset="0"/>
-        <a:buChar char="•"/>
-        <a:defRPr sz="2400" kern="1200">
+        <a:buClr>
+          <a:schemeClr val="accent2"/>
+        </a:buClr>
+        <a:buSzPct val="100000"/>
+        <a:buFont typeface="Wingdings 2"/>
+        <a:buChar char=""/>
+        <a:defRPr kumimoji="0" sz="2100" kern="1200">
           <a:solidFill>
             <a:schemeClr val="tx1"/>
           </a:solidFill>
@@ -2860,13 +5249,16 @@
           <a:cs typeface="+mn-cs"/>
         </a:defRPr>
       </a:lvl3pPr>
-      <a:lvl4pPr marL="1600200" indent="-228600" algn="l" defTabSz="914400" rtl="0" eaLnBrk="1" latinLnBrk="0" hangingPunct="1">
+      <a:lvl4pPr marL="1143000" indent="-228600" algn="l" rtl="0" eaLnBrk="1" latinLnBrk="0" hangingPunct="1">
         <a:spcBef>
-          <a:spcPct val="20000"/>
+          <a:spcPts val="350"/>
         </a:spcBef>
-        <a:buFont typeface="Arial" pitchFamily="34" charset="0"/>
-        <a:buChar char="–"/>
-        <a:defRPr sz="2000" kern="1200">
+        <a:buClr>
+          <a:schemeClr val="accent2"/>
+        </a:buClr>
+        <a:buFont typeface="Wingdings 2"/>
+        <a:buChar char=""/>
+        <a:defRPr kumimoji="0" sz="1900" kern="1200">
           <a:solidFill>
             <a:schemeClr val="tx1"/>
           </a:solidFill>
@@ -2875,13 +5267,16 @@
           <a:cs typeface="+mn-cs"/>
         </a:defRPr>
       </a:lvl4pPr>
-      <a:lvl5pPr marL="2057400" indent="-228600" algn="l" defTabSz="914400" rtl="0" eaLnBrk="1" latinLnBrk="0" hangingPunct="1">
+      <a:lvl5pPr marL="1371600" indent="-228600" algn="l" rtl="0" eaLnBrk="1" latinLnBrk="0" hangingPunct="1">
         <a:spcBef>
-          <a:spcPct val="20000"/>
+          <a:spcPts val="350"/>
         </a:spcBef>
-        <a:buFont typeface="Arial" pitchFamily="34" charset="0"/>
-        <a:buChar char="»"/>
-        <a:defRPr sz="2000" kern="1200">
+        <a:buClr>
+          <a:schemeClr val="accent2"/>
+        </a:buClr>
+        <a:buFont typeface="Wingdings 2"/>
+        <a:buChar char=""/>
+        <a:defRPr kumimoji="0" sz="1800" kern="1200">
           <a:solidFill>
             <a:schemeClr val="tx1"/>
           </a:solidFill>
@@ -2890,13 +5285,16 @@
           <a:cs typeface="+mn-cs"/>
         </a:defRPr>
       </a:lvl5pPr>
-      <a:lvl6pPr marL="2514600" indent="-228600" algn="l" defTabSz="914400" rtl="0" eaLnBrk="1" latinLnBrk="0" hangingPunct="1">
+      <a:lvl6pPr marL="1600200" indent="-228600" algn="l" rtl="0" eaLnBrk="1" latinLnBrk="0" hangingPunct="1">
         <a:spcBef>
-          <a:spcPct val="20000"/>
+          <a:spcPts val="350"/>
         </a:spcBef>
-        <a:buFont typeface="Arial" pitchFamily="34" charset="0"/>
-        <a:buChar char="•"/>
-        <a:defRPr sz="2000" kern="1200">
+        <a:buClr>
+          <a:schemeClr val="accent3"/>
+        </a:buClr>
+        <a:buFont typeface="Wingdings 2"/>
+        <a:buChar char=""/>
+        <a:defRPr kumimoji="0" sz="1800" kern="1200">
           <a:solidFill>
             <a:schemeClr val="tx1"/>
           </a:solidFill>
@@ -2905,13 +5303,16 @@
           <a:cs typeface="+mn-cs"/>
         </a:defRPr>
       </a:lvl6pPr>
-      <a:lvl7pPr marL="2971800" indent="-228600" algn="l" defTabSz="914400" rtl="0" eaLnBrk="1" latinLnBrk="0" hangingPunct="1">
+      <a:lvl7pPr marL="1828800" indent="-228600" algn="l" rtl="0" eaLnBrk="1" latinLnBrk="0" hangingPunct="1">
         <a:spcBef>
-          <a:spcPct val="20000"/>
+          <a:spcPts val="350"/>
         </a:spcBef>
-        <a:buFont typeface="Arial" pitchFamily="34" charset="0"/>
-        <a:buChar char="•"/>
-        <a:defRPr sz="2000" kern="1200">
+        <a:buClr>
+          <a:schemeClr val="accent3"/>
+        </a:buClr>
+        <a:buFont typeface="Wingdings 2"/>
+        <a:buChar char=""/>
+        <a:defRPr kumimoji="0" sz="1600" kern="1200">
           <a:solidFill>
             <a:schemeClr val="tx1"/>
           </a:solidFill>
@@ -2920,13 +5321,16 @@
           <a:cs typeface="+mn-cs"/>
         </a:defRPr>
       </a:lvl7pPr>
-      <a:lvl8pPr marL="3429000" indent="-228600" algn="l" defTabSz="914400" rtl="0" eaLnBrk="1" latinLnBrk="0" hangingPunct="1">
+      <a:lvl8pPr marL="2057400" indent="-228600" algn="l" rtl="0" eaLnBrk="1" latinLnBrk="0" hangingPunct="1">
         <a:spcBef>
-          <a:spcPct val="20000"/>
+          <a:spcPts val="350"/>
         </a:spcBef>
-        <a:buFont typeface="Arial" pitchFamily="34" charset="0"/>
-        <a:buChar char="•"/>
-        <a:defRPr sz="2000" kern="1200">
+        <a:buClr>
+          <a:schemeClr val="accent3"/>
+        </a:buClr>
+        <a:buFont typeface="Wingdings 2"/>
+        <a:buChar char=""/>
+        <a:defRPr kumimoji="0" sz="1600" kern="1200">
           <a:solidFill>
             <a:schemeClr val="tx1"/>
           </a:solidFill>
@@ -2935,13 +5339,16 @@
           <a:cs typeface="+mn-cs"/>
         </a:defRPr>
       </a:lvl8pPr>
-      <a:lvl9pPr marL="3886200" indent="-228600" algn="l" defTabSz="914400" rtl="0" eaLnBrk="1" latinLnBrk="0" hangingPunct="1">
+      <a:lvl9pPr marL="2286000" indent="-228600" algn="l" rtl="0" eaLnBrk="1" latinLnBrk="0" hangingPunct="1">
         <a:spcBef>
-          <a:spcPct val="20000"/>
+          <a:spcPts val="350"/>
         </a:spcBef>
-        <a:buFont typeface="Arial" pitchFamily="34" charset="0"/>
-        <a:buChar char="•"/>
-        <a:defRPr sz="2000" kern="1200">
+        <a:buClr>
+          <a:schemeClr val="accent3"/>
+        </a:buClr>
+        <a:buFont typeface="Wingdings 2"/>
+        <a:buChar char=""/>
+        <a:defRPr kumimoji="0" sz="1600" kern="1200" baseline="0">
           <a:solidFill>
             <a:schemeClr val="tx1"/>
           </a:solidFill>
@@ -2950,13 +5357,11 @@
           <a:cs typeface="+mn-cs"/>
         </a:defRPr>
       </a:lvl9pPr>
+      <a:extLst/>
     </p:bodyStyle>
     <p:otherStyle>
-      <a:defPPr>
-        <a:defRPr lang="de-DE"/>
-      </a:defPPr>
-      <a:lvl1pPr marL="0" algn="l" defTabSz="914400" rtl="0" eaLnBrk="1" latinLnBrk="0" hangingPunct="1">
-        <a:defRPr sz="1800" kern="1200">
+      <a:lvl1pPr marL="0" algn="l" rtl="0" eaLnBrk="1" latinLnBrk="0" hangingPunct="1">
+        <a:defRPr kumimoji="0" kern="1200">
           <a:solidFill>
             <a:schemeClr val="tx1"/>
           </a:solidFill>
@@ -2965,8 +5370,8 @@
           <a:cs typeface="+mn-cs"/>
         </a:defRPr>
       </a:lvl1pPr>
-      <a:lvl2pPr marL="457200" algn="l" defTabSz="914400" rtl="0" eaLnBrk="1" latinLnBrk="0" hangingPunct="1">
-        <a:defRPr sz="1800" kern="1200">
+      <a:lvl2pPr marL="457200" algn="l" rtl="0" eaLnBrk="1" latinLnBrk="0" hangingPunct="1">
+        <a:defRPr kumimoji="0" kern="1200">
           <a:solidFill>
             <a:schemeClr val="tx1"/>
           </a:solidFill>
@@ -2975,8 +5380,8 @@
           <a:cs typeface="+mn-cs"/>
         </a:defRPr>
       </a:lvl2pPr>
-      <a:lvl3pPr marL="914400" algn="l" defTabSz="914400" rtl="0" eaLnBrk="1" latinLnBrk="0" hangingPunct="1">
-        <a:defRPr sz="1800" kern="1200">
+      <a:lvl3pPr marL="914400" algn="l" rtl="0" eaLnBrk="1" latinLnBrk="0" hangingPunct="1">
+        <a:defRPr kumimoji="0" kern="1200">
           <a:solidFill>
             <a:schemeClr val="tx1"/>
           </a:solidFill>
@@ -2985,8 +5390,8 @@
           <a:cs typeface="+mn-cs"/>
         </a:defRPr>
       </a:lvl3pPr>
-      <a:lvl4pPr marL="1371600" algn="l" defTabSz="914400" rtl="0" eaLnBrk="1" latinLnBrk="0" hangingPunct="1">
-        <a:defRPr sz="1800" kern="1200">
+      <a:lvl4pPr marL="1371600" algn="l" rtl="0" eaLnBrk="1" latinLnBrk="0" hangingPunct="1">
+        <a:defRPr kumimoji="0" kern="1200">
           <a:solidFill>
             <a:schemeClr val="tx1"/>
           </a:solidFill>
@@ -2995,8 +5400,8 @@
           <a:cs typeface="+mn-cs"/>
         </a:defRPr>
       </a:lvl4pPr>
-      <a:lvl5pPr marL="1828800" algn="l" defTabSz="914400" rtl="0" eaLnBrk="1" latinLnBrk="0" hangingPunct="1">
-        <a:defRPr sz="1800" kern="1200">
+      <a:lvl5pPr marL="1828800" algn="l" rtl="0" eaLnBrk="1" latinLnBrk="0" hangingPunct="1">
+        <a:defRPr kumimoji="0" kern="1200">
           <a:solidFill>
             <a:schemeClr val="tx1"/>
           </a:solidFill>
@@ -3005,8 +5410,8 @@
           <a:cs typeface="+mn-cs"/>
         </a:defRPr>
       </a:lvl5pPr>
-      <a:lvl6pPr marL="2286000" algn="l" defTabSz="914400" rtl="0" eaLnBrk="1" latinLnBrk="0" hangingPunct="1">
-        <a:defRPr sz="1800" kern="1200">
+      <a:lvl6pPr marL="2286000" algn="l" rtl="0" eaLnBrk="1" latinLnBrk="0" hangingPunct="1">
+        <a:defRPr kumimoji="0" kern="1200">
           <a:solidFill>
             <a:schemeClr val="tx1"/>
           </a:solidFill>
@@ -3015,8 +5420,8 @@
           <a:cs typeface="+mn-cs"/>
         </a:defRPr>
       </a:lvl6pPr>
-      <a:lvl7pPr marL="2743200" algn="l" defTabSz="914400" rtl="0" eaLnBrk="1" latinLnBrk="0" hangingPunct="1">
-        <a:defRPr sz="1800" kern="1200">
+      <a:lvl7pPr marL="2743200" algn="l" rtl="0" eaLnBrk="1" latinLnBrk="0" hangingPunct="1">
+        <a:defRPr kumimoji="0" kern="1200">
           <a:solidFill>
             <a:schemeClr val="tx1"/>
           </a:solidFill>
@@ -3025,8 +5430,8 @@
           <a:cs typeface="+mn-cs"/>
         </a:defRPr>
       </a:lvl7pPr>
-      <a:lvl8pPr marL="3200400" algn="l" defTabSz="914400" rtl="0" eaLnBrk="1" latinLnBrk="0" hangingPunct="1">
-        <a:defRPr sz="1800" kern="1200">
+      <a:lvl8pPr marL="3200400" algn="l" rtl="0" eaLnBrk="1" latinLnBrk="0" hangingPunct="1">
+        <a:defRPr kumimoji="0" kern="1200">
           <a:solidFill>
             <a:schemeClr val="tx1"/>
           </a:solidFill>
@@ -3035,8 +5440,8 @@
           <a:cs typeface="+mn-cs"/>
         </a:defRPr>
       </a:lvl8pPr>
-      <a:lvl9pPr marL="3657600" algn="l" defTabSz="914400" rtl="0" eaLnBrk="1" latinLnBrk="0" hangingPunct="1">
-        <a:defRPr sz="1800" kern="1200">
+      <a:lvl9pPr marL="3657600" algn="l" rtl="0" eaLnBrk="1" latinLnBrk="0" hangingPunct="1">
+        <a:defRPr kumimoji="0" kern="1200">
           <a:solidFill>
             <a:schemeClr val="tx1"/>
           </a:solidFill>
@@ -3045,6 +5450,7 @@
           <a:cs typeface="+mn-cs"/>
         </a:defRPr>
       </a:lvl9pPr>
+      <a:extLst/>
     </p:otherStyle>
   </p:txStyles>
 </p:sldMaster>
@@ -3084,7 +5490,7 @@
           <a:p>
             <a:r>
               <a:rPr lang="de-CH" dirty="0" err="1" smtClean="0"/>
-              <a:t>Travelplaner</a:t>
+              <a:t>Travelplanner</a:t>
             </a:r>
             <a:endParaRPr lang="de-CH" dirty="0"/>
           </a:p>
@@ -3105,6 +5511,18 @@
           <a:bodyPr/>
           <a:lstStyle/>
           <a:p>
+            <a:r>
+              <a:rPr lang="de-CH" dirty="0" smtClean="0"/>
+              <a:t>Adrian </a:t>
+            </a:r>
+            <a:r>
+              <a:rPr lang="de-CH" dirty="0" err="1" smtClean="0"/>
+              <a:t>Bärtschi</a:t>
+            </a:r>
+            <a:r>
+              <a:rPr lang="de-CH" dirty="0" smtClean="0"/>
+              <a:t>, Dimitri Hämmerli</a:t>
+            </a:r>
             <a:endParaRPr lang="de-CH" dirty="0"/>
           </a:p>
         </p:txBody>
@@ -3114,6 +5532,91 @@
   <p:clrMapOvr>
     <a:masterClrMapping/>
   </p:clrMapOvr>
+  <p:timing>
+    <p:tnLst>
+      <p:par>
+        <p:cTn id="1" dur="indefinite" restart="never" nodeType="tmRoot"/>
+      </p:par>
+    </p:tnLst>
+  </p:timing>
+</p:sld>
+</file>
+
+<file path=ppt/slides/slide10.xml><?xml version="1.0" encoding="utf-8"?>
+<p:sld xmlns:a="http://schemas.openxmlformats.org/drawingml/2006/main" xmlns:r="http://schemas.openxmlformats.org/officeDocument/2006/relationships" xmlns:p="http://schemas.openxmlformats.org/presentationml/2006/main">
+  <p:cSld>
+    <p:spTree>
+      <p:nvGrpSpPr>
+        <p:cNvPr id="1" name=""/>
+        <p:cNvGrpSpPr/>
+        <p:nvPr/>
+      </p:nvGrpSpPr>
+      <p:grpSpPr>
+        <a:xfrm>
+          <a:off x="0" y="0"/>
+          <a:ext cx="0" cy="0"/>
+          <a:chOff x="0" y="0"/>
+          <a:chExt cx="0" cy="0"/>
+        </a:xfrm>
+      </p:grpSpPr>
+      <p:sp>
+        <p:nvSpPr>
+          <p:cNvPr id="3" name="Inhaltsplatzhalter 2"/>
+          <p:cNvSpPr>
+            <a:spLocks noGrp="1"/>
+          </p:cNvSpPr>
+          <p:nvPr>
+            <p:ph idx="1"/>
+          </p:nvPr>
+        </p:nvSpPr>
+        <p:spPr/>
+        <p:txBody>
+          <a:bodyPr/>
+          <a:lstStyle/>
+          <a:p>
+            <a:r>
+              <a:rPr lang="de-CH" dirty="0" smtClean="0"/>
+              <a:t>5min</a:t>
+            </a:r>
+            <a:endParaRPr lang="de-CH" dirty="0"/>
+          </a:p>
+        </p:txBody>
+      </p:sp>
+      <p:sp>
+        <p:nvSpPr>
+          <p:cNvPr id="2" name="Titel 1"/>
+          <p:cNvSpPr>
+            <a:spLocks noGrp="1"/>
+          </p:cNvSpPr>
+          <p:nvPr>
+            <p:ph type="title"/>
+          </p:nvPr>
+        </p:nvSpPr>
+        <p:spPr/>
+        <p:txBody>
+          <a:bodyPr/>
+          <a:lstStyle/>
+          <a:p>
+            <a:r>
+              <a:rPr lang="de-CH" dirty="0" smtClean="0"/>
+              <a:t>Demo</a:t>
+            </a:r>
+            <a:endParaRPr lang="de-CH" dirty="0"/>
+          </a:p>
+        </p:txBody>
+      </p:sp>
+    </p:spTree>
+  </p:cSld>
+  <p:clrMapOvr>
+    <a:masterClrMapping/>
+  </p:clrMapOvr>
+  <p:timing>
+    <p:tnLst>
+      <p:par>
+        <p:cTn id="1" dur="indefinite" restart="never" nodeType="tmRoot"/>
+      </p:par>
+    </p:tnLst>
+  </p:timing>
 </p:sld>
 </file>
 
@@ -3136,12 +5639,12 @@
       </p:grpSpPr>
       <p:sp>
         <p:nvSpPr>
-          <p:cNvPr id="2" name="Titel 1"/>
-          <p:cNvSpPr>
-            <a:spLocks noGrp="1"/>
-          </p:cNvSpPr>
-          <p:nvPr>
-            <p:ph type="title"/>
+          <p:cNvPr id="3" name="Inhaltsplatzhalter 2"/>
+          <p:cNvSpPr>
+            <a:spLocks noGrp="1"/>
+          </p:cNvSpPr>
+          <p:nvPr>
+            <p:ph idx="1"/>
           </p:nvPr>
         </p:nvSpPr>
         <p:spPr/>
@@ -3151,20 +5654,44 @@
           <a:p>
             <a:r>
               <a:rPr lang="de-CH" dirty="0" smtClean="0"/>
-              <a:t>Inhalt</a:t>
-            </a:r>
-            <a:endParaRPr lang="de-CH" dirty="0"/>
-          </a:p>
-        </p:txBody>
-      </p:sp>
-      <p:sp>
-        <p:nvSpPr>
-          <p:cNvPr id="3" name="Inhaltsplatzhalter 2"/>
-          <p:cNvSpPr>
-            <a:spLocks noGrp="1"/>
-          </p:cNvSpPr>
-          <p:nvPr>
-            <p:ph idx="1"/>
+              <a:t>Ausgangslage</a:t>
+            </a:r>
+          </a:p>
+          <a:p>
+            <a:r>
+              <a:rPr lang="de-CH" dirty="0" smtClean="0"/>
+              <a:t>Ziele</a:t>
+            </a:r>
+          </a:p>
+          <a:p>
+            <a:r>
+              <a:rPr lang="de-CH" dirty="0" smtClean="0"/>
+              <a:t>Softwareentwicklungsprozess</a:t>
+            </a:r>
+          </a:p>
+          <a:p>
+            <a:r>
+              <a:rPr lang="de-CH" dirty="0" smtClean="0"/>
+              <a:t>Design</a:t>
+            </a:r>
+            <a:endParaRPr lang="de-CH" dirty="0" smtClean="0"/>
+          </a:p>
+          <a:p>
+            <a:r>
+              <a:rPr lang="de-CH" dirty="0" smtClean="0"/>
+              <a:t>Demo</a:t>
+            </a:r>
+          </a:p>
+        </p:txBody>
+      </p:sp>
+      <p:sp>
+        <p:nvSpPr>
+          <p:cNvPr id="2" name="Titel 1"/>
+          <p:cNvSpPr>
+            <a:spLocks noGrp="1"/>
+          </p:cNvSpPr>
+          <p:nvPr>
+            <p:ph type="title"/>
           </p:nvPr>
         </p:nvSpPr>
         <p:spPr/>
@@ -3174,39 +5701,7 @@
           <a:p>
             <a:r>
               <a:rPr lang="de-CH" dirty="0" smtClean="0"/>
-              <a:t>Einleitung / Voraussetzungen (Vision)</a:t>
-            </a:r>
-          </a:p>
-          <a:p>
-            <a:r>
-              <a:rPr lang="de-CH" dirty="0" smtClean="0"/>
-              <a:t>Ziele(</a:t>
-            </a:r>
-            <a:r>
-              <a:rPr lang="de-CH" dirty="0" err="1" smtClean="0"/>
-              <a:t>UseCase-Diagr</a:t>
-            </a:r>
-            <a:r>
-              <a:rPr lang="de-CH" dirty="0" smtClean="0"/>
-              <a:t>.)</a:t>
-            </a:r>
-          </a:p>
-          <a:p>
-            <a:r>
-              <a:rPr lang="de-CH" dirty="0" smtClean="0"/>
-              <a:t>Design (Voraussetzung =&gt; Resultat)</a:t>
-            </a:r>
-          </a:p>
-          <a:p>
-            <a:r>
-              <a:rPr lang="de-CH" dirty="0" smtClean="0"/>
-              <a:t>Demo</a:t>
-            </a:r>
-          </a:p>
-          <a:p>
-            <a:r>
-              <a:rPr lang="de-CH" dirty="0" smtClean="0"/>
-              <a:t>1min</a:t>
+              <a:t>Inhalt</a:t>
             </a:r>
             <a:endParaRPr lang="de-CH" dirty="0"/>
           </a:p>
@@ -3217,6 +5712,13 @@
   <p:clrMapOvr>
     <a:masterClrMapping/>
   </p:clrMapOvr>
+  <p:timing>
+    <p:tnLst>
+      <p:par>
+        <p:cTn id="1" dur="indefinite" restart="never" nodeType="tmRoot"/>
+      </p:par>
+    </p:tnLst>
+  </p:timing>
 </p:sld>
 </file>
 
@@ -3239,6 +5741,73 @@
       </p:grpSpPr>
       <p:sp>
         <p:nvSpPr>
+          <p:cNvPr id="3" name="Inhaltsplatzhalter 2"/>
+          <p:cNvSpPr>
+            <a:spLocks noGrp="1"/>
+          </p:cNvSpPr>
+          <p:nvPr>
+            <p:ph idx="1"/>
+          </p:nvPr>
+        </p:nvSpPr>
+        <p:spPr/>
+        <p:txBody>
+          <a:bodyPr>
+            <a:normAutofit/>
+          </a:bodyPr>
+          <a:lstStyle/>
+          <a:p>
+            <a:r>
+              <a:rPr lang="en-US" dirty="0" smtClean="0"/>
+              <a:t>“The aim of the project is, in a first phase, to allow the user to </a:t>
+            </a:r>
+            <a:r>
+              <a:rPr lang="en-US" dirty="0" smtClean="0">
+                <a:solidFill>
+                  <a:srgbClr val="FF0000"/>
+                </a:solidFill>
+              </a:rPr>
+              <a:t>graphically specify a whole road net</a:t>
+            </a:r>
+            <a:r>
+              <a:rPr lang="en-US" dirty="0" smtClean="0"/>
+              <a:t> as well as a </a:t>
+            </a:r>
+            <a:r>
+              <a:rPr lang="en-US" dirty="0" smtClean="0">
+                <a:solidFill>
+                  <a:srgbClr val="FF0000"/>
+                </a:solidFill>
+              </a:rPr>
+              <a:t>fleet of vehicles</a:t>
+            </a:r>
+            <a:r>
+              <a:rPr lang="en-US" dirty="0" smtClean="0"/>
+              <a:t>, and then, in a second phase, to ask the system in </a:t>
+            </a:r>
+            <a:r>
+              <a:rPr lang="en-US" dirty="0" smtClean="0">
+                <a:solidFill>
+                  <a:srgbClr val="FF0000"/>
+                </a:solidFill>
+              </a:rPr>
+              <a:t>which “best” ways the vehicles can drive from specified start points to specified end points</a:t>
+            </a:r>
+            <a:r>
+              <a:rPr lang="en-US" dirty="0" smtClean="0"/>
+              <a:t> according to various individual criteria for each vehicle: time, consumption, etc…”</a:t>
+            </a:r>
+            <a:endParaRPr lang="de-CH" dirty="0" smtClean="0"/>
+          </a:p>
+          <a:p>
+            <a:pPr>
+              <a:buNone/>
+            </a:pPr>
+            <a:endParaRPr lang="de-CH" dirty="0" smtClean="0"/>
+          </a:p>
+        </p:txBody>
+      </p:sp>
+      <p:sp>
+        <p:nvSpPr>
           <p:cNvPr id="2" name="Titel 1"/>
           <p:cNvSpPr>
             <a:spLocks noGrp="1"/>
@@ -3254,42 +5823,7 @@
           <a:p>
             <a:r>
               <a:rPr lang="de-CH" dirty="0" smtClean="0"/>
-              <a:t>Vision</a:t>
-            </a:r>
-            <a:endParaRPr lang="de-CH" dirty="0"/>
-          </a:p>
-        </p:txBody>
-      </p:sp>
-      <p:sp>
-        <p:nvSpPr>
-          <p:cNvPr id="3" name="Inhaltsplatzhalter 2"/>
-          <p:cNvSpPr>
-            <a:spLocks noGrp="1"/>
-          </p:cNvSpPr>
-          <p:nvPr>
-            <p:ph idx="1"/>
-          </p:nvPr>
-        </p:nvSpPr>
-        <p:spPr/>
-        <p:txBody>
-          <a:bodyPr>
-            <a:normAutofit lnSpcReduction="10000"/>
-          </a:bodyPr>
-          <a:lstStyle/>
-          <a:p>
-            <a:r>
-              <a:rPr lang="en-US" smtClean="0"/>
-              <a:t>A road net consists in road stretches with various speed limitations, slopes, impediments, gas stations, etc… A vehicle is likewise characterized by its consumption under variable conditions, tank capacity, speed limit, etc… The characterizations of both roads and cars are part of the project.</a:t>
-            </a:r>
-            <a:endParaRPr lang="de-CH" dirty="0" smtClean="0"/>
-          </a:p>
-          <a:p>
-            <a:endParaRPr lang="de-CH" dirty="0" smtClean="0"/>
-          </a:p>
-          <a:p>
-            <a:r>
-              <a:rPr lang="de-CH" dirty="0" smtClean="0"/>
-              <a:t>2min</a:t>
+              <a:t>Ausgangslage</a:t>
             </a:r>
             <a:endParaRPr lang="de-CH" dirty="0"/>
           </a:p>
@@ -3300,6 +5834,13 @@
   <p:clrMapOvr>
     <a:masterClrMapping/>
   </p:clrMapOvr>
+  <p:timing>
+    <p:tnLst>
+      <p:par>
+        <p:cTn id="1" dur="indefinite" restart="never" nodeType="tmRoot"/>
+      </p:par>
+    </p:tnLst>
+  </p:timing>
 </p:sld>
 </file>
 
@@ -3322,6 +5863,154 @@
       </p:grpSpPr>
       <p:sp>
         <p:nvSpPr>
+          <p:cNvPr id="3" name="Inhaltsplatzhalter 2"/>
+          <p:cNvSpPr>
+            <a:spLocks noGrp="1"/>
+          </p:cNvSpPr>
+          <p:nvPr>
+            <p:ph idx="1"/>
+          </p:nvPr>
+        </p:nvSpPr>
+        <p:spPr/>
+        <p:txBody>
+          <a:bodyPr>
+            <a:normAutofit/>
+          </a:bodyPr>
+          <a:lstStyle/>
+          <a:p>
+            <a:r>
+              <a:rPr lang="en-US" dirty="0" smtClean="0"/>
+              <a:t>“A </a:t>
+            </a:r>
+            <a:r>
+              <a:rPr lang="en-US" dirty="0" smtClean="0">
+                <a:solidFill>
+                  <a:srgbClr val="FF0000"/>
+                </a:solidFill>
+              </a:rPr>
+              <a:t>road net </a:t>
+            </a:r>
+            <a:r>
+              <a:rPr lang="en-US" dirty="0" smtClean="0"/>
+              <a:t>consists in </a:t>
+            </a:r>
+            <a:r>
+              <a:rPr lang="en-US" dirty="0" smtClean="0">
+                <a:solidFill>
+                  <a:srgbClr val="FF0000"/>
+                </a:solidFill>
+              </a:rPr>
+              <a:t>road stretches</a:t>
+            </a:r>
+            <a:r>
+              <a:rPr lang="en-US" dirty="0" smtClean="0"/>
+              <a:t> with </a:t>
+            </a:r>
+            <a:r>
+              <a:rPr lang="en-US" dirty="0" smtClean="0">
+                <a:solidFill>
+                  <a:srgbClr val="00B0F0"/>
+                </a:solidFill>
+              </a:rPr>
+              <a:t>various speed limitations</a:t>
+            </a:r>
+            <a:r>
+              <a:rPr lang="en-US" dirty="0" smtClean="0"/>
+              <a:t>, </a:t>
+            </a:r>
+            <a:r>
+              <a:rPr lang="en-US" dirty="0" smtClean="0">
+                <a:solidFill>
+                  <a:srgbClr val="00B0F0"/>
+                </a:solidFill>
+              </a:rPr>
+              <a:t>slopes</a:t>
+            </a:r>
+            <a:r>
+              <a:rPr lang="en-US" dirty="0" smtClean="0"/>
+              <a:t>, </a:t>
+            </a:r>
+            <a:r>
+              <a:rPr lang="en-US" dirty="0" smtClean="0">
+                <a:solidFill>
+                  <a:srgbClr val="00B0F0"/>
+                </a:solidFill>
+              </a:rPr>
+              <a:t>impediments</a:t>
+            </a:r>
+            <a:r>
+              <a:rPr lang="en-US" dirty="0" smtClean="0"/>
+              <a:t>, gas stations, etc… A </a:t>
+            </a:r>
+            <a:r>
+              <a:rPr lang="en-US" dirty="0" smtClean="0">
+                <a:solidFill>
+                  <a:srgbClr val="FF0000"/>
+                </a:solidFill>
+              </a:rPr>
+              <a:t>vehicle</a:t>
+            </a:r>
+            <a:r>
+              <a:rPr lang="en-US" dirty="0" smtClean="0"/>
+              <a:t> is likewise characterized by its </a:t>
+            </a:r>
+            <a:r>
+              <a:rPr lang="en-US" dirty="0" smtClean="0">
+                <a:solidFill>
+                  <a:srgbClr val="00B0F0"/>
+                </a:solidFill>
+              </a:rPr>
+              <a:t>consumption</a:t>
+            </a:r>
+            <a:r>
+              <a:rPr lang="en-US" dirty="0" smtClean="0"/>
+              <a:t> </a:t>
+            </a:r>
+            <a:r>
+              <a:rPr lang="en-US" dirty="0" smtClean="0">
+                <a:solidFill>
+                  <a:srgbClr val="00B0F0"/>
+                </a:solidFill>
+              </a:rPr>
+              <a:t>under variable conditions</a:t>
+            </a:r>
+            <a:r>
+              <a:rPr lang="en-US" dirty="0" smtClean="0"/>
+              <a:t>, </a:t>
+            </a:r>
+            <a:r>
+              <a:rPr lang="en-US" dirty="0" smtClean="0">
+                <a:solidFill>
+                  <a:srgbClr val="00B0F0"/>
+                </a:solidFill>
+              </a:rPr>
+              <a:t>tank capacity</a:t>
+            </a:r>
+            <a:r>
+              <a:rPr lang="en-US" dirty="0" smtClean="0"/>
+              <a:t>, </a:t>
+            </a:r>
+            <a:r>
+              <a:rPr lang="en-US" dirty="0" smtClean="0">
+                <a:solidFill>
+                  <a:srgbClr val="00B0F0"/>
+                </a:solidFill>
+              </a:rPr>
+              <a:t>speed limit</a:t>
+            </a:r>
+            <a:r>
+              <a:rPr lang="en-US" dirty="0" smtClean="0"/>
+              <a:t>, etc… The characterizations of both roads and cars are part of the project.”</a:t>
+            </a:r>
+            <a:endParaRPr lang="de-CH" dirty="0" smtClean="0"/>
+          </a:p>
+          <a:p>
+            <a:endParaRPr lang="de-CH" dirty="0" smtClean="0"/>
+          </a:p>
+        </p:txBody>
+      </p:sp>
+      <p:sp>
+        <p:nvSpPr>
           <p:cNvPr id="2" name="Titel 1"/>
           <p:cNvSpPr>
             <a:spLocks noGrp="1"/>
@@ -3337,39 +6026,7 @@
           <a:p>
             <a:r>
               <a:rPr lang="de-CH" dirty="0" smtClean="0"/>
-              <a:t>Ziele</a:t>
-            </a:r>
-            <a:endParaRPr lang="de-CH" dirty="0"/>
-          </a:p>
-        </p:txBody>
-      </p:sp>
-      <p:sp>
-        <p:nvSpPr>
-          <p:cNvPr id="3" name="Inhaltsplatzhalter 2"/>
-          <p:cNvSpPr>
-            <a:spLocks noGrp="1"/>
-          </p:cNvSpPr>
-          <p:nvPr>
-            <p:ph idx="1"/>
-          </p:nvPr>
-        </p:nvSpPr>
-        <p:spPr/>
-        <p:txBody>
-          <a:bodyPr/>
-          <a:lstStyle/>
-          <a:p>
-            <a:r>
-              <a:rPr lang="de-CH" dirty="0" smtClean="0"/>
-              <a:t>UC-D</a:t>
-            </a:r>
-          </a:p>
-          <a:p>
-            <a:endParaRPr lang="de-CH" dirty="0"/>
-          </a:p>
-          <a:p>
-            <a:r>
-              <a:rPr lang="de-CH" dirty="0" smtClean="0"/>
-              <a:t>3min</a:t>
+              <a:t>Ausgangslage</a:t>
             </a:r>
             <a:endParaRPr lang="de-CH" dirty="0"/>
           </a:p>
@@ -3380,6 +6037,13 @@
   <p:clrMapOvr>
     <a:masterClrMapping/>
   </p:clrMapOvr>
+  <p:timing>
+    <p:tnLst>
+      <p:par>
+        <p:cTn id="1" dur="indefinite" restart="never" nodeType="tmRoot"/>
+      </p:par>
+    </p:tnLst>
+  </p:timing>
 </p:sld>
 </file>
 
@@ -3400,6 +6064,40 @@
           <a:chExt cx="0" cy="0"/>
         </a:xfrm>
       </p:grpSpPr>
+      <p:pic>
+        <p:nvPicPr>
+          <p:cNvPr id="1026" name="Picture 2"/>
+          <p:cNvPicPr>
+            <a:picLocks noGrp="1" noChangeAspect="1" noChangeArrowheads="1"/>
+          </p:cNvPicPr>
+          <p:nvPr>
+            <p:ph idx="1"/>
+          </p:nvPr>
+        </p:nvPicPr>
+        <p:blipFill>
+          <a:blip r:embed="rId3" cstate="print"/>
+          <a:srcRect l="31625" t="12929" r="32500" b="9805"/>
+          <a:stretch>
+            <a:fillRect/>
+          </a:stretch>
+        </p:blipFill>
+        <p:spPr bwMode="auto">
+          <a:xfrm>
+            <a:off x="2771800" y="30574"/>
+            <a:ext cx="5832648" cy="6828465"/>
+          </a:xfrm>
+          <a:prstGeom prst="rect">
+            <a:avLst/>
+          </a:prstGeom>
+          <a:noFill/>
+          <a:ln w="9525">
+            <a:noFill/>
+            <a:miter lim="800000"/>
+            <a:headEnd/>
+            <a:tailEnd/>
+          </a:ln>
+        </p:spPr>
+      </p:pic>
       <p:sp>
         <p:nvSpPr>
           <p:cNvPr id="2" name="Titel 1"/>
@@ -3417,38 +6115,7 @@
           <a:p>
             <a:r>
               <a:rPr lang="de-CH" dirty="0" smtClean="0"/>
-              <a:t>Ablauf </a:t>
-            </a:r>
-            <a:r>
-              <a:rPr lang="de-CH" dirty="0" err="1" smtClean="0"/>
-              <a:t>entw</a:t>
-            </a:r>
-            <a:r>
-              <a:rPr lang="de-CH" dirty="0" smtClean="0"/>
-              <a:t>.</a:t>
-            </a:r>
-            <a:endParaRPr lang="de-CH" dirty="0"/>
-          </a:p>
-        </p:txBody>
-      </p:sp>
-      <p:sp>
-        <p:nvSpPr>
-          <p:cNvPr id="3" name="Inhaltsplatzhalter 2"/>
-          <p:cNvSpPr>
-            <a:spLocks noGrp="1"/>
-          </p:cNvSpPr>
-          <p:nvPr>
-            <p:ph idx="1"/>
-          </p:nvPr>
-        </p:nvSpPr>
-        <p:spPr/>
-        <p:txBody>
-          <a:bodyPr/>
-          <a:lstStyle/>
-          <a:p>
-            <a:r>
-              <a:rPr lang="de-CH" dirty="0" smtClean="0"/>
-              <a:t>2 min</a:t>
+              <a:t>Ziele</a:t>
             </a:r>
             <a:endParaRPr lang="de-CH" dirty="0"/>
           </a:p>
@@ -3459,6 +6126,13 @@
   <p:clrMapOvr>
     <a:masterClrMapping/>
   </p:clrMapOvr>
+  <p:timing>
+    <p:tnLst>
+      <p:par>
+        <p:cTn id="1" dur="indefinite" restart="never" nodeType="tmRoot"/>
+      </p:par>
+    </p:tnLst>
+  </p:timing>
 </p:sld>
 </file>
 
@@ -3481,12 +6155,12 @@
       </p:grpSpPr>
       <p:sp>
         <p:nvSpPr>
-          <p:cNvPr id="2" name="Titel 1"/>
-          <p:cNvSpPr>
-            <a:spLocks noGrp="1"/>
-          </p:cNvSpPr>
-          <p:nvPr>
-            <p:ph type="title"/>
+          <p:cNvPr id="3" name="Inhaltsplatzhalter 2"/>
+          <p:cNvSpPr>
+            <a:spLocks noGrp="1"/>
+          </p:cNvSpPr>
+          <p:nvPr>
+            <p:ph idx="1"/>
           </p:nvPr>
         </p:nvSpPr>
         <p:spPr/>
@@ -3496,20 +6170,38 @@
           <a:p>
             <a:r>
               <a:rPr lang="de-CH" dirty="0" smtClean="0"/>
-              <a:t>Design</a:t>
-            </a:r>
+              <a:t>Agil </a:t>
+            </a:r>
+          </a:p>
+          <a:p>
+            <a:r>
+              <a:rPr lang="de-CH" dirty="0" smtClean="0"/>
+              <a:t>3 Sprints =&gt; iterative Entwicklung</a:t>
+            </a:r>
+          </a:p>
+          <a:p>
+            <a:r>
+              <a:rPr lang="de-CH" dirty="0" smtClean="0"/>
+              <a:t>Sprintziele</a:t>
+            </a:r>
+            <a:endParaRPr lang="de-CH" dirty="0" smtClean="0"/>
+          </a:p>
+          <a:p>
+            <a:endParaRPr lang="de-CH" dirty="0" smtClean="0"/>
+          </a:p>
+          <a:p>
             <a:endParaRPr lang="de-CH" dirty="0"/>
           </a:p>
         </p:txBody>
       </p:sp>
       <p:sp>
         <p:nvSpPr>
-          <p:cNvPr id="3" name="Inhaltsplatzhalter 2"/>
-          <p:cNvSpPr>
-            <a:spLocks noGrp="1"/>
-          </p:cNvSpPr>
-          <p:nvPr>
-            <p:ph idx="1"/>
+          <p:cNvPr id="2" name="Titel 1"/>
+          <p:cNvSpPr>
+            <a:spLocks noGrp="1"/>
+          </p:cNvSpPr>
+          <p:nvPr>
+            <p:ph type="title"/>
           </p:nvPr>
         </p:nvSpPr>
         <p:spPr/>
@@ -3519,60 +6211,7 @@
           <a:p>
             <a:r>
               <a:rPr lang="de-CH" dirty="0" smtClean="0"/>
-              <a:t>Patterns (MVC, Singleton (</a:t>
-            </a:r>
-            <a:r>
-              <a:rPr lang="de-CH" dirty="0" err="1" smtClean="0"/>
-              <a:t>dao</a:t>
-            </a:r>
-            <a:r>
-              <a:rPr lang="de-CH" dirty="0" smtClean="0"/>
-              <a:t>))</a:t>
-            </a:r>
-          </a:p>
-          <a:p>
-            <a:r>
-              <a:rPr lang="de-CH" dirty="0" smtClean="0"/>
-              <a:t>Aufbau </a:t>
-            </a:r>
-            <a:r>
-              <a:rPr lang="de-CH" dirty="0" err="1" smtClean="0"/>
-              <a:t>appl</a:t>
-            </a:r>
-            <a:r>
-              <a:rPr lang="de-CH" dirty="0" smtClean="0"/>
-              <a:t>(</a:t>
-            </a:r>
-            <a:r>
-              <a:rPr lang="de-CH" dirty="0" err="1" smtClean="0"/>
-              <a:t>fz,map,simul</a:t>
-            </a:r>
-            <a:r>
-              <a:rPr lang="de-CH" dirty="0" smtClean="0"/>
-              <a:t>)</a:t>
-            </a:r>
-          </a:p>
-          <a:p>
-            <a:r>
-              <a:rPr lang="de-CH" dirty="0" smtClean="0"/>
-              <a:t>Solver (</a:t>
-            </a:r>
-            <a:r>
-              <a:rPr lang="de-CH" dirty="0" err="1" smtClean="0"/>
-              <a:t>Map</a:t>
-            </a:r>
-            <a:r>
-              <a:rPr lang="de-CH" dirty="0" smtClean="0"/>
-              <a:t>-&gt;Graph)</a:t>
-            </a:r>
-          </a:p>
-          <a:p>
-            <a:endParaRPr lang="de-CH" dirty="0"/>
-          </a:p>
-          <a:p>
-            <a:r>
-              <a:rPr lang="de-CH" dirty="0" smtClean="0"/>
-              <a:t>5min</a:t>
+              <a:t>Softwareentwicklungsprozess</a:t>
             </a:r>
             <a:endParaRPr lang="de-CH" dirty="0"/>
           </a:p>
@@ -3612,12 +6251,12 @@
       </p:grpSpPr>
       <p:sp>
         <p:nvSpPr>
-          <p:cNvPr id="2" name="Titel 1"/>
-          <p:cNvSpPr>
-            <a:spLocks noGrp="1"/>
-          </p:cNvSpPr>
-          <p:nvPr>
-            <p:ph type="title"/>
+          <p:cNvPr id="3" name="Inhaltsplatzhalter 2"/>
+          <p:cNvSpPr>
+            <a:spLocks noGrp="1"/>
+          </p:cNvSpPr>
+          <p:nvPr>
+            <p:ph idx="1"/>
           </p:nvPr>
         </p:nvSpPr>
         <p:spPr/>
@@ -3626,25 +6265,74 @@
           <a:lstStyle/>
           <a:p>
             <a:r>
+              <a:rPr lang="de-CH" dirty="0" smtClean="0"/>
+              <a:t>Patterns (MVC, Singleton (</a:t>
+            </a:r>
+            <a:r>
               <a:rPr lang="de-CH" dirty="0" err="1" smtClean="0"/>
-              <a:t>Desing</a:t>
+              <a:t>dao</a:t>
             </a:r>
             <a:r>
               <a:rPr lang="de-CH" dirty="0" smtClean="0"/>
-              <a:t> II</a:t>
-            </a:r>
+              <a:t>))</a:t>
+            </a:r>
+          </a:p>
+          <a:p>
+            <a:r>
+              <a:rPr lang="de-CH" dirty="0" smtClean="0"/>
+              <a:t>Aufbau </a:t>
+            </a:r>
+            <a:r>
+              <a:rPr lang="de-CH" dirty="0" err="1" smtClean="0"/>
+              <a:t>appl</a:t>
+            </a:r>
+            <a:r>
+              <a:rPr lang="de-CH" dirty="0" smtClean="0"/>
+              <a:t>(</a:t>
+            </a:r>
+            <a:r>
+              <a:rPr lang="de-CH" dirty="0" err="1" smtClean="0"/>
+              <a:t>fz,map,simul</a:t>
+            </a:r>
+            <a:r>
+              <a:rPr lang="de-CH" dirty="0" smtClean="0"/>
+              <a:t>)</a:t>
+            </a:r>
+          </a:p>
+          <a:p>
+            <a:r>
+              <a:rPr lang="de-CH" dirty="0" smtClean="0"/>
+              <a:t>Solver (</a:t>
+            </a:r>
+            <a:r>
+              <a:rPr lang="de-CH" dirty="0" err="1" smtClean="0"/>
+              <a:t>Map</a:t>
+            </a:r>
+            <a:r>
+              <a:rPr lang="de-CH" dirty="0" smtClean="0"/>
+              <a:t>-&gt;Graph)</a:t>
+            </a:r>
+          </a:p>
+          <a:p>
             <a:endParaRPr lang="de-CH" dirty="0"/>
           </a:p>
-        </p:txBody>
-      </p:sp>
-      <p:sp>
-        <p:nvSpPr>
-          <p:cNvPr id="3" name="Inhaltsplatzhalter 2"/>
-          <p:cNvSpPr>
-            <a:spLocks noGrp="1"/>
-          </p:cNvSpPr>
-          <p:nvPr>
-            <p:ph idx="1"/>
+          <a:p>
+            <a:r>
+              <a:rPr lang="de-CH" dirty="0" smtClean="0"/>
+              <a:t>5min</a:t>
+            </a:r>
+            <a:endParaRPr lang="de-CH" dirty="0"/>
+          </a:p>
+        </p:txBody>
+      </p:sp>
+      <p:sp>
+        <p:nvSpPr>
+          <p:cNvPr id="2" name="Titel 1"/>
+          <p:cNvSpPr>
+            <a:spLocks noGrp="1"/>
+          </p:cNvSpPr>
+          <p:nvPr>
+            <p:ph type="title"/>
           </p:nvPr>
         </p:nvSpPr>
         <p:spPr/>
@@ -3654,28 +6342,8 @@
           <a:p>
             <a:r>
               <a:rPr lang="de-CH" dirty="0" smtClean="0"/>
-              <a:t>Simulation / Thread</a:t>
-            </a:r>
-          </a:p>
-          <a:p>
-            <a:r>
-              <a:rPr lang="de-CH" dirty="0" smtClean="0"/>
-              <a:t>Störungen</a:t>
-            </a:r>
-          </a:p>
-          <a:p>
-            <a:endParaRPr lang="de-CH" dirty="0"/>
-          </a:p>
-          <a:p>
-            <a:endParaRPr lang="de-CH" dirty="0" smtClean="0"/>
-          </a:p>
-          <a:p>
-            <a:r>
-              <a:rPr lang="de-CH" dirty="0" smtClean="0"/>
-              <a:t>3min</a:t>
-            </a:r>
-          </a:p>
-          <a:p>
+              <a:t>Design</a:t>
+            </a:r>
             <a:endParaRPr lang="de-CH" dirty="0"/>
           </a:p>
         </p:txBody>
@@ -3714,12 +6382,12 @@
       </p:grpSpPr>
       <p:sp>
         <p:nvSpPr>
-          <p:cNvPr id="2" name="Titel 1"/>
-          <p:cNvSpPr>
-            <a:spLocks noGrp="1"/>
-          </p:cNvSpPr>
-          <p:nvPr>
-            <p:ph type="title"/>
+          <p:cNvPr id="3" name="Inhaltsplatzhalter 2"/>
+          <p:cNvSpPr>
+            <a:spLocks noGrp="1"/>
+          </p:cNvSpPr>
+          <p:nvPr>
+            <p:ph idx="1"/>
           </p:nvPr>
         </p:nvSpPr>
         <p:spPr/>
@@ -3729,20 +6397,40 @@
           <a:p>
             <a:r>
               <a:rPr lang="de-CH" dirty="0" smtClean="0"/>
-              <a:t>Technologien</a:t>
-            </a:r>
+              <a:t>Simulation / Thread</a:t>
+            </a:r>
+          </a:p>
+          <a:p>
+            <a:r>
+              <a:rPr lang="de-CH" dirty="0" smtClean="0"/>
+              <a:t>Störungen</a:t>
+            </a:r>
+          </a:p>
+          <a:p>
             <a:endParaRPr lang="de-CH" dirty="0"/>
           </a:p>
-        </p:txBody>
-      </p:sp>
-      <p:sp>
-        <p:nvSpPr>
-          <p:cNvPr id="3" name="Inhaltsplatzhalter 2"/>
-          <p:cNvSpPr>
-            <a:spLocks noGrp="1"/>
-          </p:cNvSpPr>
-          <p:nvPr>
-            <p:ph idx="1"/>
+          <a:p>
+            <a:endParaRPr lang="de-CH" dirty="0" smtClean="0"/>
+          </a:p>
+          <a:p>
+            <a:r>
+              <a:rPr lang="de-CH" dirty="0" smtClean="0"/>
+              <a:t>3min</a:t>
+            </a:r>
+          </a:p>
+          <a:p>
+            <a:endParaRPr lang="de-CH" dirty="0"/>
+          </a:p>
+        </p:txBody>
+      </p:sp>
+      <p:sp>
+        <p:nvSpPr>
+          <p:cNvPr id="2" name="Titel 1"/>
+          <p:cNvSpPr>
+            <a:spLocks noGrp="1"/>
+          </p:cNvSpPr>
+          <p:nvPr>
+            <p:ph type="title"/>
           </p:nvPr>
         </p:nvSpPr>
         <p:spPr/>
@@ -3752,46 +6440,11 @@
           <a:p>
             <a:r>
               <a:rPr lang="de-CH" dirty="0" err="1" smtClean="0"/>
-              <a:t>Jgrapht</a:t>
-            </a:r>
-            <a:endParaRPr lang="de-CH" dirty="0" smtClean="0"/>
-          </a:p>
-          <a:p>
+              <a:t>Desing</a:t>
+            </a:r>
             <a:r>
               <a:rPr lang="de-CH" dirty="0" smtClean="0"/>
-              <a:t>Java se7</a:t>
-            </a:r>
-          </a:p>
-          <a:p>
-            <a:r>
-              <a:rPr lang="de-CH" dirty="0" smtClean="0"/>
-              <a:t>Swing</a:t>
-            </a:r>
-          </a:p>
-          <a:p>
-            <a:r>
-              <a:rPr lang="de-CH" dirty="0" err="1" smtClean="0"/>
-              <a:t>Jpa</a:t>
-            </a:r>
-            <a:endParaRPr lang="de-CH" dirty="0" smtClean="0"/>
-          </a:p>
-          <a:p>
-            <a:r>
-              <a:rPr lang="de-CH" dirty="0" err="1" smtClean="0"/>
-              <a:t>Junit</a:t>
-            </a:r>
-            <a:r>
-              <a:rPr lang="de-CH" dirty="0" smtClean="0"/>
-              <a:t> 4</a:t>
-            </a:r>
-          </a:p>
-          <a:p>
-            <a:endParaRPr lang="de-CH" dirty="0" smtClean="0"/>
-          </a:p>
-          <a:p>
-            <a:r>
-              <a:rPr lang="de-CH" dirty="0" smtClean="0"/>
-              <a:t>2 min</a:t>
+              <a:t> II</a:t>
             </a:r>
             <a:endParaRPr lang="de-CH" dirty="0"/>
           </a:p>
@@ -3802,6 +6455,13 @@
   <p:clrMapOvr>
     <a:masterClrMapping/>
   </p:clrMapOvr>
+  <p:timing>
+    <p:tnLst>
+      <p:par>
+        <p:cTn id="1" dur="indefinite" restart="never" nodeType="tmRoot"/>
+      </p:par>
+    </p:tnLst>
+  </p:timing>
 </p:sld>
 </file>
 
@@ -3824,12 +6484,12 @@
       </p:grpSpPr>
       <p:sp>
         <p:nvSpPr>
-          <p:cNvPr id="2" name="Titel 1"/>
-          <p:cNvSpPr>
-            <a:spLocks noGrp="1"/>
-          </p:cNvSpPr>
-          <p:nvPr>
-            <p:ph type="title"/>
+          <p:cNvPr id="3" name="Inhaltsplatzhalter 2"/>
+          <p:cNvSpPr>
+            <a:spLocks noGrp="1"/>
+          </p:cNvSpPr>
+          <p:nvPr>
+            <p:ph idx="1"/>
           </p:nvPr>
         </p:nvSpPr>
         <p:spPr/>
@@ -3838,8 +6498,47 @@
           <a:lstStyle/>
           <a:p>
             <a:r>
+              <a:rPr lang="de-CH" dirty="0" err="1" smtClean="0"/>
+              <a:t>Jgrapht</a:t>
+            </a:r>
+            <a:endParaRPr lang="de-CH" dirty="0" smtClean="0"/>
+          </a:p>
+          <a:p>
+            <a:r>
               <a:rPr lang="de-CH" dirty="0" smtClean="0"/>
-              <a:t>Demo</a:t>
+              <a:t>Java se7</a:t>
+            </a:r>
+          </a:p>
+          <a:p>
+            <a:r>
+              <a:rPr lang="de-CH" dirty="0" smtClean="0"/>
+              <a:t>Swing</a:t>
+            </a:r>
+          </a:p>
+          <a:p>
+            <a:r>
+              <a:rPr lang="de-CH" dirty="0" err="1" smtClean="0"/>
+              <a:t>Jpa</a:t>
+            </a:r>
+            <a:endParaRPr lang="de-CH" dirty="0" smtClean="0"/>
+          </a:p>
+          <a:p>
+            <a:r>
+              <a:rPr lang="de-CH" dirty="0" err="1" smtClean="0"/>
+              <a:t>Junit</a:t>
+            </a:r>
+            <a:r>
+              <a:rPr lang="de-CH" dirty="0" smtClean="0"/>
+              <a:t> 4</a:t>
+            </a:r>
+          </a:p>
+          <a:p>
+            <a:endParaRPr lang="de-CH" dirty="0" smtClean="0"/>
+          </a:p>
+          <a:p>
+            <a:r>
+              <a:rPr lang="de-CH" dirty="0" smtClean="0"/>
+              <a:t>2 min</a:t>
             </a:r>
             <a:endParaRPr lang="de-CH" dirty="0"/>
           </a:p>
@@ -3847,12 +6546,12 @@
       </p:sp>
       <p:sp>
         <p:nvSpPr>
-          <p:cNvPr id="3" name="Inhaltsplatzhalter 2"/>
-          <p:cNvSpPr>
-            <a:spLocks noGrp="1"/>
-          </p:cNvSpPr>
-          <p:nvPr>
-            <p:ph idx="1"/>
+          <p:cNvPr id="2" name="Titel 1"/>
+          <p:cNvSpPr>
+            <a:spLocks noGrp="1"/>
+          </p:cNvSpPr>
+          <p:nvPr>
+            <p:ph type="title"/>
           </p:nvPr>
         </p:nvSpPr>
         <p:spPr/>
@@ -3862,7 +6561,7 @@
           <a:p>
             <a:r>
               <a:rPr lang="de-CH" dirty="0" smtClean="0"/>
-              <a:t>5min</a:t>
+              <a:t>Technologien</a:t>
             </a:r>
             <a:endParaRPr lang="de-CH" dirty="0"/>
           </a:p>
@@ -3873,10 +6572,302 @@
   <p:clrMapOvr>
     <a:masterClrMapping/>
   </p:clrMapOvr>
+  <p:timing>
+    <p:tnLst>
+      <p:par>
+        <p:cTn id="1" dur="indefinite" restart="never" nodeType="tmRoot"/>
+      </p:par>
+    </p:tnLst>
+  </p:timing>
 </p:sld>
 </file>
 
 <file path=ppt/theme/theme1.xml><?xml version="1.0" encoding="utf-8"?>
+<a:theme xmlns:a="http://schemas.openxmlformats.org/drawingml/2006/main" name="Deimos">
+  <a:themeElements>
+    <a:clrScheme name="Deimos">
+      <a:dk1>
+        <a:sysClr val="windowText" lastClr="000000"/>
+      </a:dk1>
+      <a:lt1>
+        <a:sysClr val="window" lastClr="FFFFFF"/>
+      </a:lt1>
+      <a:dk2>
+        <a:srgbClr val="464646"/>
+      </a:dk2>
+      <a:lt2>
+        <a:srgbClr val="DEF5FA"/>
+      </a:lt2>
+      <a:accent1>
+        <a:srgbClr val="2DA2BF"/>
+      </a:accent1>
+      <a:accent2>
+        <a:srgbClr val="DA1F28"/>
+      </a:accent2>
+      <a:accent3>
+        <a:srgbClr val="EB641B"/>
+      </a:accent3>
+      <a:accent4>
+        <a:srgbClr val="39639D"/>
+      </a:accent4>
+      <a:accent5>
+        <a:srgbClr val="474B78"/>
+      </a:accent5>
+      <a:accent6>
+        <a:srgbClr val="7D3C4A"/>
+      </a:accent6>
+      <a:hlink>
+        <a:srgbClr val="FF8119"/>
+      </a:hlink>
+      <a:folHlink>
+        <a:srgbClr val="44B9E8"/>
+      </a:folHlink>
+    </a:clrScheme>
+    <a:fontScheme name="Deimos">
+      <a:majorFont>
+        <a:latin typeface="Lucida Sans Unicode"/>
+        <a:ea typeface=""/>
+        <a:cs typeface=""/>
+        <a:font script="Jpan" typeface="ＭＳ Ｐゴシック"/>
+        <a:font script="Hang" typeface="맑은 고딕"/>
+        <a:font script="Hans" typeface="黑体"/>
+        <a:font script="Hant" typeface="微軟正黑體"/>
+        <a:font script="Arab" typeface="Arial"/>
+        <a:font script="Hebr" typeface="Arial"/>
+        <a:font script="Thai" typeface="Cordia New"/>
+        <a:font script="Ethi" typeface="Nyala"/>
+        <a:font script="Beng" typeface="Vrinda"/>
+        <a:font script="Gujr" typeface="Shruti"/>
+        <a:font script="Khmr" typeface="DaunPenh"/>
+        <a:font script="Knda" typeface="Tunga"/>
+        <a:font script="Guru" typeface="Raavi"/>
+        <a:font script="Cans" typeface="Euphemia"/>
+        <a:font script="Cher" typeface="Plantagenet Cherokee"/>
+        <a:font script="Yiii" typeface="Microsoft Yi Baiti"/>
+        <a:font script="Tibt" typeface="Microsoft Himalaya"/>
+        <a:font script="Thaa" typeface="MV Boli"/>
+        <a:font script="Deva" typeface="Mangal"/>
+        <a:font script="Telu" typeface="Gautami"/>
+        <a:font script="Taml" typeface="Latha"/>
+        <a:font script="Syrc" typeface="Estrangelo Edessa"/>
+        <a:font script="Orya" typeface="Kalinga"/>
+        <a:font script="Mlym" typeface="Kartika"/>
+        <a:font script="Laoo" typeface="DokChampa"/>
+        <a:font script="Sinh" typeface="Iskoola Pota"/>
+        <a:font script="Mong" typeface="Mongolian Baiti"/>
+        <a:font script="Uigh" typeface="Microsoft Uighur"/>
+      </a:majorFont>
+      <a:minorFont>
+        <a:latin typeface="Lucida Sans Unicode"/>
+        <a:ea typeface=""/>
+        <a:cs typeface=""/>
+        <a:font script="Jpan" typeface="ＭＳ Ｐゴシック"/>
+        <a:font script="Hang" typeface="맑은 고딕"/>
+        <a:font script="Hans" typeface="黑体"/>
+        <a:font script="Hant" typeface="微軟正黑體"/>
+        <a:font script="Arab" typeface="Arial"/>
+        <a:font script="Hebr" typeface="Arial"/>
+        <a:font script="Thai" typeface="Cordia New"/>
+        <a:font script="Ethi" typeface="Nyala"/>
+        <a:font script="Beng" typeface="Vrinda"/>
+        <a:font script="Gujr" typeface="Shruti"/>
+        <a:font script="Khmr" typeface="DaunPenh"/>
+        <a:font script="Knda" typeface="Tunga"/>
+        <a:font script="Guru" typeface="Raavi"/>
+        <a:font script="Cans" typeface="Euphemia"/>
+        <a:font script="Cher" typeface="Plantagenet Cherokee"/>
+        <a:font script="Yiii" typeface="Microsoft Yi Baiti"/>
+        <a:font script="Tibt" typeface="Microsoft Himalaya"/>
+        <a:font script="Thaa" typeface="MV Boli"/>
+        <a:font script="Deva" typeface="Mangal"/>
+        <a:font script="Telu" typeface="Gautami"/>
+        <a:font script="Taml" typeface="Latha"/>
+        <a:font script="Syrc" typeface="Estrangelo Edessa"/>
+        <a:font script="Orya" typeface="Kalinga"/>
+        <a:font script="Mlym" typeface="Kartika"/>
+        <a:font script="Laoo" typeface="DokChampa"/>
+        <a:font script="Sinh" typeface="Iskoola Pota"/>
+        <a:font script="Mong" typeface="Mongolian Baiti"/>
+        <a:font script="Uigh" typeface="Microsoft Uighur"/>
+      </a:minorFont>
+    </a:fontScheme>
+    <a:fmtScheme name="Deimos">
+      <a:fillStyleLst>
+        <a:solidFill>
+          <a:schemeClr val="phClr"/>
+        </a:solidFill>
+        <a:gradFill rotWithShape="1">
+          <a:gsLst>
+            <a:gs pos="0">
+              <a:schemeClr val="phClr">
+                <a:tint val="62000"/>
+                <a:satMod val="180000"/>
+              </a:schemeClr>
+            </a:gs>
+            <a:gs pos="65000">
+              <a:schemeClr val="phClr">
+                <a:tint val="32000"/>
+                <a:satMod val="250000"/>
+              </a:schemeClr>
+            </a:gs>
+            <a:gs pos="100000">
+              <a:schemeClr val="phClr">
+                <a:tint val="23000"/>
+                <a:satMod val="300000"/>
+              </a:schemeClr>
+            </a:gs>
+          </a:gsLst>
+          <a:lin ang="16200000" scaled="0"/>
+        </a:gradFill>
+        <a:gradFill rotWithShape="1">
+          <a:gsLst>
+            <a:gs pos="0">
+              <a:schemeClr val="phClr">
+                <a:shade val="15000"/>
+                <a:satMod val="180000"/>
+              </a:schemeClr>
+            </a:gs>
+            <a:gs pos="50000">
+              <a:schemeClr val="phClr">
+                <a:shade val="45000"/>
+                <a:satMod val="170000"/>
+              </a:schemeClr>
+            </a:gs>
+            <a:gs pos="70000">
+              <a:schemeClr val="phClr">
+                <a:tint val="99000"/>
+                <a:shade val="65000"/>
+                <a:satMod val="155000"/>
+              </a:schemeClr>
+            </a:gs>
+            <a:gs pos="100000">
+              <a:schemeClr val="phClr">
+                <a:tint val="95500"/>
+                <a:shade val="100000"/>
+                <a:satMod val="155000"/>
+              </a:schemeClr>
+            </a:gs>
+          </a:gsLst>
+          <a:lin ang="16200000" scaled="0"/>
+        </a:gradFill>
+      </a:fillStyleLst>
+      <a:lnStyleLst>
+        <a:ln w="9525" cap="flat" cmpd="sng" algn="ctr">
+          <a:solidFill>
+            <a:schemeClr val="phClr"/>
+          </a:solidFill>
+          <a:prstDash val="solid"/>
+        </a:ln>
+        <a:ln w="55000" cap="flat" cmpd="thickThin" algn="ctr">
+          <a:solidFill>
+            <a:schemeClr val="phClr"/>
+          </a:solidFill>
+          <a:prstDash val="solid"/>
+        </a:ln>
+        <a:ln w="63500" cap="flat" cmpd="thickThin" algn="ctr">
+          <a:solidFill>
+            <a:schemeClr val="phClr"/>
+          </a:solidFill>
+          <a:prstDash val="solid"/>
+        </a:ln>
+      </a:lnStyleLst>
+      <a:effectStyleLst>
+        <a:effectStyle>
+          <a:effectLst>
+            <a:outerShdw blurRad="50800" dist="38100" dir="5400000" rotWithShape="0">
+              <a:srgbClr val="000000">
+                <a:alpha val="35000"/>
+              </a:srgbClr>
+            </a:outerShdw>
+          </a:effectLst>
+        </a:effectStyle>
+        <a:effectStyle>
+          <a:effectLst>
+            <a:outerShdw blurRad="50800" dist="38100" dir="5400000" rotWithShape="0">
+              <a:srgbClr val="000000">
+                <a:alpha val="35000"/>
+              </a:srgbClr>
+            </a:outerShdw>
+          </a:effectLst>
+        </a:effectStyle>
+        <a:effectStyle>
+          <a:effectLst>
+            <a:outerShdw blurRad="63500" dist="38100" dir="5400000" rotWithShape="0">
+              <a:srgbClr val="000000">
+                <a:alpha val="45000"/>
+              </a:srgbClr>
+            </a:outerShdw>
+          </a:effectLst>
+          <a:scene3d>
+            <a:camera prst="orthographicFront" fov="0">
+              <a:rot lat="0" lon="0" rev="0"/>
+            </a:camera>
+            <a:lightRig rig="glow" dir="t">
+              <a:rot lat="0" lon="0" rev="6360000"/>
+            </a:lightRig>
+          </a:scene3d>
+          <a:sp3d contourW="1000" prstMaterial="flat">
+            <a:bevelT w="95250" h="101600"/>
+            <a:contourClr>
+              <a:schemeClr val="phClr">
+                <a:satMod val="300000"/>
+              </a:schemeClr>
+            </a:contourClr>
+          </a:sp3d>
+        </a:effectStyle>
+      </a:effectStyleLst>
+      <a:bgFillStyleLst>
+        <a:solidFill>
+          <a:schemeClr val="phClr"/>
+        </a:solidFill>
+        <a:gradFill rotWithShape="1">
+          <a:gsLst>
+            <a:gs pos="0">
+              <a:schemeClr val="phClr">
+                <a:tint val="55000"/>
+                <a:satMod val="300000"/>
+              </a:schemeClr>
+            </a:gs>
+            <a:gs pos="40000">
+              <a:schemeClr val="phClr">
+                <a:tint val="65000"/>
+                <a:satMod val="300000"/>
+              </a:schemeClr>
+            </a:gs>
+            <a:gs pos="100000">
+              <a:schemeClr val="phClr">
+                <a:shade val="65000"/>
+                <a:satMod val="300000"/>
+              </a:schemeClr>
+            </a:gs>
+          </a:gsLst>
+          <a:path path="circle">
+            <a:fillToRect l="65000" b="98000"/>
+          </a:path>
+        </a:gradFill>
+        <a:blipFill>
+          <a:blip xmlns:r="http://schemas.openxmlformats.org/officeDocument/2006/relationships" r:embed="rId1">
+            <a:duotone>
+              <a:schemeClr val="phClr">
+                <a:shade val="60000"/>
+                <a:satMod val="110000"/>
+              </a:schemeClr>
+              <a:schemeClr val="phClr">
+                <a:tint val="95000"/>
+              </a:schemeClr>
+            </a:duotone>
+          </a:blip>
+          <a:tile tx="0" ty="0" sx="50000" sy="50000" flip="none" algn="tl"/>
+        </a:blipFill>
+      </a:bgFillStyleLst>
+    </a:fmtScheme>
+  </a:themeElements>
+  <a:objectDefaults/>
+  <a:extraClrSchemeLst/>
+</a:theme>
+</file>
+
+<file path=ppt/theme/theme2.xml><?xml version="1.0" encoding="utf-8"?>
 <a:theme xmlns:a="http://schemas.openxmlformats.org/drawingml/2006/main" name="Larissa-Design">
   <a:themeElements>
     <a:clrScheme name="Larissa">

--- a/doc/Travelplaner.pptx
+++ b/doc/Travelplaner.pptx
@@ -5,7 +5,7 @@
     <p:sldMasterId id="2147483684" r:id="rId1"/>
   </p:sldMasterIdLst>
   <p:notesMasterIdLst>
-    <p:notesMasterId r:id="rId12"/>
+    <p:notesMasterId r:id="rId14"/>
   </p:notesMasterIdLst>
   <p:sldIdLst>
     <p:sldId id="256" r:id="rId2"/>
@@ -14,10 +14,12 @@
     <p:sldId id="258" r:id="rId5"/>
     <p:sldId id="259" r:id="rId6"/>
     <p:sldId id="264" r:id="rId7"/>
-    <p:sldId id="260" r:id="rId8"/>
-    <p:sldId id="262" r:id="rId9"/>
-    <p:sldId id="263" r:id="rId10"/>
-    <p:sldId id="261" r:id="rId11"/>
+    <p:sldId id="272" r:id="rId8"/>
+    <p:sldId id="273" r:id="rId9"/>
+    <p:sldId id="274" r:id="rId10"/>
+    <p:sldId id="275" r:id="rId11"/>
+    <p:sldId id="276" r:id="rId12"/>
+    <p:sldId id="271" r:id="rId13"/>
   </p:sldIdLst>
   <p:sldSz cx="9144000" cy="6858000" type="screen4x3"/>
   <p:notesSz cx="6858000" cy="9144000"/>
@@ -5561,7 +5563,7 @@
       </p:grpSpPr>
       <p:sp>
         <p:nvSpPr>
-          <p:cNvPr id="3" name="Inhaltsplatzhalter 2"/>
+          <p:cNvPr id="2" name="Inhaltsplatzhalter 1"/>
           <p:cNvSpPr>
             <a:spLocks noGrp="1"/>
           </p:cNvSpPr>
@@ -5576,7 +5578,38 @@
           <a:p>
             <a:r>
               <a:rPr lang="de-CH" dirty="0" smtClean="0"/>
-              <a:t>5min</a:t>
+              <a:t>Kapselung Simulation / Berechnung</a:t>
+            </a:r>
+          </a:p>
+          <a:p>
+            <a:r>
+              <a:rPr lang="de-CH" dirty="0" smtClean="0"/>
+              <a:t>Mehrere Fahrzeuge parallel / individuell</a:t>
+            </a:r>
+          </a:p>
+          <a:p>
+            <a:pPr lvl="1"/>
+            <a:r>
+              <a:rPr lang="de-CH" dirty="0" smtClean="0"/>
+              <a:t>Multithreading</a:t>
+            </a:r>
+          </a:p>
+          <a:p>
+            <a:r>
+              <a:rPr lang="de-CH" dirty="0" smtClean="0"/>
+              <a:t>Störung → </a:t>
+            </a:r>
+            <a:r>
+              <a:rPr lang="de-CH" dirty="0" err="1" smtClean="0"/>
+              <a:t>interrupt</a:t>
+            </a:r>
+            <a:r>
+              <a:rPr lang="de-CH" dirty="0" smtClean="0"/>
+              <a:t> → </a:t>
+            </a:r>
+            <a:r>
+              <a:rPr lang="de-CH" dirty="0" err="1" smtClean="0"/>
+              <a:t>recalc</a:t>
             </a:r>
             <a:endParaRPr lang="de-CH" dirty="0"/>
           </a:p>
@@ -5584,7 +5617,7 @@
       </p:sp>
       <p:sp>
         <p:nvSpPr>
-          <p:cNvPr id="2" name="Titel 1"/>
+          <p:cNvPr id="3" name="Titel 2"/>
           <p:cNvSpPr>
             <a:spLocks noGrp="1"/>
           </p:cNvSpPr>
@@ -5599,7 +5632,15 @@
           <a:p>
             <a:r>
               <a:rPr lang="de-CH" dirty="0" smtClean="0"/>
-              <a:t>Demo</a:t>
+              <a:t>Design IIII</a:t>
+            </a:r>
+            <a:r>
+              <a:rPr lang="de-CH" dirty="0" smtClean="0"/>
+              <a:t>	</a:t>
+            </a:r>
+            <a:r>
+              <a:rPr lang="de-CH" dirty="0" smtClean="0"/>
+              <a:t>Simulation</a:t>
             </a:r>
             <a:endParaRPr lang="de-CH" dirty="0"/>
           </a:p>
@@ -5610,13 +5651,224 @@
   <p:clrMapOvr>
     <a:masterClrMapping/>
   </p:clrMapOvr>
-  <p:timing>
-    <p:tnLst>
-      <p:par>
-        <p:cTn id="1" dur="indefinite" restart="never" nodeType="tmRoot"/>
-      </p:par>
-    </p:tnLst>
-  </p:timing>
+</p:sld>
+</file>
+
+<file path=ppt/slides/slide11.xml><?xml version="1.0" encoding="utf-8"?>
+<p:sld xmlns:a="http://schemas.openxmlformats.org/drawingml/2006/main" xmlns:r="http://schemas.openxmlformats.org/officeDocument/2006/relationships" xmlns:p="http://schemas.openxmlformats.org/presentationml/2006/main">
+  <p:cSld>
+    <p:spTree>
+      <p:nvGrpSpPr>
+        <p:cNvPr id="1" name=""/>
+        <p:cNvGrpSpPr/>
+        <p:nvPr/>
+      </p:nvGrpSpPr>
+      <p:grpSpPr>
+        <a:xfrm>
+          <a:off x="0" y="0"/>
+          <a:ext cx="0" cy="0"/>
+          <a:chOff x="0" y="0"/>
+          <a:chExt cx="0" cy="0"/>
+        </a:xfrm>
+      </p:grpSpPr>
+      <p:sp>
+        <p:nvSpPr>
+          <p:cNvPr id="2" name="Inhaltsplatzhalter 1"/>
+          <p:cNvSpPr>
+            <a:spLocks noGrp="1"/>
+          </p:cNvSpPr>
+          <p:nvPr>
+            <p:ph idx="1"/>
+          </p:nvPr>
+        </p:nvSpPr>
+        <p:spPr/>
+        <p:txBody>
+          <a:bodyPr/>
+          <a:lstStyle/>
+          <a:p>
+            <a:r>
+              <a:rPr lang="de-CH" dirty="0" smtClean="0"/>
+              <a:t>Java SE 7</a:t>
+            </a:r>
+          </a:p>
+          <a:p>
+            <a:pPr lvl="1"/>
+            <a:r>
+              <a:rPr lang="de-CH" dirty="0" smtClean="0"/>
+              <a:t>Swing</a:t>
+            </a:r>
+          </a:p>
+          <a:p>
+            <a:r>
+              <a:rPr lang="de-CH" dirty="0" err="1" smtClean="0"/>
+              <a:t>JGraphT</a:t>
+            </a:r>
+            <a:endParaRPr lang="de-CH" dirty="0" smtClean="0"/>
+          </a:p>
+          <a:p>
+            <a:r>
+              <a:rPr lang="de-CH" dirty="0" smtClean="0"/>
+              <a:t>JPA 2.1 (</a:t>
+            </a:r>
+            <a:r>
+              <a:rPr lang="de-CH" dirty="0" err="1" smtClean="0"/>
+              <a:t>EclipseLink</a:t>
+            </a:r>
+            <a:r>
+              <a:rPr lang="de-CH" dirty="0" smtClean="0"/>
+              <a:t> 2.5.1)</a:t>
+            </a:r>
+          </a:p>
+          <a:p>
+            <a:r>
+              <a:rPr lang="de-CH" dirty="0" smtClean="0"/>
+              <a:t>HSQL DB</a:t>
+            </a:r>
+          </a:p>
+          <a:p>
+            <a:r>
+              <a:rPr lang="de-CH" dirty="0" err="1" smtClean="0"/>
+              <a:t>Junit</a:t>
+            </a:r>
+            <a:r>
+              <a:rPr lang="de-CH" dirty="0" smtClean="0"/>
+              <a:t> 4</a:t>
+            </a:r>
+          </a:p>
+          <a:p>
+            <a:endParaRPr lang="de-CH" dirty="0"/>
+          </a:p>
+        </p:txBody>
+      </p:sp>
+      <p:sp>
+        <p:nvSpPr>
+          <p:cNvPr id="3" name="Titel 2"/>
+          <p:cNvSpPr>
+            <a:spLocks noGrp="1"/>
+          </p:cNvSpPr>
+          <p:nvPr>
+            <p:ph type="title"/>
+          </p:nvPr>
+        </p:nvSpPr>
+        <p:spPr/>
+        <p:txBody>
+          <a:bodyPr/>
+          <a:lstStyle/>
+          <a:p>
+            <a:r>
+              <a:rPr lang="de-CH" dirty="0" smtClean="0"/>
+              <a:t>Technologien</a:t>
+            </a:r>
+            <a:endParaRPr lang="de-CH" dirty="0"/>
+          </a:p>
+        </p:txBody>
+      </p:sp>
+    </p:spTree>
+  </p:cSld>
+  <p:clrMapOvr>
+    <a:masterClrMapping/>
+  </p:clrMapOvr>
+</p:sld>
+</file>
+
+<file path=ppt/slides/slide12.xml><?xml version="1.0" encoding="utf-8"?>
+<p:sld xmlns:a="http://schemas.openxmlformats.org/drawingml/2006/main" xmlns:r="http://schemas.openxmlformats.org/officeDocument/2006/relationships" xmlns:p="http://schemas.openxmlformats.org/presentationml/2006/main">
+  <p:cSld>
+    <p:spTree>
+      <p:nvGrpSpPr>
+        <p:cNvPr id="1" name=""/>
+        <p:cNvGrpSpPr/>
+        <p:nvPr/>
+      </p:nvGrpSpPr>
+      <p:grpSpPr>
+        <a:xfrm>
+          <a:off x="0" y="0"/>
+          <a:ext cx="0" cy="0"/>
+          <a:chOff x="0" y="0"/>
+          <a:chExt cx="0" cy="0"/>
+        </a:xfrm>
+      </p:grpSpPr>
+      <p:sp>
+        <p:nvSpPr>
+          <p:cNvPr id="99" name="TextShape 1"/>
+          <p:cNvSpPr txBox="1"/>
+          <p:nvPr/>
+        </p:nvSpPr>
+        <p:spPr>
+          <a:xfrm>
+            <a:off x="457200" y="274680"/>
+            <a:ext cx="8229240" cy="1142640"/>
+          </a:xfrm>
+          <a:prstGeom prst="rect">
+            <a:avLst/>
+          </a:prstGeom>
+        </p:spPr>
+        <p:txBody>
+          <a:bodyPr anchor="ctr"/>
+          <a:lstStyle/>
+          <a:p>
+            <a:pPr algn="ctr">
+              <a:lnSpc>
+                <a:spcPct val="100000"/>
+              </a:lnSpc>
+            </a:pPr>
+            <a:r>
+              <a:rPr lang="de-DE" sz="4400">
+                <a:solidFill>
+                  <a:srgbClr val="000000"/>
+                </a:solidFill>
+                <a:latin typeface="Calibri"/>
+              </a:rPr>
+              <a:t>Demo</a:t>
+            </a:r>
+            <a:endParaRPr/>
+          </a:p>
+        </p:txBody>
+      </p:sp>
+      <p:sp>
+        <p:nvSpPr>
+          <p:cNvPr id="100" name="TextShape 2"/>
+          <p:cNvSpPr txBox="1"/>
+          <p:nvPr/>
+        </p:nvSpPr>
+        <p:spPr>
+          <a:xfrm>
+            <a:off x="457200" y="1600200"/>
+            <a:ext cx="8229240" cy="4525560"/>
+          </a:xfrm>
+          <a:prstGeom prst="rect">
+            <a:avLst/>
+          </a:prstGeom>
+        </p:spPr>
+        <p:txBody>
+          <a:bodyPr/>
+          <a:lstStyle/>
+          <a:p>
+            <a:pPr>
+              <a:lnSpc>
+                <a:spcPct val="100000"/>
+              </a:lnSpc>
+              <a:buFont typeface="Arial"/>
+              <a:buChar char="•"/>
+            </a:pPr>
+            <a:r>
+              <a:rPr lang="de-DE" sz="3200">
+                <a:solidFill>
+                  <a:srgbClr val="000000"/>
+                </a:solidFill>
+                <a:latin typeface="Calibri"/>
+              </a:rPr>
+              <a:t>5min</a:t>
+            </a:r>
+            <a:endParaRPr/>
+          </a:p>
+        </p:txBody>
+      </p:sp>
+    </p:spTree>
+  </p:cSld>
+  <p:clrMapOvr>
+    <a:masterClrMapping/>
+  </p:clrMapOvr>
 </p:sld>
 </file>
 
@@ -6251,7 +6503,7 @@
       </p:grpSpPr>
       <p:sp>
         <p:nvSpPr>
-          <p:cNvPr id="3" name="Inhaltsplatzhalter 2"/>
+          <p:cNvPr id="2" name="Inhaltsplatzhalter 1"/>
           <p:cNvSpPr>
             <a:spLocks noGrp="1"/>
           </p:cNvSpPr>
@@ -6266,68 +6518,37 @@
           <a:p>
             <a:r>
               <a:rPr lang="de-CH" dirty="0" smtClean="0"/>
-              <a:t>Patterns (MVC, Singleton (</a:t>
-            </a:r>
+              <a:t>Aufbau Applikation</a:t>
+            </a:r>
+          </a:p>
+          <a:p>
+            <a:pPr lvl="1"/>
             <a:r>
               <a:rPr lang="de-CH" dirty="0" err="1" smtClean="0"/>
-              <a:t>dao</a:t>
-            </a:r>
+              <a:t>Mapeditor</a:t>
+            </a:r>
+            <a:endParaRPr lang="de-CH" dirty="0" smtClean="0"/>
+          </a:p>
+          <a:p>
+            <a:pPr lvl="1"/>
             <a:r>
               <a:rPr lang="de-CH" dirty="0" smtClean="0"/>
-              <a:t>))</a:t>
-            </a:r>
-          </a:p>
-          <a:p>
+              <a:t>Flotten Editor</a:t>
+            </a:r>
+          </a:p>
+          <a:p>
+            <a:pPr lvl="1"/>
             <a:r>
               <a:rPr lang="de-CH" dirty="0" smtClean="0"/>
-              <a:t>Aufbau </a:t>
-            </a:r>
-            <a:r>
-              <a:rPr lang="de-CH" dirty="0" err="1" smtClean="0"/>
-              <a:t>appl</a:t>
-            </a:r>
-            <a:r>
-              <a:rPr lang="de-CH" dirty="0" smtClean="0"/>
-              <a:t>(</a:t>
-            </a:r>
-            <a:r>
-              <a:rPr lang="de-CH" dirty="0" err="1" smtClean="0"/>
-              <a:t>fz,map,simul</a:t>
-            </a:r>
-            <a:r>
-              <a:rPr lang="de-CH" dirty="0" smtClean="0"/>
-              <a:t>)</a:t>
-            </a:r>
-          </a:p>
-          <a:p>
-            <a:r>
-              <a:rPr lang="de-CH" dirty="0" smtClean="0"/>
-              <a:t>Solver (</a:t>
-            </a:r>
-            <a:r>
-              <a:rPr lang="de-CH" dirty="0" err="1" smtClean="0"/>
-              <a:t>Map</a:t>
-            </a:r>
-            <a:r>
-              <a:rPr lang="de-CH" dirty="0" smtClean="0"/>
-              <a:t>-&gt;Graph)</a:t>
-            </a:r>
-          </a:p>
-          <a:p>
+              <a:t>Simulation</a:t>
+            </a:r>
             <a:endParaRPr lang="de-CH" dirty="0"/>
           </a:p>
-          <a:p>
-            <a:r>
-              <a:rPr lang="de-CH" dirty="0" smtClean="0"/>
-              <a:t>5min</a:t>
-            </a:r>
-            <a:endParaRPr lang="de-CH" dirty="0"/>
-          </a:p>
-        </p:txBody>
-      </p:sp>
-      <p:sp>
-        <p:nvSpPr>
-          <p:cNvPr id="2" name="Titel 1"/>
+        </p:txBody>
+      </p:sp>
+      <p:sp>
+        <p:nvSpPr>
+          <p:cNvPr id="3" name="Titel 2"/>
           <p:cNvSpPr>
             <a:spLocks noGrp="1"/>
           </p:cNvSpPr>
@@ -6342,7 +6563,7 @@
           <a:p>
             <a:r>
               <a:rPr lang="de-CH" dirty="0" smtClean="0"/>
-              <a:t>Design</a:t>
+              <a:t>Design I</a:t>
             </a:r>
             <a:endParaRPr lang="de-CH" dirty="0"/>
           </a:p>
@@ -6353,13 +6574,6 @@
   <p:clrMapOvr>
     <a:masterClrMapping/>
   </p:clrMapOvr>
-  <p:timing>
-    <p:tnLst>
-      <p:par>
-        <p:cTn id="1" dur="indefinite" restart="never" nodeType="tmRoot"/>
-      </p:par>
-    </p:tnLst>
-  </p:timing>
 </p:sld>
 </file>
 
@@ -6382,7 +6596,7 @@
       </p:grpSpPr>
       <p:sp>
         <p:nvSpPr>
-          <p:cNvPr id="3" name="Inhaltsplatzhalter 2"/>
+          <p:cNvPr id="2" name="Inhaltsplatzhalter 1"/>
           <p:cNvSpPr>
             <a:spLocks noGrp="1"/>
           </p:cNvSpPr>
@@ -6397,35 +6611,45 @@
           <a:p>
             <a:r>
               <a:rPr lang="de-CH" dirty="0" smtClean="0"/>
-              <a:t>Simulation / Thread</a:t>
-            </a:r>
-          </a:p>
-          <a:p>
-            <a:r>
-              <a:rPr lang="de-CH" dirty="0" smtClean="0"/>
-              <a:t>Störungen</a:t>
-            </a:r>
-          </a:p>
-          <a:p>
-            <a:endParaRPr lang="de-CH" dirty="0"/>
-          </a:p>
-          <a:p>
+              <a:t>MVC Architektur</a:t>
+            </a:r>
+          </a:p>
+          <a:p>
+            <a:pPr lvl="1"/>
+            <a:r>
+              <a:rPr lang="de-DE" dirty="0" err="1" smtClean="0"/>
+              <a:t>java.util.Observer</a:t>
+            </a:r>
             <a:endParaRPr lang="de-CH" dirty="0" smtClean="0"/>
           </a:p>
           <a:p>
-            <a:r>
-              <a:rPr lang="de-CH" dirty="0" smtClean="0"/>
-              <a:t>3min</a:t>
-            </a:r>
-          </a:p>
-          <a:p>
-            <a:endParaRPr lang="de-CH" dirty="0"/>
-          </a:p>
-        </p:txBody>
-      </p:sp>
-      <p:sp>
-        <p:nvSpPr>
-          <p:cNvPr id="2" name="Titel 1"/>
+            <a:pPr lvl="0"/>
+            <a:r>
+              <a:rPr lang="de-DE" dirty="0" smtClean="0"/>
+              <a:t>Patterns: Bsp. Singleton (</a:t>
+            </a:r>
+            <a:r>
+              <a:rPr lang="de-DE" dirty="0" smtClean="0"/>
+              <a:t>DAO </a:t>
+            </a:r>
+            <a:r>
+              <a:rPr lang="de-DE" dirty="0" smtClean="0"/>
+              <a:t>Klassen) </a:t>
+            </a:r>
+            <a:endParaRPr lang="de-CH" dirty="0" smtClean="0"/>
+          </a:p>
+          <a:p>
+            <a:endParaRPr lang="de-CH" dirty="0" smtClean="0"/>
+          </a:p>
+          <a:p>
+            <a:pPr lvl="1"/>
+            <a:endParaRPr lang="de-DE" dirty="0" smtClean="0"/>
+          </a:p>
+        </p:txBody>
+      </p:sp>
+      <p:sp>
+        <p:nvSpPr>
+          <p:cNvPr id="3" name="Titel 2"/>
           <p:cNvSpPr>
             <a:spLocks noGrp="1"/>
           </p:cNvSpPr>
@@ -6439,12 +6663,8 @@
           <a:lstStyle/>
           <a:p>
             <a:r>
-              <a:rPr lang="de-CH" dirty="0" err="1" smtClean="0"/>
-              <a:t>Desing</a:t>
-            </a:r>
-            <a:r>
               <a:rPr lang="de-CH" dirty="0" smtClean="0"/>
-              <a:t> II</a:t>
+              <a:t>Design II</a:t>
             </a:r>
             <a:endParaRPr lang="de-CH" dirty="0"/>
           </a:p>
@@ -6455,13 +6675,6 @@
   <p:clrMapOvr>
     <a:masterClrMapping/>
   </p:clrMapOvr>
-  <p:timing>
-    <p:tnLst>
-      <p:par>
-        <p:cTn id="1" dur="indefinite" restart="never" nodeType="tmRoot"/>
-      </p:par>
-    </p:tnLst>
-  </p:timing>
 </p:sld>
 </file>
 
@@ -6484,12 +6697,12 @@
       </p:grpSpPr>
       <p:sp>
         <p:nvSpPr>
-          <p:cNvPr id="3" name="Inhaltsplatzhalter 2"/>
-          <p:cNvSpPr>
-            <a:spLocks noGrp="1"/>
-          </p:cNvSpPr>
-          <p:nvPr>
-            <p:ph idx="1"/>
+          <p:cNvPr id="3" name="Titel 2"/>
+          <p:cNvSpPr>
+            <a:spLocks noGrp="1"/>
+          </p:cNvSpPr>
+          <p:nvPr>
+            <p:ph type="title"/>
           </p:nvPr>
         </p:nvSpPr>
         <p:spPr/>
@@ -6498,47 +6711,8 @@
           <a:lstStyle/>
           <a:p>
             <a:r>
-              <a:rPr lang="de-CH" dirty="0" err="1" smtClean="0"/>
-              <a:t>Jgrapht</a:t>
-            </a:r>
-            <a:endParaRPr lang="de-CH" dirty="0" smtClean="0"/>
-          </a:p>
-          <a:p>
-            <a:r>
               <a:rPr lang="de-CH" dirty="0" smtClean="0"/>
-              <a:t>Java se7</a:t>
-            </a:r>
-          </a:p>
-          <a:p>
-            <a:r>
-              <a:rPr lang="de-CH" dirty="0" smtClean="0"/>
-              <a:t>Swing</a:t>
-            </a:r>
-          </a:p>
-          <a:p>
-            <a:r>
-              <a:rPr lang="de-CH" dirty="0" err="1" smtClean="0"/>
-              <a:t>Jpa</a:t>
-            </a:r>
-            <a:endParaRPr lang="de-CH" dirty="0" smtClean="0"/>
-          </a:p>
-          <a:p>
-            <a:r>
-              <a:rPr lang="de-CH" dirty="0" err="1" smtClean="0"/>
-              <a:t>Junit</a:t>
-            </a:r>
-            <a:r>
-              <a:rPr lang="de-CH" dirty="0" smtClean="0"/>
-              <a:t> 4</a:t>
-            </a:r>
-          </a:p>
-          <a:p>
-            <a:endParaRPr lang="de-CH" dirty="0" smtClean="0"/>
-          </a:p>
-          <a:p>
-            <a:r>
-              <a:rPr lang="de-CH" dirty="0" smtClean="0"/>
-              <a:t>2 min</a:t>
+              <a:t>Design III</a:t>
             </a:r>
             <a:endParaRPr lang="de-CH" dirty="0"/>
           </a:p>
@@ -6546,12 +6720,12 @@
       </p:sp>
       <p:sp>
         <p:nvSpPr>
-          <p:cNvPr id="2" name="Titel 1"/>
-          <p:cNvSpPr>
-            <a:spLocks noGrp="1"/>
-          </p:cNvSpPr>
-          <p:nvPr>
-            <p:ph type="title"/>
+          <p:cNvPr id="5" name="Inhaltsplatzhalter 4"/>
+          <p:cNvSpPr>
+            <a:spLocks noGrp="1"/>
+          </p:cNvSpPr>
+          <p:nvPr>
+            <p:ph idx="1"/>
           </p:nvPr>
         </p:nvSpPr>
         <p:spPr/>
@@ -6561,24 +6735,48 @@
           <a:p>
             <a:r>
               <a:rPr lang="de-CH" dirty="0" smtClean="0"/>
-              <a:t>Technologien</a:t>
-            </a:r>
+              <a:t>Pfadberechnung</a:t>
+            </a:r>
+          </a:p>
+          <a:p>
+            <a:endParaRPr lang="de-CH" dirty="0" smtClean="0"/>
+          </a:p>
+          <a:p>
             <a:endParaRPr lang="de-CH" dirty="0"/>
           </a:p>
         </p:txBody>
       </p:sp>
+      <p:pic>
+        <p:nvPicPr>
+          <p:cNvPr id="1028" name="Picture 4" descr="C:\Users\dimitri.haemmerli\Desktop\solver.jpg"/>
+          <p:cNvPicPr>
+            <a:picLocks noChangeAspect="1" noChangeArrowheads="1"/>
+          </p:cNvPicPr>
+          <p:nvPr/>
+        </p:nvPicPr>
+        <p:blipFill>
+          <a:blip r:embed="rId2" cstate="print"/>
+          <a:srcRect t="27106" b="25459"/>
+          <a:stretch>
+            <a:fillRect/>
+          </a:stretch>
+        </p:blipFill>
+        <p:spPr bwMode="auto">
+          <a:xfrm>
+            <a:off x="683568" y="2492896"/>
+            <a:ext cx="7299924" cy="2448272"/>
+          </a:xfrm>
+          <a:prstGeom prst="rect">
+            <a:avLst/>
+          </a:prstGeom>
+          <a:noFill/>
+        </p:spPr>
+      </p:pic>
     </p:spTree>
   </p:cSld>
   <p:clrMapOvr>
     <a:masterClrMapping/>
   </p:clrMapOvr>
-  <p:timing>
-    <p:tnLst>
-      <p:par>
-        <p:cTn id="1" dur="indefinite" restart="never" nodeType="tmRoot"/>
-      </p:par>
-    </p:tnLst>
-  </p:timing>
 </p:sld>
 </file>
 

--- a/doc/Travelplaner.pptx
+++ b/doc/Travelplaner.pptx
@@ -19,7 +19,7 @@
     <p:sldId id="274" r:id="rId10"/>
     <p:sldId id="275" r:id="rId11"/>
     <p:sldId id="276" r:id="rId12"/>
-    <p:sldId id="271" r:id="rId13"/>
+    <p:sldId id="277" r:id="rId13"/>
   </p:sldIdLst>
   <p:sldSz cx="9144000" cy="6858000" type="screen4x3"/>
   <p:notesSz cx="6858000" cy="9144000"/>
@@ -553,11 +553,7 @@
           <a:p>
             <a:r>
               <a:rPr lang="de-CH" dirty="0" smtClean="0"/>
-              <a:t>1 </a:t>
-            </a:r>
-            <a:r>
-              <a:rPr lang="de-CH" dirty="0" smtClean="0"/>
-              <a:t>min</a:t>
+              <a:t>1 min</a:t>
             </a:r>
             <a:endParaRPr lang="de-CH" dirty="0"/>
           </a:p>
@@ -5632,15 +5628,7 @@
           <a:p>
             <a:r>
               <a:rPr lang="de-CH" dirty="0" smtClean="0"/>
-              <a:t>Design IIII</a:t>
-            </a:r>
-            <a:r>
-              <a:rPr lang="de-CH" dirty="0" smtClean="0"/>
-              <a:t>	</a:t>
-            </a:r>
-            <a:r>
-              <a:rPr lang="de-CH" dirty="0" smtClean="0"/>
-              <a:t>Simulation</a:t>
+              <a:t>Design IIII	Simulation</a:t>
             </a:r>
             <a:endParaRPr lang="de-CH" dirty="0"/>
           </a:p>
@@ -5790,80 +5778,76 @@
       </p:grpSpPr>
       <p:sp>
         <p:nvSpPr>
-          <p:cNvPr id="99" name="TextShape 1"/>
-          <p:cNvSpPr txBox="1"/>
+          <p:cNvPr id="2" name="Inhaltsplatzhalter 1"/>
+          <p:cNvSpPr>
+            <a:spLocks noGrp="1"/>
+          </p:cNvSpPr>
+          <p:nvPr>
+            <p:ph idx="1"/>
+          </p:nvPr>
+        </p:nvSpPr>
+        <p:spPr/>
+        <p:txBody>
+          <a:bodyPr/>
+          <a:lstStyle/>
+          <a:p>
+            <a:endParaRPr lang="de-CH"/>
+          </a:p>
+        </p:txBody>
+      </p:sp>
+      <p:sp>
+        <p:nvSpPr>
+          <p:cNvPr id="3" name="Titel 2"/>
+          <p:cNvSpPr>
+            <a:spLocks noGrp="1"/>
+          </p:cNvSpPr>
+          <p:nvPr>
+            <p:ph type="title"/>
+          </p:nvPr>
+        </p:nvSpPr>
+        <p:spPr/>
+        <p:txBody>
+          <a:bodyPr/>
+          <a:lstStyle/>
+          <a:p>
+            <a:r>
+              <a:rPr lang="de-CH" dirty="0" smtClean="0"/>
+              <a:t>Demo</a:t>
+            </a:r>
+            <a:endParaRPr lang="de-CH" dirty="0"/>
+          </a:p>
+        </p:txBody>
+      </p:sp>
+      <p:pic>
+        <p:nvPicPr>
+          <p:cNvPr id="4" name="Grafik 3"/>
+          <p:cNvPicPr/>
           <p:nvPr/>
-        </p:nvSpPr>
-        <p:spPr>
+        </p:nvPicPr>
+        <p:blipFill>
+          <a:blip r:embed="rId2" cstate="print"/>
+          <a:srcRect/>
+          <a:stretch>
+            <a:fillRect/>
+          </a:stretch>
+        </p:blipFill>
+        <p:spPr bwMode="auto">
           <a:xfrm>
-            <a:off x="457200" y="274680"/>
-            <a:ext cx="8229240" cy="1142640"/>
+            <a:off x="1403648" y="1268760"/>
+            <a:ext cx="6696744" cy="4896544"/>
           </a:xfrm>
           <a:prstGeom prst="rect">
             <a:avLst/>
           </a:prstGeom>
+          <a:noFill/>
+          <a:ln w="9525">
+            <a:noFill/>
+            <a:miter lim="800000"/>
+            <a:headEnd/>
+            <a:tailEnd/>
+          </a:ln>
         </p:spPr>
-        <p:txBody>
-          <a:bodyPr anchor="ctr"/>
-          <a:lstStyle/>
-          <a:p>
-            <a:pPr algn="ctr">
-              <a:lnSpc>
-                <a:spcPct val="100000"/>
-              </a:lnSpc>
-            </a:pPr>
-            <a:r>
-              <a:rPr lang="de-DE" sz="4400">
-                <a:solidFill>
-                  <a:srgbClr val="000000"/>
-                </a:solidFill>
-                <a:latin typeface="Calibri"/>
-              </a:rPr>
-              <a:t>Demo</a:t>
-            </a:r>
-            <a:endParaRPr/>
-          </a:p>
-        </p:txBody>
-      </p:sp>
-      <p:sp>
-        <p:nvSpPr>
-          <p:cNvPr id="100" name="TextShape 2"/>
-          <p:cNvSpPr txBox="1"/>
-          <p:nvPr/>
-        </p:nvSpPr>
-        <p:spPr>
-          <a:xfrm>
-            <a:off x="457200" y="1600200"/>
-            <a:ext cx="8229240" cy="4525560"/>
-          </a:xfrm>
-          <a:prstGeom prst="rect">
-            <a:avLst/>
-          </a:prstGeom>
-        </p:spPr>
-        <p:txBody>
-          <a:bodyPr/>
-          <a:lstStyle/>
-          <a:p>
-            <a:pPr>
-              <a:lnSpc>
-                <a:spcPct val="100000"/>
-              </a:lnSpc>
-              <a:buFont typeface="Arial"/>
-              <a:buChar char="•"/>
-            </a:pPr>
-            <a:r>
-              <a:rPr lang="de-DE" sz="3200">
-                <a:solidFill>
-                  <a:srgbClr val="000000"/>
-                </a:solidFill>
-                <a:latin typeface="Calibri"/>
-              </a:rPr>
-              <a:t>5min</a:t>
-            </a:r>
-            <a:endParaRPr/>
-          </a:p>
-        </p:txBody>
-      </p:sp>
+      </p:pic>
     </p:spTree>
   </p:cSld>
   <p:clrMapOvr>
@@ -5926,7 +5910,6 @@
               <a:rPr lang="de-CH" dirty="0" smtClean="0"/>
               <a:t>Design</a:t>
             </a:r>
-            <a:endParaRPr lang="de-CH" dirty="0" smtClean="0"/>
           </a:p>
           <a:p>
             <a:r>
@@ -6436,7 +6419,6 @@
               <a:rPr lang="de-CH" dirty="0" smtClean="0"/>
               <a:t>Sprintziele</a:t>
             </a:r>
-            <a:endParaRPr lang="de-CH" dirty="0" smtClean="0"/>
           </a:p>
           <a:p>
             <a:endParaRPr lang="de-CH" dirty="0" smtClean="0"/>
@@ -6626,15 +6608,7 @@
             <a:pPr lvl="0"/>
             <a:r>
               <a:rPr lang="de-DE" dirty="0" smtClean="0"/>
-              <a:t>Patterns: Bsp. Singleton (</a:t>
-            </a:r>
-            <a:r>
-              <a:rPr lang="de-DE" dirty="0" smtClean="0"/>
-              <a:t>DAO </a:t>
-            </a:r>
-            <a:r>
-              <a:rPr lang="de-DE" dirty="0" smtClean="0"/>
-              <a:t>Klassen) </a:t>
+              <a:t>Patterns: Bsp. Singleton (DAO Klassen) </a:t>
             </a:r>
             <a:endParaRPr lang="de-CH" dirty="0" smtClean="0"/>
           </a:p>

--- a/doc/Travelplaner.pptx
+++ b/doc/Travelplaner.pptx
@@ -204,7 +204,7 @@
             <a:fld id="{20A8E737-BDE3-4182-9248-90E76ACCF5B8}" type="datetimeFigureOut">
               <a:rPr lang="de-CH" smtClean="0"/>
               <a:pPr/>
-              <a:t>16.01.2014</a:t>
+              <a:t>17.01.2014</a:t>
             </a:fld>
             <a:endParaRPr lang="de-CH"/>
           </a:p>
@@ -1590,7 +1590,7 @@
             <a:fld id="{3C443DA0-1E00-47BC-B1FF-D9B0CE983651}" type="datetimeFigureOut">
               <a:rPr lang="de-CH" smtClean="0"/>
               <a:pPr/>
-              <a:t>16.01.2014</a:t>
+              <a:t>17.01.2014</a:t>
             </a:fld>
             <a:endParaRPr lang="de-CH"/>
           </a:p>
@@ -1788,7 +1788,7 @@
             <a:fld id="{3C443DA0-1E00-47BC-B1FF-D9B0CE983651}" type="datetimeFigureOut">
               <a:rPr lang="de-CH" smtClean="0"/>
               <a:pPr/>
-              <a:t>16.01.2014</a:t>
+              <a:t>17.01.2014</a:t>
             </a:fld>
             <a:endParaRPr lang="de-CH"/>
           </a:p>
@@ -1975,7 +1975,7 @@
             <a:fld id="{3C443DA0-1E00-47BC-B1FF-D9B0CE983651}" type="datetimeFigureOut">
               <a:rPr lang="de-CH" smtClean="0"/>
               <a:pPr/>
-              <a:t>16.01.2014</a:t>
+              <a:t>17.01.2014</a:t>
             </a:fld>
             <a:endParaRPr lang="de-CH"/>
           </a:p>
@@ -2127,7 +2127,7 @@
             <a:fld id="{3C443DA0-1E00-47BC-B1FF-D9B0CE983651}" type="datetimeFigureOut">
               <a:rPr lang="de-CH" smtClean="0"/>
               <a:pPr/>
-              <a:t>16.01.2014</a:t>
+              <a:t>17.01.2014</a:t>
             </a:fld>
             <a:endParaRPr lang="de-CH"/>
           </a:p>
@@ -2384,7 +2384,7 @@
             <a:fld id="{3C443DA0-1E00-47BC-B1FF-D9B0CE983651}" type="datetimeFigureOut">
               <a:rPr lang="de-CH" smtClean="0"/>
               <a:pPr/>
-              <a:t>16.01.2014</a:t>
+              <a:t>17.01.2014</a:t>
             </a:fld>
             <a:endParaRPr lang="de-CH"/>
           </a:p>
@@ -2795,7 +2795,7 @@
             <a:fld id="{3C443DA0-1E00-47BC-B1FF-D9B0CE983651}" type="datetimeFigureOut">
               <a:rPr lang="de-CH" smtClean="0"/>
               <a:pPr/>
-              <a:t>16.01.2014</a:t>
+              <a:t>17.01.2014</a:t>
             </a:fld>
             <a:endParaRPr lang="de-CH"/>
           </a:p>
@@ -3243,7 +3243,7 @@
             <a:fld id="{3C443DA0-1E00-47BC-B1FF-D9B0CE983651}" type="datetimeFigureOut">
               <a:rPr lang="de-CH" smtClean="0"/>
               <a:pPr/>
-              <a:t>16.01.2014</a:t>
+              <a:t>17.01.2014</a:t>
             </a:fld>
             <a:endParaRPr lang="de-CH"/>
           </a:p>
@@ -3346,7 +3346,7 @@
             <a:fld id="{3C443DA0-1E00-47BC-B1FF-D9B0CE983651}" type="datetimeFigureOut">
               <a:rPr lang="de-CH" smtClean="0"/>
               <a:pPr/>
-              <a:t>16.01.2014</a:t>
+              <a:t>17.01.2014</a:t>
             </a:fld>
             <a:endParaRPr lang="de-CH"/>
           </a:p>
@@ -3469,7 +3469,7 @@
             <a:fld id="{3C443DA0-1E00-47BC-B1FF-D9B0CE983651}" type="datetimeFigureOut">
               <a:rPr lang="de-CH" smtClean="0"/>
               <a:pPr/>
-              <a:t>16.01.2014</a:t>
+              <a:t>17.01.2014</a:t>
             </a:fld>
             <a:endParaRPr lang="de-CH"/>
           </a:p>
@@ -3745,7 +3745,7 @@
             <a:fld id="{3C443DA0-1E00-47BC-B1FF-D9B0CE983651}" type="datetimeFigureOut">
               <a:rPr lang="de-CH" smtClean="0"/>
               <a:pPr/>
-              <a:t>16.01.2014</a:t>
+              <a:t>17.01.2014</a:t>
             </a:fld>
             <a:endParaRPr lang="de-CH"/>
           </a:p>
@@ -3952,7 +3952,7 @@
             <a:fld id="{3C443DA0-1E00-47BC-B1FF-D9B0CE983651}" type="datetimeFigureOut">
               <a:rPr lang="de-CH" smtClean="0"/>
               <a:pPr/>
-              <a:t>16.01.2014</a:t>
+              <a:t>17.01.2014</a:t>
             </a:fld>
             <a:endParaRPr lang="de-CH"/>
           </a:p>
@@ -5063,7 +5063,7 @@
             <a:fld id="{3C443DA0-1E00-47BC-B1FF-D9B0CE983651}" type="datetimeFigureOut">
               <a:rPr lang="de-CH" smtClean="0"/>
               <a:pPr/>
-              <a:t>16.01.2014</a:t>
+              <a:t>17.01.2014</a:t>
             </a:fld>
             <a:endParaRPr lang="de-CH"/>
           </a:p>
@@ -6411,7 +6411,11 @@
           <a:p>
             <a:r>
               <a:rPr lang="de-CH" dirty="0" smtClean="0"/>
-              <a:t>3 Sprints =&gt; iterative Entwicklung</a:t>
+              <a:t>3 (4) </a:t>
+            </a:r>
+            <a:r>
+              <a:rPr lang="de-CH" dirty="0" smtClean="0"/>
+              <a:t>Sprints =&gt; iterative Entwicklung</a:t>
             </a:r>
           </a:p>
           <a:p>
@@ -6451,6 +6455,32 @@
           </a:p>
         </p:txBody>
       </p:sp>
+      <p:pic>
+        <p:nvPicPr>
+          <p:cNvPr id="8194" name="Picture 2" descr="http://www.fillaus.de/wp-content/uploads/2011/11/iteration.png"/>
+          <p:cNvPicPr>
+            <a:picLocks noChangeAspect="1" noChangeArrowheads="1"/>
+          </p:cNvPicPr>
+          <p:nvPr/>
+        </p:nvPicPr>
+        <p:blipFill>
+          <a:blip r:embed="rId3" cstate="print"/>
+          <a:srcRect/>
+          <a:stretch>
+            <a:fillRect/>
+          </a:stretch>
+        </p:blipFill>
+        <p:spPr bwMode="auto">
+          <a:xfrm>
+            <a:off x="1835696" y="2852936"/>
+            <a:ext cx="5715000" cy="3438526"/>
+          </a:xfrm>
+          <a:prstGeom prst="rect">
+            <a:avLst/>
+          </a:prstGeom>
+          <a:noFill/>
+        </p:spPr>
+      </p:pic>
     </p:spTree>
   </p:cSld>
   <p:clrMapOvr>
@@ -6556,6 +6586,13 @@
   <p:clrMapOvr>
     <a:masterClrMapping/>
   </p:clrMapOvr>
+  <p:timing>
+    <p:tnLst>
+      <p:par>
+        <p:cTn id="1" dur="indefinite" restart="never" nodeType="tmRoot"/>
+      </p:par>
+    </p:tnLst>
+  </p:timing>
 </p:sld>
 </file>
 
@@ -6730,15 +6767,15 @@
         </p:nvPicPr>
         <p:blipFill>
           <a:blip r:embed="rId2" cstate="print"/>
-          <a:srcRect t="27106" b="25459"/>
+          <a:srcRect l="4932" t="27106" r="5304" b="39410"/>
           <a:stretch>
             <a:fillRect/>
           </a:stretch>
         </p:blipFill>
         <p:spPr bwMode="auto">
           <a:xfrm>
-            <a:off x="683568" y="2492896"/>
-            <a:ext cx="7299924" cy="2448272"/>
+            <a:off x="755576" y="2492896"/>
+            <a:ext cx="7644849" cy="2016224"/>
           </a:xfrm>
           <a:prstGeom prst="rect">
             <a:avLst/>

--- a/doc/Travelplaner.pptx
+++ b/doc/Travelplaner.pptx
@@ -5720,8 +5720,23 @@
             </a:r>
             <a:r>
               <a:rPr lang="de-CH" dirty="0" smtClean="0"/>
-              <a:t> 4</a:t>
-            </a:r>
+              <a:t> </a:t>
+            </a:r>
+            <a:r>
+              <a:rPr lang="de-CH" dirty="0" smtClean="0"/>
+              <a:t>4</a:t>
+            </a:r>
+          </a:p>
+          <a:p>
+            <a:r>
+              <a:rPr lang="de-CH" smtClean="0"/>
+              <a:t>d</a:t>
+            </a:r>
+            <a:r>
+              <a:rPr lang="de-CH" smtClean="0"/>
+              <a:t>rone.io</a:t>
+            </a:r>
+            <a:endParaRPr lang="de-CH" dirty="0" smtClean="0"/>
           </a:p>
           <a:p>
             <a:endParaRPr lang="de-CH" dirty="0"/>
@@ -6411,11 +6426,7 @@
           <a:p>
             <a:r>
               <a:rPr lang="de-CH" dirty="0" smtClean="0"/>
-              <a:t>3 (4) </a:t>
-            </a:r>
-            <a:r>
-              <a:rPr lang="de-CH" dirty="0" smtClean="0"/>
-              <a:t>Sprints =&gt; iterative Entwicklung</a:t>
+              <a:t>3 (4) Sprints =&gt; iterative Entwicklung</a:t>
             </a:r>
           </a:p>
           <a:p>
@@ -6645,7 +6656,19 @@
             <a:pPr lvl="0"/>
             <a:r>
               <a:rPr lang="de-DE" dirty="0" smtClean="0"/>
-              <a:t>Patterns: Bsp. Singleton (DAO Klassen) </a:t>
+              <a:t>Patterns: </a:t>
+            </a:r>
+            <a:endParaRPr lang="de-DE" dirty="0" smtClean="0"/>
+          </a:p>
+          <a:p>
+            <a:pPr lvl="1"/>
+            <a:r>
+              <a:rPr lang="de-DE" dirty="0" smtClean="0"/>
+              <a:t>Singleton </a:t>
+            </a:r>
+            <a:r>
+              <a:rPr lang="de-DE" dirty="0" smtClean="0"/>
+              <a:t>(DAO Klassen) </a:t>
             </a:r>
             <a:endParaRPr lang="de-CH" dirty="0" smtClean="0"/>
           </a:p>
@@ -6681,6 +6704,32 @@
           </a:p>
         </p:txBody>
       </p:sp>
+      <p:pic>
+        <p:nvPicPr>
+          <p:cNvPr id="1026" name="Picture 2" descr="C:\develop\git\TravelPlanner\diagrams\Observer_example.png"/>
+          <p:cNvPicPr>
+            <a:picLocks noChangeAspect="1" noChangeArrowheads="1"/>
+          </p:cNvPicPr>
+          <p:nvPr/>
+        </p:nvPicPr>
+        <p:blipFill>
+          <a:blip r:embed="rId2" cstate="print"/>
+          <a:srcRect/>
+          <a:stretch>
+            <a:fillRect/>
+          </a:stretch>
+        </p:blipFill>
+        <p:spPr bwMode="auto">
+          <a:xfrm>
+            <a:off x="4716016" y="2348880"/>
+            <a:ext cx="3974968" cy="4176464"/>
+          </a:xfrm>
+          <a:prstGeom prst="rect">
+            <a:avLst/>
+          </a:prstGeom>
+          <a:noFill/>
+        </p:spPr>
+      </p:pic>
     </p:spTree>
   </p:cSld>
   <p:clrMapOvr>
